--- a/section_slides/week2_section_slides_2.pptx
+++ b/section_slides/week2_section_slides_2.pptx
@@ -2930,53 +2930,6 @@
           </a:p>
         </p:txBody>
       </p:sp>
-      <p:sp>
-        <p:nvSpPr>
-          <p:cNvPr id="11" name="object 11"/>
-          <p:cNvSpPr txBox="1"/>
-          <p:nvPr/>
-        </p:nvSpPr>
-        <p:spPr>
-          <a:xfrm>
-            <a:off x="6174740" y="6124765"/>
-            <a:ext cx="1924050" cy="177800"/>
-          </a:xfrm>
-          <a:prstGeom prst="rect">
-            <a:avLst/>
-          </a:prstGeom>
-        </p:spPr>
-        <p:txBody>
-          <a:bodyPr vert="horz" wrap="square" lIns="0" tIns="12700" rIns="0" bIns="0" rtlCol="0">
-            <a:spAutoFit/>
-          </a:bodyPr>
-          <a:lstStyle/>
-          <a:p>
-            <a:pPr marL="12700">
-              <a:lnSpc>
-                <a:spcPct val="100000"/>
-              </a:lnSpc>
-              <a:spcBef>
-                <a:spcPts val="100"/>
-              </a:spcBef>
-            </a:pPr>
-            <a:r>
-              <a:rPr sz="1000" b="1" spc="-5" dirty="0">
-                <a:solidFill>
-                  <a:srgbClr val="FFFFFF"/>
-                </a:solidFill>
-                <a:latin typeface="Arial"/>
-                <a:cs typeface="Arial"/>
-                <a:hlinkClick r:id="rId7"/>
-              </a:rPr>
-              <a:t>www.johnsonmike.wix/geog178</a:t>
-            </a:r>
-            <a:endParaRPr sz="1000">
-              <a:latin typeface="Arial"/>
-              <a:cs typeface="Arial"/>
-            </a:endParaRPr>
-          </a:p>
-        </p:txBody>
-      </p:sp>
     </p:spTree>
   </p:cSld>
   <p:clrMapOvr>
@@ -24164,53 +24117,6 @@
               <a:t>Variables</a:t>
             </a:r>
             <a:endParaRPr sz="8000"/>
-          </a:p>
-        </p:txBody>
-      </p:sp>
-      <p:sp>
-        <p:nvSpPr>
-          <p:cNvPr id="3" name="object 3"/>
-          <p:cNvSpPr txBox="1"/>
-          <p:nvPr/>
-        </p:nvSpPr>
-        <p:spPr>
-          <a:xfrm>
-            <a:off x="6174740" y="6124765"/>
-            <a:ext cx="1924050" cy="177800"/>
-          </a:xfrm>
-          <a:prstGeom prst="rect">
-            <a:avLst/>
-          </a:prstGeom>
-        </p:spPr>
-        <p:txBody>
-          <a:bodyPr vert="horz" wrap="square" lIns="0" tIns="12700" rIns="0" bIns="0" rtlCol="0">
-            <a:spAutoFit/>
-          </a:bodyPr>
-          <a:lstStyle/>
-          <a:p>
-            <a:pPr marL="12700">
-              <a:lnSpc>
-                <a:spcPct val="100000"/>
-              </a:lnSpc>
-              <a:spcBef>
-                <a:spcPts val="100"/>
-              </a:spcBef>
-            </a:pPr>
-            <a:r>
-              <a:rPr sz="1000" b="1" spc="-5" dirty="0">
-                <a:solidFill>
-                  <a:srgbClr val="FFFFFF"/>
-                </a:solidFill>
-                <a:latin typeface="Arial"/>
-                <a:cs typeface="Arial"/>
-                <a:hlinkClick r:id="rId2"/>
-              </a:rPr>
-              <a:t>www.johnsonmike.wix/geog178</a:t>
-            </a:r>
-            <a:endParaRPr sz="1000">
-              <a:latin typeface="Arial"/>
-              <a:cs typeface="Arial"/>
-            </a:endParaRPr>
           </a:p>
         </p:txBody>
       </p:sp>

--- a/section_slides/week2_section_slides_2.pptx
+++ b/section_slides/week2_section_slides_2.pptx
@@ -42,12 +42,13 @@
     <p:sldId id="291" r:id="rId36"/>
     <p:sldId id="300" r:id="rId37"/>
     <p:sldId id="292" r:id="rId38"/>
-    <p:sldId id="293" r:id="rId39"/>
-    <p:sldId id="294" r:id="rId40"/>
-    <p:sldId id="295" r:id="rId41"/>
-    <p:sldId id="296" r:id="rId42"/>
-    <p:sldId id="297" r:id="rId43"/>
-    <p:sldId id="298" r:id="rId44"/>
+    <p:sldId id="301" r:id="rId39"/>
+    <p:sldId id="293" r:id="rId40"/>
+    <p:sldId id="294" r:id="rId41"/>
+    <p:sldId id="295" r:id="rId42"/>
+    <p:sldId id="296" r:id="rId43"/>
+    <p:sldId id="297" r:id="rId44"/>
+    <p:sldId id="298" r:id="rId45"/>
   </p:sldIdLst>
   <p:sldSz cx="9144000" cy="6858000" type="screen4x3"/>
   <p:notesSz cx="9144000" cy="6858000"/>
@@ -315,7 +316,7 @@
           <a:p>
             <a:fld id="{1D8BD707-D9CF-40AE-B4C6-C98DA3205C09}" type="datetimeFigureOut">
               <a:rPr lang="en-US"/>
-              <a:t>1/14/19</a:t>
+              <a:t>1/15/19</a:t>
             </a:fld>
             <a:endParaRPr lang="en-US"/>
           </a:p>
@@ -503,7 +504,7 @@
           <a:p>
             <a:fld id="{1D8BD707-D9CF-40AE-B4C6-C98DA3205C09}" type="datetimeFigureOut">
               <a:rPr lang="en-US"/>
-              <a:t>1/14/19</a:t>
+              <a:t>1/15/19</a:t>
             </a:fld>
             <a:endParaRPr lang="en-US"/>
           </a:p>
@@ -728,7 +729,7 @@
           <a:p>
             <a:fld id="{1D8BD707-D9CF-40AE-B4C6-C98DA3205C09}" type="datetimeFigureOut">
               <a:rPr lang="en-US"/>
-              <a:t>1/14/19</a:t>
+              <a:t>1/15/19</a:t>
             </a:fld>
             <a:endParaRPr lang="en-US"/>
           </a:p>
@@ -1226,7 +1227,7 @@
           <a:p>
             <a:fld id="{1D8BD707-D9CF-40AE-B4C6-C98DA3205C09}" type="datetimeFigureOut">
               <a:rPr lang="en-US"/>
-              <a:t>1/14/19</a:t>
+              <a:t>1/15/19</a:t>
             </a:fld>
             <a:endParaRPr lang="en-US"/>
           </a:p>
@@ -1745,7 +1746,7 @@
           <a:p>
             <a:fld id="{1D8BD707-D9CF-40AE-B4C6-C98DA3205C09}" type="datetimeFigureOut">
               <a:rPr lang="en-US"/>
-              <a:t>1/14/19</a:t>
+              <a:t>1/15/19</a:t>
             </a:fld>
             <a:endParaRPr lang="en-US"/>
           </a:p>
@@ -2010,7 +2011,7 @@
           <a:p>
             <a:fld id="{1D8BD707-D9CF-40AE-B4C6-C98DA3205C09}" type="datetimeFigureOut">
               <a:rPr lang="en-US"/>
-              <a:t>1/14/19</a:t>
+              <a:t>1/15/19</a:t>
             </a:fld>
             <a:endParaRPr lang="en-US"/>
           </a:p>
@@ -3016,53 +3017,6 @@
           </a:p>
         </p:txBody>
       </p:sp>
-      <p:sp>
-        <p:nvSpPr>
-          <p:cNvPr id="3" name="object 3"/>
-          <p:cNvSpPr txBox="1"/>
-          <p:nvPr/>
-        </p:nvSpPr>
-        <p:spPr>
-          <a:xfrm>
-            <a:off x="6174740" y="6124765"/>
-            <a:ext cx="1924050" cy="177800"/>
-          </a:xfrm>
-          <a:prstGeom prst="rect">
-            <a:avLst/>
-          </a:prstGeom>
-        </p:spPr>
-        <p:txBody>
-          <a:bodyPr vert="horz" wrap="square" lIns="0" tIns="12700" rIns="0" bIns="0" rtlCol="0">
-            <a:spAutoFit/>
-          </a:bodyPr>
-          <a:lstStyle/>
-          <a:p>
-            <a:pPr marL="12700">
-              <a:lnSpc>
-                <a:spcPct val="100000"/>
-              </a:lnSpc>
-              <a:spcBef>
-                <a:spcPts val="100"/>
-              </a:spcBef>
-            </a:pPr>
-            <a:r>
-              <a:rPr sz="1000" b="1" spc="-5" dirty="0">
-                <a:solidFill>
-                  <a:srgbClr val="FFFFFF"/>
-                </a:solidFill>
-                <a:latin typeface="Arial"/>
-                <a:cs typeface="Arial"/>
-                <a:hlinkClick r:id="rId2"/>
-              </a:rPr>
-              <a:t>www.johnsonmike.wix/geog178</a:t>
-            </a:r>
-            <a:endParaRPr sz="1000">
-              <a:latin typeface="Arial"/>
-              <a:cs typeface="Arial"/>
-            </a:endParaRPr>
-          </a:p>
-        </p:txBody>
-      </p:sp>
     </p:spTree>
   </p:cSld>
   <p:clrMapOvr>
@@ -3192,7 +3146,7 @@
         <p:spPr>
           <a:xfrm>
             <a:off x="381000" y="1828800"/>
-            <a:ext cx="7254230" cy="2492990"/>
+            <a:ext cx="7254230" cy="3600986"/>
           </a:xfrm>
           <a:prstGeom prst="rect">
             <a:avLst/>
@@ -3206,12 +3160,39 @@
           <a:lstStyle/>
           <a:p>
             <a:r>
+              <a:rPr lang="en-US" b="1" dirty="0"/>
+              <a:t>Option 1) </a:t>
+            </a:r>
+            <a:r>
               <a:rPr lang="en-US" dirty="0"/>
-              <a:t>Option 1) If you have cloned the classes repo, be sure to fetch the new data</a:t>
+              <a:t>If you have cloned the classes repo, be sure to </a:t>
+            </a:r>
+            <a:r>
+              <a:rPr lang="en-US" b="1" dirty="0"/>
+              <a:t>pull</a:t>
+            </a:r>
+            <a:r>
+              <a:rPr lang="en-US" dirty="0"/>
+              <a:t> the new data</a:t>
             </a:r>
           </a:p>
           <a:p>
             <a:endParaRPr lang="en-US" dirty="0"/>
+          </a:p>
+          <a:p>
+            <a:r>
+              <a:rPr lang="en-US" dirty="0"/>
+              <a:t>Complete Workflow:</a:t>
+            </a:r>
+          </a:p>
+          <a:p>
+            <a:endParaRPr lang="en-US" dirty="0"/>
+          </a:p>
+          <a:p>
+            <a:r>
+              <a:rPr lang="en-US" sz="1200" i="1" dirty="0"/>
+              <a:t>Do once:</a:t>
+            </a:r>
           </a:p>
           <a:p>
             <a:r>
@@ -3258,7 +3239,23 @@
                   </a:schemeClr>
                 </a:solidFill>
               </a:rPr>
-              <a:t>/mikejohnson51/geog178.git   ## Clone (copy the repo) into that location </a:t>
+              <a:t>/mikejohnson51/geog178.git   ## Clone (copy the repo) into that location ‘</a:t>
+            </a:r>
+          </a:p>
+          <a:p>
+            <a:endParaRPr lang="en-US" sz="1200" dirty="0">
+              <a:solidFill>
+                <a:schemeClr val="tx1">
+                  <a:lumMod val="50000"/>
+                  <a:lumOff val="50000"/>
+                </a:schemeClr>
+              </a:solidFill>
+            </a:endParaRPr>
+          </a:p>
+          <a:p>
+            <a:r>
+              <a:rPr lang="en-US" sz="1200" i="1" dirty="0"/>
+              <a:t>To Update:</a:t>
             </a:r>
           </a:p>
           <a:p>
@@ -3292,8 +3289,12 @@
           </a:p>
           <a:p>
             <a:r>
+              <a:rPr lang="en-US" b="1" dirty="0"/>
+              <a:t>Option 2) </a:t>
+            </a:r>
+            <a:r>
               <a:rPr lang="en-US" dirty="0"/>
-              <a:t>Option 2) Download the zip file from the course page</a:t>
+              <a:t>Download the zip file from the course page</a:t>
             </a:r>
           </a:p>
           <a:p>
@@ -3306,10 +3307,10 @@
       </p:sp>
       <p:pic>
         <p:nvPicPr>
-          <p:cNvPr id="5" name="Picture 4">
+          <p:cNvPr id="7" name="Picture 6">
             <a:extLst>
               <a:ext uri="{FF2B5EF4-FFF2-40B4-BE49-F238E27FC236}">
-                <a16:creationId xmlns:a16="http://schemas.microsoft.com/office/drawing/2014/main" id="{BC1CA0FC-5A04-0149-BF16-68D75FC7E6FB}"/>
+                <a16:creationId xmlns:a16="http://schemas.microsoft.com/office/drawing/2014/main" id="{EE152574-B315-2C41-9E46-EE5A9D9E8AAF}"/>
               </a:ext>
             </a:extLst>
           </p:cNvPr>
@@ -3326,8 +3327,8 @@
         </p:blipFill>
         <p:spPr>
           <a:xfrm>
-            <a:off x="399245" y="4133657"/>
-            <a:ext cx="4495800" cy="1344008"/>
+            <a:off x="457200" y="4876800"/>
+            <a:ext cx="4954896" cy="1355012"/>
           </a:xfrm>
           <a:prstGeom prst="rect">
             <a:avLst/>
@@ -3348,7 +3349,7 @@
         </p:nvSpPr>
         <p:spPr>
           <a:xfrm>
-            <a:off x="381000" y="4953000"/>
+            <a:off x="362755" y="5772343"/>
             <a:ext cx="1816100" cy="582008"/>
           </a:xfrm>
           <a:prstGeom prst="ellipse">
@@ -4042,7 +4043,27 @@
                 <a:latin typeface="Arial"/>
                 <a:cs typeface="Arial"/>
               </a:rPr>
-              <a:t>Open a </a:t>
+              <a:t>Open a</a:t>
+            </a:r>
+            <a:r>
+              <a:rPr lang="en-US" sz="1800" dirty="0">
+                <a:solidFill>
+                  <a:srgbClr val="003399"/>
+                </a:solidFill>
+                <a:latin typeface="Arial"/>
+                <a:cs typeface="Arial"/>
+              </a:rPr>
+              <a:t>n Eclipse</a:t>
+            </a:r>
+            <a:r>
+              <a:rPr sz="1800" dirty="0">
+                <a:solidFill>
+                  <a:srgbClr val="003399"/>
+                </a:solidFill>
+                <a:latin typeface="Arial"/>
+                <a:cs typeface="Arial"/>
+              </a:rPr>
+              <a:t> </a:t>
             </a:r>
             <a:r>
               <a:rPr sz="1800" spc="-5" dirty="0">
@@ -4063,36 +4084,6 @@
                 <a:cs typeface="Arial"/>
               </a:rPr>
               <a:t>on your flash drive or local desktop</a:t>
-            </a:r>
-            <a:r>
-              <a:rPr sz="1800" spc="-5" dirty="0">
-                <a:solidFill>
-                  <a:srgbClr val="003399"/>
-                </a:solidFill>
-                <a:latin typeface="Arial"/>
-                <a:cs typeface="Arial"/>
-              </a:rPr>
-              <a:t> </a:t>
-            </a:r>
-            <a:r>
-              <a:rPr lang="en-US" sz="1800" spc="-5" dirty="0">
-                <a:solidFill>
-                  <a:srgbClr val="003399"/>
-                </a:solidFill>
-                <a:latin typeface="Arial"/>
-                <a:cs typeface="Arial"/>
-              </a:rPr>
-              <a:t>in </a:t>
-            </a:r>
-            <a:r>
-              <a:rPr sz="1800" spc="-5" dirty="0">
-                <a:solidFill>
-                  <a:srgbClr val="003399"/>
-                </a:solidFill>
-                <a:latin typeface="Arial"/>
-                <a:cs typeface="Arial"/>
-              </a:rPr>
-              <a:t>Eclipse</a:t>
             </a:r>
             <a:endParaRPr sz="1800" dirty="0">
               <a:latin typeface="Arial"/>
@@ -4517,26 +4508,16 @@
               </a:spcBef>
             </a:pPr>
             <a:r>
-              <a:rPr sz="2400" spc="-1605" dirty="0">
+              <a:rPr lang="en-US" sz="2400" spc="-1605" dirty="0">
                 <a:solidFill>
                   <a:srgbClr val="4E6EC8"/>
                 </a:solidFill>
                 <a:latin typeface="Arial Black"/>
                 <a:cs typeface="Arial Black"/>
               </a:rPr>
-              <a:t>1</a:t>
-            </a:r>
-            <a:r>
-              <a:rPr sz="2400" dirty="0">
-                <a:solidFill>
-                  <a:srgbClr val="4E6EC8"/>
-                </a:solidFill>
-                <a:latin typeface="Arial Black"/>
-                <a:cs typeface="Arial Black"/>
-              </a:rPr>
               <a:t>2</a:t>
             </a:r>
-            <a:endParaRPr sz="2400">
+            <a:endParaRPr sz="2400" dirty="0">
               <a:latin typeface="Arial Black"/>
               <a:cs typeface="Arial Black"/>
             </a:endParaRPr>
@@ -4604,7 +4585,7 @@
         <p:spPr>
           <a:xfrm>
             <a:off x="3532056" y="3259116"/>
-            <a:ext cx="5321935" cy="1933863"/>
+            <a:ext cx="5321935" cy="1656864"/>
           </a:xfrm>
           <a:prstGeom prst="rect">
             <a:avLst/>
@@ -4819,27 +4800,7 @@
                 <a:latin typeface="Arial"/>
                 <a:cs typeface="Arial"/>
               </a:rPr>
-              <a:t> folder on your</a:t>
-            </a:r>
-            <a:r>
-              <a:rPr sz="1800" spc="-30" dirty="0">
-                <a:solidFill>
-                  <a:srgbClr val="003399"/>
-                </a:solidFill>
-                <a:latin typeface="Arial"/>
-                <a:cs typeface="Arial"/>
-              </a:rPr>
-              <a:t> </a:t>
-            </a:r>
-            <a:r>
-              <a:rPr sz="1800" spc="-5" dirty="0">
-                <a:solidFill>
-                  <a:srgbClr val="003399"/>
-                </a:solidFill>
-                <a:latin typeface="Arial"/>
-                <a:cs typeface="Arial"/>
-              </a:rPr>
-              <a:t>desktop</a:t>
+              <a:t> folder</a:t>
             </a:r>
             <a:endParaRPr sz="1800" dirty="0">
               <a:latin typeface="Arial"/>
@@ -5991,35 +5952,36 @@
           </a:p>
         </p:txBody>
       </p:sp>
-      <p:sp>
-        <p:nvSpPr>
-          <p:cNvPr id="11" name="object 11"/>
-          <p:cNvSpPr/>
+      <p:pic>
+        <p:nvPicPr>
+          <p:cNvPr id="12" name="Picture 11">
+            <a:extLst>
+              <a:ext uri="{FF2B5EF4-FFF2-40B4-BE49-F238E27FC236}">
+                <a16:creationId xmlns:a16="http://schemas.microsoft.com/office/drawing/2014/main" id="{D7560364-7C68-4046-AD03-EA06454A8085}"/>
+              </a:ext>
+            </a:extLst>
+          </p:cNvPr>
+          <p:cNvPicPr>
+            <a:picLocks noChangeAspect="1"/>
+          </p:cNvPicPr>
           <p:nvPr/>
-        </p:nvSpPr>
+        </p:nvPicPr>
+        <p:blipFill>
+          <a:blip r:embed="rId2"/>
+          <a:stretch>
+            <a:fillRect/>
+          </a:stretch>
+        </p:blipFill>
         <p:spPr>
           <a:xfrm>
-            <a:off x="3837899" y="3405429"/>
-            <a:ext cx="4053033" cy="2602721"/>
+            <a:off x="3810000" y="3254663"/>
+            <a:ext cx="3657600" cy="2871803"/>
           </a:xfrm>
           <a:prstGeom prst="rect">
             <a:avLst/>
           </a:prstGeom>
-          <a:blipFill>
-            <a:blip r:embed="rId2" cstate="print"/>
-            <a:stretch>
-              <a:fillRect/>
-            </a:stretch>
-          </a:blipFill>
         </p:spPr>
-        <p:txBody>
-          <a:bodyPr wrap="square" lIns="0" tIns="0" rIns="0" bIns="0" rtlCol="0"/>
-          <a:lstStyle/>
-          <a:p>
-            <a:endParaRPr/>
-          </a:p>
-        </p:txBody>
-      </p:sp>
+      </p:pic>
     </p:spTree>
     <p:extLst>
       <p:ext uri="{BB962C8B-B14F-4D97-AF65-F5344CB8AC3E}">
@@ -6059,7 +6021,7 @@
         <p:spPr>
           <a:xfrm>
             <a:off x="3477258" y="1595445"/>
-            <a:ext cx="5057141" cy="443711"/>
+            <a:ext cx="5057141" cy="3867725"/>
           </a:xfrm>
           <a:prstGeom prst="rect">
             <a:avLst/>
@@ -6116,21 +6078,921 @@
                 <a:latin typeface="Arial"/>
                 <a:cs typeface="Arial"/>
               </a:rPr>
-              <a:t> folder of the new project you should see the examples for today. Don’t open them yet!!</a:t>
-            </a:r>
-            <a:endParaRPr sz="1400" dirty="0">
+              <a:t> folder of the imported project you should see the examples for today. </a:t>
+            </a:r>
+            <a:r>
+              <a:rPr lang="en-US" sz="1400" b="1" spc="-5" dirty="0">
+                <a:solidFill>
+                  <a:srgbClr val="003399"/>
+                </a:solidFill>
+                <a:latin typeface="Arial"/>
+                <a:cs typeface="Arial"/>
+              </a:rPr>
+              <a:t>Don’t open them yet!!</a:t>
+            </a:r>
+          </a:p>
+          <a:p>
+            <a:pPr marL="355600" indent="-342900">
+              <a:lnSpc>
+                <a:spcPct val="100000"/>
+              </a:lnSpc>
+              <a:spcBef>
+                <a:spcPts val="100"/>
+              </a:spcBef>
+              <a:buClr>
+                <a:srgbClr val="99CC00"/>
+              </a:buClr>
+              <a:buSzPct val="150000"/>
+              <a:buChar char="•"/>
+              <a:tabLst>
+                <a:tab pos="354965" algn="l"/>
+                <a:tab pos="355600" algn="l"/>
+              </a:tabLst>
+            </a:pPr>
+            <a:endParaRPr lang="en-US" sz="1400" b="1" spc="-5" dirty="0">
+              <a:solidFill>
+                <a:srgbClr val="003399"/>
+              </a:solidFill>
               <a:latin typeface="Arial"/>
               <a:cs typeface="Arial"/>
+            </a:endParaRPr>
+          </a:p>
+          <a:p>
+            <a:pPr marL="355600" indent="-342900">
+              <a:lnSpc>
+                <a:spcPct val="100000"/>
+              </a:lnSpc>
+              <a:spcBef>
+                <a:spcPts val="100"/>
+              </a:spcBef>
+              <a:buClr>
+                <a:srgbClr val="99CC00"/>
+              </a:buClr>
+              <a:buSzPct val="150000"/>
+              <a:buChar char="•"/>
+              <a:tabLst>
+                <a:tab pos="354965" algn="l"/>
+                <a:tab pos="355600" algn="l"/>
+              </a:tabLst>
+            </a:pPr>
+            <a:endParaRPr lang="en-US" sz="1400" b="1" spc="-5" dirty="0">
+              <a:solidFill>
+                <a:srgbClr val="003399"/>
+              </a:solidFill>
+              <a:latin typeface="Arial"/>
+              <a:cs typeface="Arial"/>
+            </a:endParaRPr>
+          </a:p>
+          <a:p>
+            <a:pPr marL="355600" indent="-342900">
+              <a:lnSpc>
+                <a:spcPct val="100000"/>
+              </a:lnSpc>
+              <a:spcBef>
+                <a:spcPts val="100"/>
+              </a:spcBef>
+              <a:buClr>
+                <a:srgbClr val="99CC00"/>
+              </a:buClr>
+              <a:buSzPct val="150000"/>
+              <a:buChar char="•"/>
+              <a:tabLst>
+                <a:tab pos="354965" algn="l"/>
+                <a:tab pos="355600" algn="l"/>
+              </a:tabLst>
+            </a:pPr>
+            <a:endParaRPr lang="en-US" sz="1400" b="1" spc="-5" dirty="0">
+              <a:solidFill>
+                <a:srgbClr val="003399"/>
+              </a:solidFill>
+              <a:latin typeface="Arial"/>
+              <a:cs typeface="Arial"/>
+            </a:endParaRPr>
+          </a:p>
+          <a:p>
+            <a:pPr marL="355600" indent="-342900">
+              <a:lnSpc>
+                <a:spcPct val="100000"/>
+              </a:lnSpc>
+              <a:spcBef>
+                <a:spcPts val="100"/>
+              </a:spcBef>
+              <a:buClr>
+                <a:srgbClr val="99CC00"/>
+              </a:buClr>
+              <a:buSzPct val="150000"/>
+              <a:buChar char="•"/>
+              <a:tabLst>
+                <a:tab pos="354965" algn="l"/>
+                <a:tab pos="355600" algn="l"/>
+              </a:tabLst>
+            </a:pPr>
+            <a:endParaRPr lang="en-US" sz="1400" b="1" spc="-5" dirty="0">
+              <a:solidFill>
+                <a:srgbClr val="003399"/>
+              </a:solidFill>
+              <a:latin typeface="Arial"/>
+              <a:cs typeface="Arial"/>
+            </a:endParaRPr>
+          </a:p>
+          <a:p>
+            <a:pPr marL="355600" indent="-342900">
+              <a:lnSpc>
+                <a:spcPct val="100000"/>
+              </a:lnSpc>
+              <a:spcBef>
+                <a:spcPts val="100"/>
+              </a:spcBef>
+              <a:buClr>
+                <a:srgbClr val="99CC00"/>
+              </a:buClr>
+              <a:buSzPct val="150000"/>
+              <a:buChar char="•"/>
+              <a:tabLst>
+                <a:tab pos="354965" algn="l"/>
+                <a:tab pos="355600" algn="l"/>
+              </a:tabLst>
+            </a:pPr>
+            <a:endParaRPr lang="en-US" sz="1400" b="1" spc="-5" dirty="0">
+              <a:solidFill>
+                <a:srgbClr val="003399"/>
+              </a:solidFill>
+              <a:latin typeface="Arial"/>
+              <a:cs typeface="Arial"/>
+            </a:endParaRPr>
+          </a:p>
+          <a:p>
+            <a:pPr marL="355600" indent="-342900">
+              <a:lnSpc>
+                <a:spcPct val="100000"/>
+              </a:lnSpc>
+              <a:spcBef>
+                <a:spcPts val="100"/>
+              </a:spcBef>
+              <a:buClr>
+                <a:srgbClr val="99CC00"/>
+              </a:buClr>
+              <a:buSzPct val="150000"/>
+              <a:buChar char="•"/>
+              <a:tabLst>
+                <a:tab pos="354965" algn="l"/>
+                <a:tab pos="355600" algn="l"/>
+              </a:tabLst>
+            </a:pPr>
+            <a:endParaRPr lang="en-US" sz="1400" b="1" spc="-5" dirty="0">
+              <a:solidFill>
+                <a:srgbClr val="003399"/>
+              </a:solidFill>
+              <a:latin typeface="Arial"/>
+              <a:cs typeface="Arial"/>
+            </a:endParaRPr>
+          </a:p>
+          <a:p>
+            <a:pPr marL="355600" indent="-342900">
+              <a:lnSpc>
+                <a:spcPct val="100000"/>
+              </a:lnSpc>
+              <a:spcBef>
+                <a:spcPts val="100"/>
+              </a:spcBef>
+              <a:buClr>
+                <a:srgbClr val="99CC00"/>
+              </a:buClr>
+              <a:buSzPct val="150000"/>
+              <a:buChar char="•"/>
+              <a:tabLst>
+                <a:tab pos="354965" algn="l"/>
+                <a:tab pos="355600" algn="l"/>
+              </a:tabLst>
+            </a:pPr>
+            <a:endParaRPr lang="en-US" sz="1400" b="1" spc="-5" dirty="0">
+              <a:solidFill>
+                <a:srgbClr val="003399"/>
+              </a:solidFill>
+              <a:latin typeface="Arial"/>
+              <a:cs typeface="Arial"/>
+            </a:endParaRPr>
+          </a:p>
+          <a:p>
+            <a:pPr marL="355600" indent="-342900">
+              <a:lnSpc>
+                <a:spcPct val="100000"/>
+              </a:lnSpc>
+              <a:spcBef>
+                <a:spcPts val="100"/>
+              </a:spcBef>
+              <a:buClr>
+                <a:srgbClr val="99CC00"/>
+              </a:buClr>
+              <a:buSzPct val="150000"/>
+              <a:buChar char="•"/>
+              <a:tabLst>
+                <a:tab pos="354965" algn="l"/>
+                <a:tab pos="355600" algn="l"/>
+              </a:tabLst>
+            </a:pPr>
+            <a:endParaRPr lang="en-US" sz="1400" b="1" spc="-5" dirty="0">
+              <a:solidFill>
+                <a:srgbClr val="003399"/>
+              </a:solidFill>
+              <a:latin typeface="Arial"/>
+              <a:cs typeface="Arial"/>
+            </a:endParaRPr>
+          </a:p>
+          <a:p>
+            <a:pPr marL="355600" indent="-342900">
+              <a:lnSpc>
+                <a:spcPct val="100000"/>
+              </a:lnSpc>
+              <a:spcBef>
+                <a:spcPts val="100"/>
+              </a:spcBef>
+              <a:buClr>
+                <a:srgbClr val="99CC00"/>
+              </a:buClr>
+              <a:buSzPct val="150000"/>
+              <a:buChar char="•"/>
+              <a:tabLst>
+                <a:tab pos="354965" algn="l"/>
+                <a:tab pos="355600" algn="l"/>
+              </a:tabLst>
+            </a:pPr>
+            <a:endParaRPr lang="en-US" sz="1400" b="1" spc="-5" dirty="0">
+              <a:solidFill>
+                <a:srgbClr val="003399"/>
+              </a:solidFill>
+              <a:latin typeface="Arial"/>
+              <a:cs typeface="Arial"/>
+            </a:endParaRPr>
+          </a:p>
+          <a:p>
+            <a:pPr marL="355600" indent="-342900">
+              <a:lnSpc>
+                <a:spcPct val="100000"/>
+              </a:lnSpc>
+              <a:spcBef>
+                <a:spcPts val="100"/>
+              </a:spcBef>
+              <a:buClr>
+                <a:srgbClr val="99CC00"/>
+              </a:buClr>
+              <a:buSzPct val="150000"/>
+              <a:buChar char="•"/>
+              <a:tabLst>
+                <a:tab pos="354965" algn="l"/>
+                <a:tab pos="355600" algn="l"/>
+              </a:tabLst>
+            </a:pPr>
+            <a:endParaRPr lang="en-US" sz="1400" b="1" spc="-5" dirty="0">
+              <a:solidFill>
+                <a:srgbClr val="003399"/>
+              </a:solidFill>
+              <a:latin typeface="Arial"/>
+              <a:cs typeface="Arial"/>
+            </a:endParaRPr>
+          </a:p>
+          <a:p>
+            <a:pPr marL="355600" indent="-342900">
+              <a:lnSpc>
+                <a:spcPct val="100000"/>
+              </a:lnSpc>
+              <a:spcBef>
+                <a:spcPts val="100"/>
+              </a:spcBef>
+              <a:buClr>
+                <a:srgbClr val="99CC00"/>
+              </a:buClr>
+              <a:buSzPct val="150000"/>
+              <a:buChar char="•"/>
+              <a:tabLst>
+                <a:tab pos="354965" algn="l"/>
+                <a:tab pos="355600" algn="l"/>
+              </a:tabLst>
+            </a:pPr>
+            <a:endParaRPr lang="en-US" sz="1400" b="1" spc="-5" dirty="0">
+              <a:solidFill>
+                <a:srgbClr val="003399"/>
+              </a:solidFill>
+              <a:latin typeface="Arial"/>
+              <a:cs typeface="Arial"/>
+            </a:endParaRPr>
+          </a:p>
+          <a:p>
+            <a:pPr marL="355600" indent="-342900">
+              <a:lnSpc>
+                <a:spcPct val="100000"/>
+              </a:lnSpc>
+              <a:spcBef>
+                <a:spcPts val="100"/>
+              </a:spcBef>
+              <a:buClr>
+                <a:srgbClr val="99CC00"/>
+              </a:buClr>
+              <a:buSzPct val="150000"/>
+              <a:buChar char="•"/>
+              <a:tabLst>
+                <a:tab pos="354965" algn="l"/>
+                <a:tab pos="355600" algn="l"/>
+              </a:tabLst>
+            </a:pPr>
+            <a:endParaRPr lang="en-US" sz="1400" b="1" spc="-5" dirty="0">
+              <a:solidFill>
+                <a:srgbClr val="003399"/>
+              </a:solidFill>
+              <a:latin typeface="Arial"/>
+              <a:cs typeface="Arial"/>
+            </a:endParaRPr>
+          </a:p>
+          <a:p>
+            <a:pPr marL="355600" indent="-342900">
+              <a:lnSpc>
+                <a:spcPct val="100000"/>
+              </a:lnSpc>
+              <a:spcBef>
+                <a:spcPts val="100"/>
+              </a:spcBef>
+              <a:buClr>
+                <a:srgbClr val="99CC00"/>
+              </a:buClr>
+              <a:buSzPct val="150000"/>
+              <a:buChar char="•"/>
+              <a:tabLst>
+                <a:tab pos="354965" algn="l"/>
+                <a:tab pos="355600" algn="l"/>
+              </a:tabLst>
+            </a:pPr>
+            <a:endParaRPr lang="en-US" sz="1400" b="1" spc="-5" dirty="0">
+              <a:solidFill>
+                <a:srgbClr val="003399"/>
+              </a:solidFill>
+              <a:latin typeface="Arial"/>
+              <a:cs typeface="Arial"/>
+            </a:endParaRPr>
+          </a:p>
+          <a:p>
+            <a:pPr marL="355600" indent="-342900">
+              <a:lnSpc>
+                <a:spcPct val="100000"/>
+              </a:lnSpc>
+              <a:spcBef>
+                <a:spcPts val="100"/>
+              </a:spcBef>
+              <a:buClr>
+                <a:srgbClr val="99CC00"/>
+              </a:buClr>
+              <a:buSzPct val="150000"/>
+              <a:buChar char="•"/>
+              <a:tabLst>
+                <a:tab pos="354965" algn="l"/>
+                <a:tab pos="355600" algn="l"/>
+              </a:tabLst>
+            </a:pPr>
+            <a:r>
+              <a:rPr lang="en-US" sz="1400" b="1" spc="-5" dirty="0">
+                <a:solidFill>
+                  <a:srgbClr val="003399"/>
+                </a:solidFill>
+                <a:latin typeface="Arial"/>
+                <a:cs typeface="Arial"/>
+              </a:rPr>
+              <a:t>Create a new class called `My_Example1`</a:t>
+            </a:r>
+          </a:p>
+          <a:p>
+            <a:pPr marL="355600" indent="-342900">
+              <a:lnSpc>
+                <a:spcPct val="100000"/>
+              </a:lnSpc>
+              <a:spcBef>
+                <a:spcPts val="100"/>
+              </a:spcBef>
+              <a:buClr>
+                <a:srgbClr val="99CC00"/>
+              </a:buClr>
+              <a:buSzPct val="150000"/>
+              <a:buChar char="•"/>
+              <a:tabLst>
+                <a:tab pos="354965" algn="l"/>
+                <a:tab pos="355600" algn="l"/>
+              </a:tabLst>
+            </a:pPr>
+            <a:endParaRPr sz="1400" b="1" dirty="0">
+              <a:latin typeface="Arial"/>
+              <a:cs typeface="Arial"/>
+            </a:endParaRPr>
+          </a:p>
+        </p:txBody>
+      </p:sp>
+      <p:sp>
+        <p:nvSpPr>
+          <p:cNvPr id="4" name="object 5">
+            <a:extLst>
+              <a:ext uri="{FF2B5EF4-FFF2-40B4-BE49-F238E27FC236}">
+                <a16:creationId xmlns:a16="http://schemas.microsoft.com/office/drawing/2014/main" id="{8BC1773B-A82A-6445-9B1B-358523A118A6}"/>
+              </a:ext>
+            </a:extLst>
+          </p:cNvPr>
+          <p:cNvSpPr/>
+          <p:nvPr/>
+        </p:nvSpPr>
+        <p:spPr>
+          <a:xfrm>
+            <a:off x="1089660" y="2034539"/>
+            <a:ext cx="609600" cy="609600"/>
+          </a:xfrm>
+          <a:custGeom>
+            <a:avLst/>
+            <a:gdLst/>
+            <a:ahLst/>
+            <a:cxnLst/>
+            <a:rect l="l" t="t" r="r" b="b"/>
+            <a:pathLst>
+              <a:path w="609600" h="609600">
+                <a:moveTo>
+                  <a:pt x="304800" y="0"/>
+                </a:moveTo>
+                <a:lnTo>
+                  <a:pt x="255359" y="3989"/>
+                </a:lnTo>
+                <a:lnTo>
+                  <a:pt x="208459" y="15538"/>
+                </a:lnTo>
+                <a:lnTo>
+                  <a:pt x="164726" y="34021"/>
+                </a:lnTo>
+                <a:lnTo>
+                  <a:pt x="124789" y="58808"/>
+                </a:lnTo>
+                <a:lnTo>
+                  <a:pt x="89273" y="89274"/>
+                </a:lnTo>
+                <a:lnTo>
+                  <a:pt x="58808" y="124789"/>
+                </a:lnTo>
+                <a:lnTo>
+                  <a:pt x="34021" y="164727"/>
+                </a:lnTo>
+                <a:lnTo>
+                  <a:pt x="15538" y="208459"/>
+                </a:lnTo>
+                <a:lnTo>
+                  <a:pt x="3989" y="255359"/>
+                </a:lnTo>
+                <a:lnTo>
+                  <a:pt x="0" y="304800"/>
+                </a:lnTo>
+                <a:lnTo>
+                  <a:pt x="3989" y="354240"/>
+                </a:lnTo>
+                <a:lnTo>
+                  <a:pt x="15538" y="401140"/>
+                </a:lnTo>
+                <a:lnTo>
+                  <a:pt x="34021" y="444872"/>
+                </a:lnTo>
+                <a:lnTo>
+                  <a:pt x="58808" y="484810"/>
+                </a:lnTo>
+                <a:lnTo>
+                  <a:pt x="89273" y="520325"/>
+                </a:lnTo>
+                <a:lnTo>
+                  <a:pt x="124789" y="550791"/>
+                </a:lnTo>
+                <a:lnTo>
+                  <a:pt x="164726" y="575578"/>
+                </a:lnTo>
+                <a:lnTo>
+                  <a:pt x="208459" y="594061"/>
+                </a:lnTo>
+                <a:lnTo>
+                  <a:pt x="255359" y="605610"/>
+                </a:lnTo>
+                <a:lnTo>
+                  <a:pt x="304800" y="609600"/>
+                </a:lnTo>
+                <a:lnTo>
+                  <a:pt x="354240" y="605610"/>
+                </a:lnTo>
+                <a:lnTo>
+                  <a:pt x="401140" y="594061"/>
+                </a:lnTo>
+                <a:lnTo>
+                  <a:pt x="444872" y="575578"/>
+                </a:lnTo>
+                <a:lnTo>
+                  <a:pt x="484810" y="550791"/>
+                </a:lnTo>
+                <a:lnTo>
+                  <a:pt x="520325" y="520325"/>
+                </a:lnTo>
+                <a:lnTo>
+                  <a:pt x="550791" y="484810"/>
+                </a:lnTo>
+                <a:lnTo>
+                  <a:pt x="575578" y="444872"/>
+                </a:lnTo>
+                <a:lnTo>
+                  <a:pt x="594061" y="401140"/>
+                </a:lnTo>
+                <a:lnTo>
+                  <a:pt x="605610" y="354240"/>
+                </a:lnTo>
+                <a:lnTo>
+                  <a:pt x="609600" y="304800"/>
+                </a:lnTo>
+                <a:lnTo>
+                  <a:pt x="605610" y="255359"/>
+                </a:lnTo>
+                <a:lnTo>
+                  <a:pt x="594061" y="208459"/>
+                </a:lnTo>
+                <a:lnTo>
+                  <a:pt x="575578" y="164727"/>
+                </a:lnTo>
+                <a:lnTo>
+                  <a:pt x="550791" y="124789"/>
+                </a:lnTo>
+                <a:lnTo>
+                  <a:pt x="520325" y="89274"/>
+                </a:lnTo>
+                <a:lnTo>
+                  <a:pt x="484810" y="58808"/>
+                </a:lnTo>
+                <a:lnTo>
+                  <a:pt x="444872" y="34021"/>
+                </a:lnTo>
+                <a:lnTo>
+                  <a:pt x="401140" y="15538"/>
+                </a:lnTo>
+                <a:lnTo>
+                  <a:pt x="354240" y="3989"/>
+                </a:lnTo>
+                <a:lnTo>
+                  <a:pt x="304800" y="0"/>
+                </a:lnTo>
+                <a:close/>
+              </a:path>
+            </a:pathLst>
+          </a:custGeom>
+          <a:solidFill>
+            <a:srgbClr val="CCFF66"/>
+          </a:solidFill>
+        </p:spPr>
+        <p:txBody>
+          <a:bodyPr wrap="square" lIns="0" tIns="0" rIns="0" bIns="0" rtlCol="0"/>
+          <a:lstStyle/>
+          <a:p>
+            <a:endParaRPr/>
+          </a:p>
+        </p:txBody>
+      </p:sp>
+      <p:sp>
+        <p:nvSpPr>
+          <p:cNvPr id="5" name="object 13">
+            <a:extLst>
+              <a:ext uri="{FF2B5EF4-FFF2-40B4-BE49-F238E27FC236}">
+                <a16:creationId xmlns:a16="http://schemas.microsoft.com/office/drawing/2014/main" id="{68CD563C-E09D-9C48-84D9-A6CC7641ACAF}"/>
+              </a:ext>
+            </a:extLst>
+          </p:cNvPr>
+          <p:cNvSpPr txBox="1"/>
+          <p:nvPr/>
+        </p:nvSpPr>
+        <p:spPr>
+          <a:xfrm>
+            <a:off x="209550" y="2199830"/>
+            <a:ext cx="553085" cy="269240"/>
+          </a:xfrm>
+          <a:prstGeom prst="rect">
+            <a:avLst/>
+          </a:prstGeom>
+        </p:spPr>
+        <p:txBody>
+          <a:bodyPr vert="horz" wrap="square" lIns="0" tIns="12700" rIns="0" bIns="0" rtlCol="0">
+            <a:spAutoFit/>
+          </a:bodyPr>
+          <a:lstStyle/>
+          <a:p>
+            <a:pPr marL="12700">
+              <a:lnSpc>
+                <a:spcPct val="100000"/>
+              </a:lnSpc>
+              <a:spcBef>
+                <a:spcPts val="100"/>
+              </a:spcBef>
+            </a:pPr>
+            <a:r>
+              <a:rPr sz="1600" b="1" spc="-30" dirty="0">
+                <a:solidFill>
+                  <a:srgbClr val="003399"/>
+                </a:solidFill>
+                <a:latin typeface="Arial"/>
+                <a:cs typeface="Arial"/>
+              </a:rPr>
+              <a:t>W</a:t>
+            </a:r>
+            <a:r>
+              <a:rPr sz="1600" b="1" spc="-5" dirty="0">
+                <a:solidFill>
+                  <a:srgbClr val="003399"/>
+                </a:solidFill>
+                <a:latin typeface="Arial"/>
+                <a:cs typeface="Arial"/>
+              </a:rPr>
+              <a:t>ee</a:t>
+            </a:r>
+            <a:r>
+              <a:rPr sz="1600" b="1" dirty="0">
+                <a:solidFill>
+                  <a:srgbClr val="003399"/>
+                </a:solidFill>
+                <a:latin typeface="Arial"/>
+                <a:cs typeface="Arial"/>
+              </a:rPr>
+              <a:t>k</a:t>
+            </a:r>
+            <a:endParaRPr sz="1600">
+              <a:latin typeface="Arial"/>
+              <a:cs typeface="Arial"/>
+            </a:endParaRPr>
+          </a:p>
+        </p:txBody>
+      </p:sp>
+      <p:sp>
+        <p:nvSpPr>
+          <p:cNvPr id="7" name="object 14">
+            <a:extLst>
+              <a:ext uri="{FF2B5EF4-FFF2-40B4-BE49-F238E27FC236}">
+                <a16:creationId xmlns:a16="http://schemas.microsoft.com/office/drawing/2014/main" id="{1AD8BA60-6D91-624E-AF14-4701722152AA}"/>
+              </a:ext>
+            </a:extLst>
+          </p:cNvPr>
+          <p:cNvSpPr/>
+          <p:nvPr/>
+        </p:nvSpPr>
+        <p:spPr>
+          <a:xfrm>
+            <a:off x="1089660" y="2034539"/>
+            <a:ext cx="609600" cy="609600"/>
+          </a:xfrm>
+          <a:custGeom>
+            <a:avLst/>
+            <a:gdLst/>
+            <a:ahLst/>
+            <a:cxnLst/>
+            <a:rect l="l" t="t" r="r" b="b"/>
+            <a:pathLst>
+              <a:path w="609600" h="609600">
+                <a:moveTo>
+                  <a:pt x="304800" y="0"/>
+                </a:moveTo>
+                <a:lnTo>
+                  <a:pt x="255359" y="3989"/>
+                </a:lnTo>
+                <a:lnTo>
+                  <a:pt x="208459" y="15538"/>
+                </a:lnTo>
+                <a:lnTo>
+                  <a:pt x="164726" y="34021"/>
+                </a:lnTo>
+                <a:lnTo>
+                  <a:pt x="124789" y="58808"/>
+                </a:lnTo>
+                <a:lnTo>
+                  <a:pt x="89273" y="89274"/>
+                </a:lnTo>
+                <a:lnTo>
+                  <a:pt x="58808" y="124789"/>
+                </a:lnTo>
+                <a:lnTo>
+                  <a:pt x="34021" y="164727"/>
+                </a:lnTo>
+                <a:lnTo>
+                  <a:pt x="15538" y="208459"/>
+                </a:lnTo>
+                <a:lnTo>
+                  <a:pt x="3989" y="255359"/>
+                </a:lnTo>
+                <a:lnTo>
+                  <a:pt x="0" y="304800"/>
+                </a:lnTo>
+                <a:lnTo>
+                  <a:pt x="3989" y="354240"/>
+                </a:lnTo>
+                <a:lnTo>
+                  <a:pt x="15538" y="401140"/>
+                </a:lnTo>
+                <a:lnTo>
+                  <a:pt x="34021" y="444872"/>
+                </a:lnTo>
+                <a:lnTo>
+                  <a:pt x="58808" y="484810"/>
+                </a:lnTo>
+                <a:lnTo>
+                  <a:pt x="89273" y="520325"/>
+                </a:lnTo>
+                <a:lnTo>
+                  <a:pt x="124789" y="550791"/>
+                </a:lnTo>
+                <a:lnTo>
+                  <a:pt x="164726" y="575578"/>
+                </a:lnTo>
+                <a:lnTo>
+                  <a:pt x="208459" y="594061"/>
+                </a:lnTo>
+                <a:lnTo>
+                  <a:pt x="255359" y="605610"/>
+                </a:lnTo>
+                <a:lnTo>
+                  <a:pt x="304800" y="609600"/>
+                </a:lnTo>
+                <a:lnTo>
+                  <a:pt x="354240" y="605610"/>
+                </a:lnTo>
+                <a:lnTo>
+                  <a:pt x="401140" y="594061"/>
+                </a:lnTo>
+                <a:lnTo>
+                  <a:pt x="444872" y="575578"/>
+                </a:lnTo>
+                <a:lnTo>
+                  <a:pt x="484810" y="550791"/>
+                </a:lnTo>
+                <a:lnTo>
+                  <a:pt x="520325" y="520325"/>
+                </a:lnTo>
+                <a:lnTo>
+                  <a:pt x="550791" y="484810"/>
+                </a:lnTo>
+                <a:lnTo>
+                  <a:pt x="575578" y="444872"/>
+                </a:lnTo>
+                <a:lnTo>
+                  <a:pt x="594061" y="401140"/>
+                </a:lnTo>
+                <a:lnTo>
+                  <a:pt x="605610" y="354240"/>
+                </a:lnTo>
+                <a:lnTo>
+                  <a:pt x="609600" y="304800"/>
+                </a:lnTo>
+                <a:lnTo>
+                  <a:pt x="605610" y="255359"/>
+                </a:lnTo>
+                <a:lnTo>
+                  <a:pt x="594061" y="208459"/>
+                </a:lnTo>
+                <a:lnTo>
+                  <a:pt x="575578" y="164727"/>
+                </a:lnTo>
+                <a:lnTo>
+                  <a:pt x="550791" y="124789"/>
+                </a:lnTo>
+                <a:lnTo>
+                  <a:pt x="520325" y="89274"/>
+                </a:lnTo>
+                <a:lnTo>
+                  <a:pt x="484810" y="58808"/>
+                </a:lnTo>
+                <a:lnTo>
+                  <a:pt x="444872" y="34021"/>
+                </a:lnTo>
+                <a:lnTo>
+                  <a:pt x="401140" y="15538"/>
+                </a:lnTo>
+                <a:lnTo>
+                  <a:pt x="354240" y="3989"/>
+                </a:lnTo>
+                <a:lnTo>
+                  <a:pt x="304800" y="0"/>
+                </a:lnTo>
+                <a:close/>
+              </a:path>
+            </a:pathLst>
+          </a:custGeom>
+          <a:solidFill>
+            <a:srgbClr val="CCFF66"/>
+          </a:solidFill>
+        </p:spPr>
+        <p:txBody>
+          <a:bodyPr wrap="square" lIns="0" tIns="0" rIns="0" bIns="0" rtlCol="0"/>
+          <a:lstStyle/>
+          <a:p>
+            <a:endParaRPr/>
+          </a:p>
+        </p:txBody>
+      </p:sp>
+      <p:sp>
+        <p:nvSpPr>
+          <p:cNvPr id="8" name="object 15">
+            <a:extLst>
+              <a:ext uri="{FF2B5EF4-FFF2-40B4-BE49-F238E27FC236}">
+                <a16:creationId xmlns:a16="http://schemas.microsoft.com/office/drawing/2014/main" id="{8C0CCFC9-672A-1D4C-8203-7D2A28347051}"/>
+              </a:ext>
+            </a:extLst>
+          </p:cNvPr>
+          <p:cNvSpPr txBox="1"/>
+          <p:nvPr/>
+        </p:nvSpPr>
+        <p:spPr>
+          <a:xfrm>
+            <a:off x="1278275" y="2120381"/>
+            <a:ext cx="229235" cy="391160"/>
+          </a:xfrm>
+          <a:prstGeom prst="rect">
+            <a:avLst/>
+          </a:prstGeom>
+        </p:spPr>
+        <p:txBody>
+          <a:bodyPr vert="horz" wrap="square" lIns="0" tIns="12700" rIns="0" bIns="0" rtlCol="0">
+            <a:spAutoFit/>
+          </a:bodyPr>
+          <a:lstStyle/>
+          <a:p>
+            <a:pPr marL="12700">
+              <a:lnSpc>
+                <a:spcPct val="100000"/>
+              </a:lnSpc>
+              <a:spcBef>
+                <a:spcPts val="100"/>
+              </a:spcBef>
+            </a:pPr>
+            <a:r>
+              <a:rPr lang="en-US" sz="2400" spc="-1605" dirty="0">
+                <a:solidFill>
+                  <a:srgbClr val="4E6EC8"/>
+                </a:solidFill>
+                <a:latin typeface="Arial Black"/>
+                <a:cs typeface="Arial Black"/>
+              </a:rPr>
+              <a:t>2</a:t>
+            </a:r>
+            <a:endParaRPr sz="2400" dirty="0">
+              <a:latin typeface="Arial Black"/>
+              <a:cs typeface="Arial Black"/>
+            </a:endParaRPr>
+          </a:p>
+        </p:txBody>
+      </p:sp>
+      <p:sp>
+        <p:nvSpPr>
+          <p:cNvPr id="9" name="object 16">
+            <a:extLst>
+              <a:ext uri="{FF2B5EF4-FFF2-40B4-BE49-F238E27FC236}">
+                <a16:creationId xmlns:a16="http://schemas.microsoft.com/office/drawing/2014/main" id="{570C6A79-5CA8-6343-A7A2-104FA8878DA5}"/>
+              </a:ext>
+            </a:extLst>
+          </p:cNvPr>
+          <p:cNvSpPr txBox="1"/>
+          <p:nvPr/>
+        </p:nvSpPr>
+        <p:spPr>
+          <a:xfrm>
+            <a:off x="209550" y="2982117"/>
+            <a:ext cx="1786889" cy="391160"/>
+          </a:xfrm>
+          <a:prstGeom prst="rect">
+            <a:avLst/>
+          </a:prstGeom>
+        </p:spPr>
+        <p:txBody>
+          <a:bodyPr vert="horz" wrap="square" lIns="0" tIns="12700" rIns="0" bIns="0" rtlCol="0">
+            <a:spAutoFit/>
+          </a:bodyPr>
+          <a:lstStyle/>
+          <a:p>
+            <a:pPr marL="12700">
+              <a:lnSpc>
+                <a:spcPct val="100000"/>
+              </a:lnSpc>
+              <a:spcBef>
+                <a:spcPts val="100"/>
+              </a:spcBef>
+            </a:pPr>
+            <a:r>
+              <a:rPr sz="2400" spc="-5" dirty="0">
+                <a:solidFill>
+                  <a:srgbClr val="003399"/>
+                </a:solidFill>
+                <a:latin typeface="Arial Black"/>
+                <a:cs typeface="Arial Black"/>
+              </a:rPr>
+              <a:t>Debugging</a:t>
+            </a:r>
+            <a:endParaRPr sz="2400">
+              <a:latin typeface="Arial Black"/>
+              <a:cs typeface="Arial Black"/>
             </a:endParaRPr>
           </a:p>
         </p:txBody>
       </p:sp>
       <p:pic>
         <p:nvPicPr>
-          <p:cNvPr id="6" name="Picture 5">
+          <p:cNvPr id="3" name="Picture 2">
             <a:extLst>
               <a:ext uri="{FF2B5EF4-FFF2-40B4-BE49-F238E27FC236}">
-                <a16:creationId xmlns:a16="http://schemas.microsoft.com/office/drawing/2014/main" id="{CB9D836F-E6D1-1A43-80EB-673E239A1502}"/>
+                <a16:creationId xmlns:a16="http://schemas.microsoft.com/office/drawing/2014/main" id="{1B41950E-31AF-1941-BB2E-65B50CDBBDC0}"/>
               </a:ext>
             </a:extLst>
           </p:cNvPr>
@@ -6147,14 +7009,104 @@
         </p:blipFill>
         <p:spPr>
           <a:xfrm>
-            <a:off x="3886200" y="2685245"/>
-            <a:ext cx="4318000" cy="2133600"/>
+            <a:off x="3962400" y="2565400"/>
+            <a:ext cx="3739388" cy="1727200"/>
           </a:xfrm>
           <a:prstGeom prst="rect">
             <a:avLst/>
           </a:prstGeom>
         </p:spPr>
       </p:pic>
+      <p:sp>
+        <p:nvSpPr>
+          <p:cNvPr id="10" name="object 7">
+            <a:extLst>
+              <a:ext uri="{FF2B5EF4-FFF2-40B4-BE49-F238E27FC236}">
+                <a16:creationId xmlns:a16="http://schemas.microsoft.com/office/drawing/2014/main" id="{F4B55926-7E5D-5046-BD92-48F365D5FA9A}"/>
+              </a:ext>
+            </a:extLst>
+          </p:cNvPr>
+          <p:cNvSpPr txBox="1">
+            <a:spLocks/>
+          </p:cNvSpPr>
+          <p:nvPr/>
+        </p:nvSpPr>
+        <p:spPr>
+          <a:xfrm>
+            <a:off x="2275839" y="351599"/>
+            <a:ext cx="4967605" cy="505267"/>
+          </a:xfrm>
+          <a:prstGeom prst="rect">
+            <a:avLst/>
+          </a:prstGeom>
+        </p:spPr>
+        <p:txBody>
+          <a:bodyPr vert="horz" wrap="square" lIns="0" tIns="12700" rIns="0" bIns="0" rtlCol="0">
+            <a:spAutoFit/>
+          </a:bodyPr>
+          <a:lstStyle>
+            <a:lvl1pPr>
+              <a:defRPr>
+                <a:latin typeface="+mj-lt"/>
+                <a:ea typeface="+mj-ea"/>
+                <a:cs typeface="+mj-cs"/>
+              </a:defRPr>
+            </a:lvl1pPr>
+          </a:lstStyle>
+          <a:p>
+            <a:pPr marL="12700">
+              <a:spcBef>
+                <a:spcPts val="100"/>
+              </a:spcBef>
+            </a:pPr>
+            <a:r>
+              <a:rPr lang="en-US" sz="3200" b="1" kern="0" spc="-5">
+                <a:solidFill>
+                  <a:schemeClr val="bg1"/>
+                </a:solidFill>
+              </a:rPr>
+              <a:t>Importing </a:t>
+            </a:r>
+            <a:r>
+              <a:rPr lang="en-US" sz="3200" b="1" kern="0">
+                <a:solidFill>
+                  <a:schemeClr val="bg1"/>
+                </a:solidFill>
+              </a:rPr>
+              <a:t>an </a:t>
+            </a:r>
+            <a:r>
+              <a:rPr lang="en-US" sz="3200" b="1" kern="0" spc="-5">
+                <a:solidFill>
+                  <a:schemeClr val="bg1"/>
+                </a:solidFill>
+              </a:rPr>
+              <a:t>Existing</a:t>
+            </a:r>
+            <a:r>
+              <a:rPr lang="en-US" sz="3200" b="1" kern="0" spc="-30">
+                <a:solidFill>
+                  <a:schemeClr val="bg1"/>
+                </a:solidFill>
+              </a:rPr>
+              <a:t> </a:t>
+            </a:r>
+            <a:r>
+              <a:rPr lang="en-US" sz="3200" b="1" kern="0" spc="-5">
+                <a:solidFill>
+                  <a:schemeClr val="bg1"/>
+                </a:solidFill>
+              </a:rPr>
+              <a:t>Project</a:t>
+            </a:r>
+            <a:endParaRPr lang="en-US" sz="3200" b="1" kern="0" spc="-5" dirty="0">
+              <a:solidFill>
+                <a:schemeClr val="bg1"/>
+              </a:solidFill>
+            </a:endParaRPr>
+          </a:p>
+        </p:txBody>
+      </p:sp>
     </p:spTree>
     <p:extLst>
       <p:ext uri="{BB962C8B-B14F-4D97-AF65-F5344CB8AC3E}">
@@ -6901,7 +7853,27 @@
                 <a:latin typeface="Arial"/>
                 <a:cs typeface="Arial"/>
               </a:rPr>
-              <a:t>Using what we now know about variables w</a:t>
+              <a:t>Using what we now know about </a:t>
+            </a:r>
+            <a:r>
+              <a:rPr lang="en-US" b="1" u="sng" spc="-5" dirty="0">
+                <a:solidFill>
+                  <a:srgbClr val="003399"/>
+                </a:solidFill>
+                <a:latin typeface="Arial"/>
+                <a:cs typeface="Arial"/>
+              </a:rPr>
+              <a:t>variables</a:t>
+            </a:r>
+            <a:r>
+              <a:rPr lang="en-US" spc="-5" dirty="0">
+                <a:solidFill>
+                  <a:srgbClr val="003399"/>
+                </a:solidFill>
+                <a:latin typeface="Arial"/>
+                <a:cs typeface="Arial"/>
+              </a:rPr>
+              <a:t> w</a:t>
             </a:r>
             <a:r>
               <a:rPr spc="-5" dirty="0">
@@ -6911,7 +7883,7 @@
                 <a:latin typeface="Arial"/>
                 <a:cs typeface="Arial"/>
               </a:rPr>
-              <a:t>rite a program that prints the following statement  using variables and comments.</a:t>
+              <a:t>rite a program that prints the following statement using variables and comments.</a:t>
             </a:r>
           </a:p>
         </p:txBody>
@@ -7005,14 +7977,14 @@
               <a:t> variables</a:t>
             </a:r>
             <a:r>
-              <a:rPr lang="en-US" sz="1800" spc="-5" dirty="0">
-                <a:solidFill>
-                  <a:srgbClr val="003399"/>
-                </a:solidFill>
-                <a:latin typeface="Arial"/>
-                <a:cs typeface="Arial"/>
-              </a:rPr>
-              <a:t> to be printed.</a:t>
+              <a:rPr lang="en-US" spc="-5" dirty="0">
+                <a:solidFill>
+                  <a:srgbClr val="003399"/>
+                </a:solidFill>
+                <a:latin typeface="Arial"/>
+                <a:cs typeface="Arial"/>
+              </a:rPr>
+              <a:t> variables that can be changed</a:t>
             </a:r>
             <a:endParaRPr sz="1800" dirty="0">
               <a:latin typeface="Arial"/>
@@ -8852,8 +9824,12 @@
               <a:t>your </a:t>
             </a:r>
             <a:r>
+              <a:rPr lang="en-US" spc="-5" dirty="0"/>
+              <a:t>high school</a:t>
+            </a:r>
+            <a:r>
               <a:rPr spc="-5" dirty="0"/>
-              <a:t>home </a:t>
+              <a:t> </a:t>
             </a:r>
             <a:r>
               <a:rPr dirty="0"/>
@@ -8887,7 +9863,7 @@
         <p:spPr>
           <a:xfrm>
             <a:off x="3477259" y="1511234"/>
-            <a:ext cx="5534025" cy="901065"/>
+            <a:ext cx="5534025" cy="1168910"/>
           </a:xfrm>
           <a:prstGeom prst="rect">
             <a:avLst/>
@@ -8986,7 +9962,7 @@
               </a:rPr>
               <a:t>points:</a:t>
             </a:r>
-            <a:endParaRPr sz="1800">
+            <a:endParaRPr sz="1800" dirty="0">
               <a:latin typeface="Arial"/>
               <a:cs typeface="Arial"/>
             </a:endParaRPr>
@@ -9008,7 +9984,27 @@
                 <a:latin typeface="Arial"/>
                 <a:cs typeface="Arial"/>
               </a:rPr>
-              <a:t>Where you went to high school and</a:t>
+              <a:t>Where you went to </a:t>
+            </a:r>
+            <a:r>
+              <a:rPr lang="en-US" sz="1800" spc="-5" dirty="0">
+                <a:solidFill>
+                  <a:srgbClr val="003399"/>
+                </a:solidFill>
+                <a:latin typeface="Arial"/>
+                <a:cs typeface="Arial"/>
+              </a:rPr>
+              <a:t>(1) </a:t>
+            </a:r>
+            <a:r>
+              <a:rPr sz="1800" spc="-5" dirty="0">
+                <a:solidFill>
+                  <a:srgbClr val="003399"/>
+                </a:solidFill>
+                <a:latin typeface="Arial"/>
+                <a:cs typeface="Arial"/>
+              </a:rPr>
+              <a:t>high school and</a:t>
             </a:r>
             <a:r>
               <a:rPr sz="1800" spc="-10" dirty="0">
@@ -9021,6 +10017,16 @@
               <a:t> </a:t>
             </a:r>
             <a:r>
+              <a:rPr lang="en-US" sz="1800" spc="-10" dirty="0">
+                <a:solidFill>
+                  <a:srgbClr val="003399"/>
+                </a:solidFill>
+                <a:latin typeface="Arial"/>
+                <a:cs typeface="Arial"/>
+              </a:rPr>
+              <a:t>(2) </a:t>
+            </a:r>
+            <a:r>
               <a:rPr sz="1800" spc="-5" dirty="0">
                 <a:solidFill>
                   <a:srgbClr val="003399"/>
@@ -9030,7 +10036,7 @@
               </a:rPr>
               <a:t>UCSB:</a:t>
             </a:r>
-            <a:endParaRPr sz="1800">
+            <a:endParaRPr sz="1800" dirty="0">
               <a:latin typeface="Arial"/>
               <a:cs typeface="Arial"/>
             </a:endParaRPr>
@@ -9487,8 +10493,8 @@
         </p:nvSpPr>
         <p:spPr>
           <a:xfrm>
-            <a:off x="3619181" y="5434153"/>
-            <a:ext cx="5288279" cy="1005403"/>
+            <a:off x="3619181" y="5309723"/>
+            <a:ext cx="5524819" cy="1450846"/>
           </a:xfrm>
           <a:prstGeom prst="rect">
             <a:avLst/>
@@ -9518,6 +10524,35 @@
               </a:tabLst>
             </a:pPr>
             <a:r>
+              <a:rPr lang="en-US" sz="1400" spc="-5" dirty="0">
+                <a:solidFill>
+                  <a:srgbClr val="003399"/>
+                </a:solidFill>
+                <a:latin typeface="Arial"/>
+                <a:cs typeface="Arial"/>
+              </a:rPr>
+              <a:t>Create a new class (My_Example2) and copy the contents of My_Example1</a:t>
+            </a:r>
+          </a:p>
+          <a:p>
+            <a:pPr marL="298450" indent="-285750">
+              <a:lnSpc>
+                <a:spcPct val="100000"/>
+              </a:lnSpc>
+              <a:spcBef>
+                <a:spcPts val="100"/>
+              </a:spcBef>
+              <a:buClr>
+                <a:srgbClr val="99CC00"/>
+              </a:buClr>
+              <a:buSzPct val="150000"/>
+              <a:buChar char="•"/>
+              <a:tabLst>
+                <a:tab pos="297815" algn="l"/>
+                <a:tab pos="298450" algn="l"/>
+              </a:tabLst>
+            </a:pPr>
+            <a:r>
               <a:rPr sz="1400" spc="-5" dirty="0">
                 <a:solidFill>
                   <a:srgbClr val="003399"/>
@@ -9627,6 +10662,7 @@
                 <a:srgbClr val="99CC00"/>
               </a:buClr>
               <a:buSzPct val="150000"/>
+              <a:buFontTx/>
               <a:buChar char="•"/>
               <a:tabLst>
                 <a:tab pos="297815" algn="l"/>
@@ -9641,25 +10677,69 @@
                 <a:latin typeface="Arial"/>
                 <a:cs typeface="Arial"/>
               </a:rPr>
-              <a:t>Apply the equation using the java math package (see hyperlink)</a:t>
-            </a:r>
-            <a:endParaRPr sz="1400" dirty="0">
+              <a:t>Apply the equation</a:t>
+            </a:r>
+            <a:r>
+              <a:rPr lang="en-US" sz="1400" spc="-5" dirty="0">
+                <a:solidFill>
+                  <a:srgbClr val="003399"/>
+                </a:solidFill>
+                <a:latin typeface="Arial"/>
+                <a:cs typeface="Arial"/>
+              </a:rPr>
+              <a:t> (see hyperlink)</a:t>
+            </a:r>
+            <a:r>
+              <a:rPr sz="1400" spc="-5" dirty="0">
+                <a:solidFill>
+                  <a:srgbClr val="003399"/>
+                </a:solidFill>
+                <a:latin typeface="Arial"/>
+                <a:cs typeface="Arial"/>
+              </a:rPr>
+              <a:t> using the </a:t>
+            </a:r>
+            <a:r>
+              <a:rPr lang="en-US" sz="1400" spc="-5" dirty="0">
+                <a:solidFill>
+                  <a:srgbClr val="003399"/>
+                </a:solidFill>
+                <a:latin typeface="Arial"/>
+                <a:cs typeface="Arial"/>
+              </a:rPr>
+              <a:t>J</a:t>
+            </a:r>
+            <a:r>
+              <a:rPr sz="1400" spc="-5" dirty="0">
+                <a:solidFill>
+                  <a:srgbClr val="003399"/>
+                </a:solidFill>
+                <a:latin typeface="Arial"/>
+                <a:cs typeface="Arial"/>
+              </a:rPr>
+              <a:t>ava math package </a:t>
+            </a:r>
+            <a:endParaRPr lang="en-US" sz="1400" spc="-5" dirty="0">
+              <a:solidFill>
+                <a:srgbClr val="003399"/>
+              </a:solidFill>
               <a:latin typeface="Arial"/>
               <a:cs typeface="Arial"/>
             </a:endParaRPr>
           </a:p>
           <a:p>
-            <a:pPr marL="298450" indent="-285750">
+            <a:pPr marL="298450" marR="5080" indent="-285750">
               <a:lnSpc>
-                <a:spcPct val="100000"/>
+                <a:spcPts val="1670"/>
               </a:lnSpc>
               <a:spcBef>
-                <a:spcPts val="265"/>
+                <a:spcPts val="415"/>
               </a:spcBef>
               <a:buClr>
                 <a:srgbClr val="99CC00"/>
               </a:buClr>
               <a:buSzPct val="150000"/>
+              <a:buFontTx/>
               <a:buChar char="•"/>
               <a:tabLst>
                 <a:tab pos="297815" algn="l"/>
@@ -10564,7 +11644,7 @@
         <p:spPr>
           <a:xfrm>
             <a:off x="2275839" y="351599"/>
-            <a:ext cx="6073775" cy="452120"/>
+            <a:ext cx="6073775" cy="874598"/>
           </a:xfrm>
           <a:prstGeom prst="rect">
             <a:avLst/>
@@ -10597,8 +11677,12 @@
               <a:t>your </a:t>
             </a:r>
             <a:r>
+              <a:rPr lang="en-US" spc="-5" dirty="0"/>
+              <a:t>high schools</a:t>
+            </a:r>
+            <a:r>
               <a:rPr spc="-5" dirty="0"/>
-              <a:t>home </a:t>
+              <a:t> </a:t>
             </a:r>
             <a:r>
               <a:rPr dirty="0"/>
@@ -12164,72 +13248,6 @@
               <a:rPr spc="-15" dirty="0"/>
               <a:t>OVERVIEW</a:t>
             </a:r>
-          </a:p>
-        </p:txBody>
-      </p:sp>
-      <p:sp>
-        <p:nvSpPr>
-          <p:cNvPr id="6" name="object 6"/>
-          <p:cNvSpPr txBox="1"/>
-          <p:nvPr/>
-        </p:nvSpPr>
-        <p:spPr>
-          <a:xfrm>
-            <a:off x="3671023" y="1567053"/>
-            <a:ext cx="5360035" cy="299720"/>
-          </a:xfrm>
-          <a:prstGeom prst="rect">
-            <a:avLst/>
-          </a:prstGeom>
-        </p:spPr>
-        <p:txBody>
-          <a:bodyPr vert="horz" wrap="square" lIns="0" tIns="12700" rIns="0" bIns="0" rtlCol="0">
-            <a:spAutoFit/>
-          </a:bodyPr>
-          <a:lstStyle/>
-          <a:p>
-            <a:pPr marL="12700">
-              <a:lnSpc>
-                <a:spcPct val="100000"/>
-              </a:lnSpc>
-              <a:spcBef>
-                <a:spcPts val="100"/>
-              </a:spcBef>
-            </a:pPr>
-            <a:r>
-              <a:rPr sz="1800" i="1" spc="-5" dirty="0">
-                <a:solidFill>
-                  <a:srgbClr val="003399"/>
-                </a:solidFill>
-                <a:latin typeface="Arial"/>
-                <a:cs typeface="Arial"/>
-              </a:rPr>
-              <a:t>**Click on titles to jump to the corresponding</a:t>
-            </a:r>
-            <a:r>
-              <a:rPr sz="1800" i="1" spc="15" dirty="0">
-                <a:solidFill>
-                  <a:srgbClr val="003399"/>
-                </a:solidFill>
-                <a:latin typeface="Arial"/>
-                <a:cs typeface="Arial"/>
-              </a:rPr>
-              <a:t> </a:t>
-            </a:r>
-            <a:r>
-              <a:rPr sz="1800" i="1" spc="-5" dirty="0">
-                <a:solidFill>
-                  <a:srgbClr val="003399"/>
-                </a:solidFill>
-                <a:latin typeface="Arial"/>
-                <a:cs typeface="Arial"/>
-              </a:rPr>
-              <a:t>section:</a:t>
-            </a:r>
-            <a:endParaRPr sz="1800">
-              <a:latin typeface="Arial"/>
-              <a:cs typeface="Arial"/>
-            </a:endParaRPr>
           </a:p>
         </p:txBody>
       </p:sp>
@@ -17132,7 +18150,7 @@
         <p:spPr>
           <a:xfrm>
             <a:off x="3477259" y="1774993"/>
-            <a:ext cx="3975735" cy="299720"/>
+            <a:ext cx="3975735" cy="869469"/>
           </a:xfrm>
           <a:prstGeom prst="rect">
             <a:avLst/>
@@ -17162,6 +18180,61 @@
               </a:tabLst>
             </a:pPr>
             <a:r>
+              <a:rPr lang="en-US" sz="1800" spc="-5" dirty="0">
+                <a:solidFill>
+                  <a:srgbClr val="003399"/>
+                </a:solidFill>
+                <a:latin typeface="Arial"/>
+                <a:cs typeface="Arial"/>
+              </a:rPr>
+              <a:t>Open Example3_buggy.java</a:t>
+            </a:r>
+          </a:p>
+          <a:p>
+            <a:pPr marL="355600" indent="-342900">
+              <a:lnSpc>
+                <a:spcPct val="100000"/>
+              </a:lnSpc>
+              <a:spcBef>
+                <a:spcPts val="100"/>
+              </a:spcBef>
+              <a:buClr>
+                <a:srgbClr val="99CC00"/>
+              </a:buClr>
+              <a:buSzPct val="150000"/>
+              <a:buChar char="•"/>
+              <a:tabLst>
+                <a:tab pos="354965" algn="l"/>
+                <a:tab pos="355600" algn="l"/>
+              </a:tabLst>
+            </a:pPr>
+            <a:endParaRPr lang="en-US" sz="1800" spc="-5" dirty="0">
+              <a:solidFill>
+                <a:srgbClr val="003399"/>
+              </a:solidFill>
+              <a:latin typeface="Arial"/>
+              <a:cs typeface="Arial"/>
+            </a:endParaRPr>
+          </a:p>
+          <a:p>
+            <a:pPr marL="355600" indent="-342900">
+              <a:lnSpc>
+                <a:spcPct val="100000"/>
+              </a:lnSpc>
+              <a:spcBef>
+                <a:spcPts val="100"/>
+              </a:spcBef>
+              <a:buClr>
+                <a:srgbClr val="99CC00"/>
+              </a:buClr>
+              <a:buSzPct val="150000"/>
+              <a:buChar char="•"/>
+              <a:tabLst>
+                <a:tab pos="354965" algn="l"/>
+                <a:tab pos="355600" algn="l"/>
+              </a:tabLst>
+            </a:pPr>
+            <a:r>
               <a:rPr sz="1800" spc="-5" dirty="0">
                 <a:solidFill>
                   <a:srgbClr val="003399"/>
@@ -17211,7 +18284,7 @@
               </a:rPr>
               <a:t>following:</a:t>
             </a:r>
-            <a:endParaRPr sz="1800">
+            <a:endParaRPr sz="1800" dirty="0">
               <a:latin typeface="Arial"/>
               <a:cs typeface="Arial"/>
             </a:endParaRPr>
@@ -17226,7 +18299,7 @@
         </p:nvSpPr>
         <p:spPr>
           <a:xfrm>
-            <a:off x="3934459" y="2439541"/>
+            <a:off x="3886200" y="2994817"/>
             <a:ext cx="4798695" cy="2064668"/>
           </a:xfrm>
           <a:prstGeom prst="rect">
@@ -17536,7 +18609,7 @@
         </p:nvSpPr>
         <p:spPr>
           <a:xfrm>
-            <a:off x="209550" y="2199830"/>
+            <a:off x="209550" y="2222691"/>
             <a:ext cx="553085" cy="269240"/>
           </a:xfrm>
           <a:prstGeom prst="rect">
@@ -17602,7 +18675,7 @@
         </p:nvSpPr>
         <p:spPr>
           <a:xfrm>
-            <a:off x="1089660" y="2034539"/>
+            <a:off x="1089660" y="2057400"/>
             <a:ext cx="609600" cy="609600"/>
           </a:xfrm>
           <a:custGeom>
@@ -17760,7 +18833,7 @@
         </p:nvSpPr>
         <p:spPr>
           <a:xfrm>
-            <a:off x="1278275" y="2120381"/>
+            <a:off x="1278275" y="2143242"/>
             <a:ext cx="229235" cy="391160"/>
           </a:xfrm>
           <a:prstGeom prst="rect">
@@ -17806,7 +18879,7 @@
         </p:nvSpPr>
         <p:spPr>
           <a:xfrm>
-            <a:off x="209550" y="2799237"/>
+            <a:off x="209550" y="2822098"/>
             <a:ext cx="1972310" cy="391160"/>
           </a:xfrm>
           <a:prstGeom prst="rect">
@@ -18290,7 +19363,7 @@
         <p:spPr>
           <a:xfrm>
             <a:off x="3477259" y="1448963"/>
-            <a:ext cx="5588000" cy="3372718"/>
+            <a:ext cx="5588000" cy="2941831"/>
           </a:xfrm>
           <a:prstGeom prst="rect">
             <a:avLst/>
@@ -18446,7 +19519,7 @@
                 <a:latin typeface="Arial"/>
                 <a:cs typeface="Arial"/>
               </a:rPr>
-              <a:t>B) determine how many coordinate pairs can be made from     	the values </a:t>
+              <a:t>B) determine how many coordinate pairs can be made (P)</a:t>
             </a:r>
           </a:p>
           <a:p>
@@ -18471,7 +19544,7 @@
                 <a:latin typeface="Arial"/>
                 <a:cs typeface="Arial"/>
               </a:rPr>
-              <a:t>C) determine what kind of geometry can be formed with that 	number of coordinate pairs, and </a:t>
+              <a:t>C) determine what kind of geometry can be formed by P</a:t>
             </a:r>
           </a:p>
           <a:p>
@@ -18657,7 +19730,7 @@
         </p:nvSpPr>
         <p:spPr>
           <a:xfrm>
-            <a:off x="7969208" y="5068172"/>
+            <a:off x="7870622" y="4821332"/>
             <a:ext cx="952505" cy="369332"/>
           </a:xfrm>
           <a:prstGeom prst="rect">
@@ -18777,6 +19850,366 @@
               </a:rPr>
               <a:t>POINT [ X, Y ]</a:t>
             </a:r>
+          </a:p>
+        </p:txBody>
+      </p:sp>
+      <p:sp>
+        <p:nvSpPr>
+          <p:cNvPr id="13" name="object 7">
+            <a:extLst>
+              <a:ext uri="{FF2B5EF4-FFF2-40B4-BE49-F238E27FC236}">
+                <a16:creationId xmlns:a16="http://schemas.microsoft.com/office/drawing/2014/main" id="{D4D89E01-F577-2A4E-8D44-2501B8264BA2}"/>
+              </a:ext>
+            </a:extLst>
+          </p:cNvPr>
+          <p:cNvSpPr txBox="1"/>
+          <p:nvPr/>
+        </p:nvSpPr>
+        <p:spPr>
+          <a:xfrm>
+            <a:off x="209550" y="2199830"/>
+            <a:ext cx="553085" cy="269240"/>
+          </a:xfrm>
+          <a:prstGeom prst="rect">
+            <a:avLst/>
+          </a:prstGeom>
+        </p:spPr>
+        <p:txBody>
+          <a:bodyPr vert="horz" wrap="square" lIns="0" tIns="12700" rIns="0" bIns="0" rtlCol="0">
+            <a:spAutoFit/>
+          </a:bodyPr>
+          <a:lstStyle/>
+          <a:p>
+            <a:pPr marL="12700">
+              <a:lnSpc>
+                <a:spcPct val="100000"/>
+              </a:lnSpc>
+              <a:spcBef>
+                <a:spcPts val="100"/>
+              </a:spcBef>
+            </a:pPr>
+            <a:r>
+              <a:rPr sz="1600" b="1" spc="-30" dirty="0">
+                <a:solidFill>
+                  <a:srgbClr val="003399"/>
+                </a:solidFill>
+                <a:latin typeface="Arial"/>
+                <a:cs typeface="Arial"/>
+              </a:rPr>
+              <a:t>W</a:t>
+            </a:r>
+            <a:r>
+              <a:rPr sz="1600" b="1" spc="-5" dirty="0">
+                <a:solidFill>
+                  <a:srgbClr val="003399"/>
+                </a:solidFill>
+                <a:latin typeface="Arial"/>
+                <a:cs typeface="Arial"/>
+              </a:rPr>
+              <a:t>ee</a:t>
+            </a:r>
+            <a:r>
+              <a:rPr sz="1600" b="1" dirty="0">
+                <a:solidFill>
+                  <a:srgbClr val="003399"/>
+                </a:solidFill>
+                <a:latin typeface="Arial"/>
+                <a:cs typeface="Arial"/>
+              </a:rPr>
+              <a:t>k</a:t>
+            </a:r>
+            <a:endParaRPr sz="1600">
+              <a:latin typeface="Arial"/>
+              <a:cs typeface="Arial"/>
+            </a:endParaRPr>
+          </a:p>
+        </p:txBody>
+      </p:sp>
+      <p:sp>
+        <p:nvSpPr>
+          <p:cNvPr id="14" name="object 8">
+            <a:extLst>
+              <a:ext uri="{FF2B5EF4-FFF2-40B4-BE49-F238E27FC236}">
+                <a16:creationId xmlns:a16="http://schemas.microsoft.com/office/drawing/2014/main" id="{D7EB86D1-B10C-AA48-B284-B31924EFD2CF}"/>
+              </a:ext>
+            </a:extLst>
+          </p:cNvPr>
+          <p:cNvSpPr/>
+          <p:nvPr/>
+        </p:nvSpPr>
+        <p:spPr>
+          <a:xfrm>
+            <a:off x="1089660" y="2034539"/>
+            <a:ext cx="609600" cy="609600"/>
+          </a:xfrm>
+          <a:custGeom>
+            <a:avLst/>
+            <a:gdLst/>
+            <a:ahLst/>
+            <a:cxnLst/>
+            <a:rect l="l" t="t" r="r" b="b"/>
+            <a:pathLst>
+              <a:path w="609600" h="609600">
+                <a:moveTo>
+                  <a:pt x="304800" y="0"/>
+                </a:moveTo>
+                <a:lnTo>
+                  <a:pt x="255359" y="3989"/>
+                </a:lnTo>
+                <a:lnTo>
+                  <a:pt x="208459" y="15538"/>
+                </a:lnTo>
+                <a:lnTo>
+                  <a:pt x="164726" y="34021"/>
+                </a:lnTo>
+                <a:lnTo>
+                  <a:pt x="124789" y="58808"/>
+                </a:lnTo>
+                <a:lnTo>
+                  <a:pt x="89273" y="89274"/>
+                </a:lnTo>
+                <a:lnTo>
+                  <a:pt x="58808" y="124789"/>
+                </a:lnTo>
+                <a:lnTo>
+                  <a:pt x="34021" y="164727"/>
+                </a:lnTo>
+                <a:lnTo>
+                  <a:pt x="15538" y="208459"/>
+                </a:lnTo>
+                <a:lnTo>
+                  <a:pt x="3989" y="255359"/>
+                </a:lnTo>
+                <a:lnTo>
+                  <a:pt x="0" y="304800"/>
+                </a:lnTo>
+                <a:lnTo>
+                  <a:pt x="3989" y="354240"/>
+                </a:lnTo>
+                <a:lnTo>
+                  <a:pt x="15538" y="401140"/>
+                </a:lnTo>
+                <a:lnTo>
+                  <a:pt x="34021" y="444872"/>
+                </a:lnTo>
+                <a:lnTo>
+                  <a:pt x="58808" y="484810"/>
+                </a:lnTo>
+                <a:lnTo>
+                  <a:pt x="89273" y="520325"/>
+                </a:lnTo>
+                <a:lnTo>
+                  <a:pt x="124789" y="550791"/>
+                </a:lnTo>
+                <a:lnTo>
+                  <a:pt x="164726" y="575578"/>
+                </a:lnTo>
+                <a:lnTo>
+                  <a:pt x="208459" y="594061"/>
+                </a:lnTo>
+                <a:lnTo>
+                  <a:pt x="255359" y="605610"/>
+                </a:lnTo>
+                <a:lnTo>
+                  <a:pt x="304800" y="609600"/>
+                </a:lnTo>
+                <a:lnTo>
+                  <a:pt x="354240" y="605610"/>
+                </a:lnTo>
+                <a:lnTo>
+                  <a:pt x="401140" y="594061"/>
+                </a:lnTo>
+                <a:lnTo>
+                  <a:pt x="444872" y="575578"/>
+                </a:lnTo>
+                <a:lnTo>
+                  <a:pt x="484810" y="550791"/>
+                </a:lnTo>
+                <a:lnTo>
+                  <a:pt x="520325" y="520325"/>
+                </a:lnTo>
+                <a:lnTo>
+                  <a:pt x="550791" y="484810"/>
+                </a:lnTo>
+                <a:lnTo>
+                  <a:pt x="575578" y="444872"/>
+                </a:lnTo>
+                <a:lnTo>
+                  <a:pt x="594061" y="401140"/>
+                </a:lnTo>
+                <a:lnTo>
+                  <a:pt x="605610" y="354240"/>
+                </a:lnTo>
+                <a:lnTo>
+                  <a:pt x="609600" y="304800"/>
+                </a:lnTo>
+                <a:lnTo>
+                  <a:pt x="605610" y="255359"/>
+                </a:lnTo>
+                <a:lnTo>
+                  <a:pt x="594061" y="208459"/>
+                </a:lnTo>
+                <a:lnTo>
+                  <a:pt x="575578" y="164727"/>
+                </a:lnTo>
+                <a:lnTo>
+                  <a:pt x="550791" y="124789"/>
+                </a:lnTo>
+                <a:lnTo>
+                  <a:pt x="520325" y="89274"/>
+                </a:lnTo>
+                <a:lnTo>
+                  <a:pt x="484810" y="58808"/>
+                </a:lnTo>
+                <a:lnTo>
+                  <a:pt x="444872" y="34021"/>
+                </a:lnTo>
+                <a:lnTo>
+                  <a:pt x="401140" y="15538"/>
+                </a:lnTo>
+                <a:lnTo>
+                  <a:pt x="354240" y="3989"/>
+                </a:lnTo>
+                <a:lnTo>
+                  <a:pt x="304800" y="0"/>
+                </a:lnTo>
+                <a:close/>
+              </a:path>
+            </a:pathLst>
+          </a:custGeom>
+          <a:solidFill>
+            <a:srgbClr val="CCFF66"/>
+          </a:solidFill>
+        </p:spPr>
+        <p:txBody>
+          <a:bodyPr wrap="square" lIns="0" tIns="0" rIns="0" bIns="0" rtlCol="0"/>
+          <a:lstStyle/>
+          <a:p>
+            <a:endParaRPr/>
+          </a:p>
+        </p:txBody>
+      </p:sp>
+      <p:sp>
+        <p:nvSpPr>
+          <p:cNvPr id="15" name="object 9">
+            <a:extLst>
+              <a:ext uri="{FF2B5EF4-FFF2-40B4-BE49-F238E27FC236}">
+                <a16:creationId xmlns:a16="http://schemas.microsoft.com/office/drawing/2014/main" id="{A4ACC273-5E68-D241-8285-D1F4E5995043}"/>
+              </a:ext>
+            </a:extLst>
+          </p:cNvPr>
+          <p:cNvSpPr txBox="1"/>
+          <p:nvPr/>
+        </p:nvSpPr>
+        <p:spPr>
+          <a:xfrm>
+            <a:off x="1278275" y="2120381"/>
+            <a:ext cx="229235" cy="391160"/>
+          </a:xfrm>
+          <a:prstGeom prst="rect">
+            <a:avLst/>
+          </a:prstGeom>
+        </p:spPr>
+        <p:txBody>
+          <a:bodyPr vert="horz" wrap="square" lIns="0" tIns="12700" rIns="0" bIns="0" rtlCol="0">
+            <a:spAutoFit/>
+          </a:bodyPr>
+          <a:lstStyle/>
+          <a:p>
+            <a:pPr marL="12700">
+              <a:lnSpc>
+                <a:spcPct val="100000"/>
+              </a:lnSpc>
+              <a:spcBef>
+                <a:spcPts val="100"/>
+              </a:spcBef>
+            </a:pPr>
+            <a:r>
+              <a:rPr sz="2400" dirty="0">
+                <a:solidFill>
+                  <a:srgbClr val="4E6EC8"/>
+                </a:solidFill>
+                <a:latin typeface="Arial Black"/>
+                <a:cs typeface="Arial Black"/>
+              </a:rPr>
+              <a:t>2</a:t>
+            </a:r>
+            <a:endParaRPr sz="2400">
+              <a:latin typeface="Arial Black"/>
+              <a:cs typeface="Arial Black"/>
+            </a:endParaRPr>
+          </a:p>
+        </p:txBody>
+      </p:sp>
+      <p:sp>
+        <p:nvSpPr>
+          <p:cNvPr id="16" name="object 10">
+            <a:extLst>
+              <a:ext uri="{FF2B5EF4-FFF2-40B4-BE49-F238E27FC236}">
+                <a16:creationId xmlns:a16="http://schemas.microsoft.com/office/drawing/2014/main" id="{EBB0FDB2-C8DB-BC45-BE8F-AF89085B22C1}"/>
+              </a:ext>
+            </a:extLst>
+          </p:cNvPr>
+          <p:cNvSpPr txBox="1"/>
+          <p:nvPr/>
+        </p:nvSpPr>
+        <p:spPr>
+          <a:xfrm>
+            <a:off x="209550" y="2799237"/>
+            <a:ext cx="1972310" cy="391160"/>
+          </a:xfrm>
+          <a:prstGeom prst="rect">
+            <a:avLst/>
+          </a:prstGeom>
+        </p:spPr>
+        <p:txBody>
+          <a:bodyPr vert="horz" wrap="square" lIns="0" tIns="12700" rIns="0" bIns="0" rtlCol="0">
+            <a:spAutoFit/>
+          </a:bodyPr>
+          <a:lstStyle/>
+          <a:p>
+            <a:pPr marL="12700">
+              <a:lnSpc>
+                <a:spcPct val="100000"/>
+              </a:lnSpc>
+              <a:spcBef>
+                <a:spcPts val="100"/>
+              </a:spcBef>
+            </a:pPr>
+            <a:r>
+              <a:rPr sz="2400" spc="-5" dirty="0">
+                <a:solidFill>
+                  <a:srgbClr val="003399"/>
+                </a:solidFill>
+                <a:latin typeface="Arial Black"/>
+                <a:cs typeface="Arial Black"/>
+              </a:rPr>
+              <a:t>Example</a:t>
+            </a:r>
+            <a:r>
+              <a:rPr sz="2400" spc="-75" dirty="0">
+                <a:solidFill>
+                  <a:srgbClr val="003399"/>
+                </a:solidFill>
+                <a:latin typeface="Arial Black"/>
+                <a:cs typeface="Arial Black"/>
+              </a:rPr>
+              <a:t> </a:t>
+            </a:r>
+            <a:r>
+              <a:rPr sz="2400" dirty="0">
+                <a:solidFill>
+                  <a:srgbClr val="003399"/>
+                </a:solidFill>
+                <a:latin typeface="Arial Black"/>
+                <a:cs typeface="Arial Black"/>
+              </a:rPr>
+              <a:t>#3</a:t>
+            </a:r>
+            <a:endParaRPr sz="2400" dirty="0">
+              <a:latin typeface="Arial Black"/>
+              <a:cs typeface="Arial Black"/>
+            </a:endParaRPr>
           </a:p>
         </p:txBody>
       </p:sp>
@@ -21595,35 +23028,36 @@
           </a:p>
         </p:txBody>
       </p:sp>
-      <p:sp>
-        <p:nvSpPr>
-          <p:cNvPr id="11" name="object 11"/>
-          <p:cNvSpPr/>
+      <p:pic>
+        <p:nvPicPr>
+          <p:cNvPr id="12" name="Picture 11">
+            <a:extLst>
+              <a:ext uri="{FF2B5EF4-FFF2-40B4-BE49-F238E27FC236}">
+                <a16:creationId xmlns:a16="http://schemas.microsoft.com/office/drawing/2014/main" id="{E0223A3F-9B64-D14B-B829-7AA64CED8233}"/>
+              </a:ext>
+            </a:extLst>
+          </p:cNvPr>
+          <p:cNvPicPr>
+            <a:picLocks noChangeAspect="1"/>
+          </p:cNvPicPr>
           <p:nvPr/>
-        </p:nvSpPr>
+        </p:nvPicPr>
+        <p:blipFill>
+          <a:blip r:embed="rId2"/>
+          <a:stretch>
+            <a:fillRect/>
+          </a:stretch>
+        </p:blipFill>
         <p:spPr>
           <a:xfrm>
-            <a:off x="3903651" y="2532508"/>
-            <a:ext cx="4660286" cy="3998468"/>
+            <a:off x="3847842" y="2620201"/>
+            <a:ext cx="4305814" cy="3886200"/>
           </a:xfrm>
           <a:prstGeom prst="rect">
             <a:avLst/>
           </a:prstGeom>
-          <a:blipFill>
-            <a:blip r:embed="rId2" cstate="print"/>
-            <a:stretch>
-              <a:fillRect/>
-            </a:stretch>
-          </a:blipFill>
         </p:spPr>
-        <p:txBody>
-          <a:bodyPr wrap="square" lIns="0" tIns="0" rIns="0" bIns="0" rtlCol="0"/>
-          <a:lstStyle/>
-          <a:p>
-            <a:endParaRPr dirty="0"/>
-          </a:p>
-        </p:txBody>
-      </p:sp>
+      </p:pic>
     </p:spTree>
   </p:cSld>
   <p:clrMapOvr>
@@ -22774,6 +24208,36 @@
           <a:chExt cx="0" cy="0"/>
         </a:xfrm>
       </p:grpSpPr>
+      <p:pic>
+        <p:nvPicPr>
+          <p:cNvPr id="14" name="Picture 13">
+            <a:extLst>
+              <a:ext uri="{FF2B5EF4-FFF2-40B4-BE49-F238E27FC236}">
+                <a16:creationId xmlns:a16="http://schemas.microsoft.com/office/drawing/2014/main" id="{7896A7B8-C6FA-AC46-9432-3ED7D6BA24D1}"/>
+              </a:ext>
+            </a:extLst>
+          </p:cNvPr>
+          <p:cNvPicPr>
+            <a:picLocks noChangeAspect="1"/>
+          </p:cNvPicPr>
+          <p:nvPr/>
+        </p:nvPicPr>
+        <p:blipFill>
+          <a:blip r:embed="rId2"/>
+          <a:stretch>
+            <a:fillRect/>
+          </a:stretch>
+        </p:blipFill>
+        <p:spPr>
+          <a:xfrm>
+            <a:off x="4109624" y="2632532"/>
+            <a:ext cx="3619958" cy="1536700"/>
+          </a:xfrm>
+          <a:prstGeom prst="rect">
+            <a:avLst/>
+          </a:prstGeom>
+        </p:spPr>
+      </p:pic>
       <p:sp>
         <p:nvSpPr>
           <p:cNvPr id="2" name="object 2"/>
@@ -23611,43 +25075,14 @@
       </p:sp>
       <p:sp>
         <p:nvSpPr>
-          <p:cNvPr id="10" name="object 10"/>
-          <p:cNvSpPr/>
-          <p:nvPr/>
-        </p:nvSpPr>
-        <p:spPr>
-          <a:xfrm>
-            <a:off x="4128674" y="2644139"/>
-            <a:ext cx="4219458" cy="2671232"/>
-          </a:xfrm>
-          <a:prstGeom prst="rect">
-            <a:avLst/>
-          </a:prstGeom>
-          <a:blipFill>
-            <a:blip r:embed="rId2" cstate="print"/>
-            <a:stretch>
-              <a:fillRect/>
-            </a:stretch>
-          </a:blipFill>
-        </p:spPr>
-        <p:txBody>
-          <a:bodyPr wrap="square" lIns="0" tIns="0" rIns="0" bIns="0" rtlCol="0"/>
-          <a:lstStyle/>
-          <a:p>
-            <a:endParaRPr/>
-          </a:p>
-        </p:txBody>
-      </p:sp>
-      <p:sp>
-        <p:nvSpPr>
           <p:cNvPr id="11" name="object 11"/>
           <p:cNvSpPr/>
           <p:nvPr/>
         </p:nvSpPr>
         <p:spPr>
           <a:xfrm>
-            <a:off x="4109624" y="2625090"/>
-            <a:ext cx="4257675" cy="2709545"/>
+            <a:off x="4109625" y="2625091"/>
+            <a:ext cx="3738976" cy="1544142"/>
           </a:xfrm>
           <a:custGeom>
             <a:avLst/>
@@ -23698,7 +25133,7 @@
         </p:nvSpPr>
         <p:spPr>
           <a:xfrm>
-            <a:off x="4662595" y="3048303"/>
+            <a:off x="4153433" y="2514064"/>
             <a:ext cx="660400" cy="607695"/>
           </a:xfrm>
           <a:custGeom>
@@ -23870,7 +25305,7 @@
         </p:nvSpPr>
         <p:spPr>
           <a:xfrm>
-            <a:off x="4662595" y="3048303"/>
+            <a:off x="4153433" y="2514064"/>
             <a:ext cx="660400" cy="607695"/>
           </a:xfrm>
           <a:custGeom>
@@ -24997,7 +26432,7 @@
         </p:nvSpPr>
         <p:spPr>
           <a:xfrm>
-            <a:off x="7160119" y="2905711"/>
+            <a:off x="7160895" y="2914301"/>
             <a:ext cx="840105" cy="177800"/>
           </a:xfrm>
           <a:prstGeom prst="rect">
@@ -25078,7 +26513,7 @@
               </a:rPr>
               <a:t>View</a:t>
             </a:r>
-            <a:endParaRPr sz="1000">
+            <a:endParaRPr sz="1000" dirty="0">
               <a:latin typeface="Arial"/>
               <a:cs typeface="Arial"/>
             </a:endParaRPr>
@@ -25466,7 +26901,7 @@
           <p:nvPr>
             <p:extLst>
               <p:ext uri="{D42A27DB-BD31-4B8C-83A1-F6EECF244321}">
-                <p14:modId xmlns:p14="http://schemas.microsoft.com/office/powerpoint/2010/main" val="2536287423"/>
+                <p14:modId xmlns:p14="http://schemas.microsoft.com/office/powerpoint/2010/main" val="2002710785"/>
               </p:ext>
             </p:extLst>
           </p:nvPr>
@@ -25615,7 +27050,7 @@
                           <a:spcPts val="30"/>
                         </a:spcBef>
                       </a:pPr>
-                      <a:endParaRPr sz="1100">
+                      <a:endParaRPr sz="1100" dirty="0">
                         <a:latin typeface="Times New Roman"/>
                         <a:cs typeface="Times New Roman"/>
                       </a:endParaRPr>
@@ -25686,7 +27121,7 @@
                         </a:rPr>
                         <a:t>a</a:t>
                       </a:r>
-                      <a:endParaRPr sz="1000">
+                      <a:endParaRPr sz="1000" dirty="0">
                         <a:latin typeface="Arial"/>
                         <a:cs typeface="Arial"/>
                       </a:endParaRPr>
@@ -28584,7 +30019,27 @@
                 <a:latin typeface="Arial"/>
                 <a:cs typeface="Arial"/>
               </a:rPr>
-              <a:t>The current stack </a:t>
+              <a:t>The </a:t>
+            </a:r>
+            <a:r>
+              <a:rPr lang="en-US" sz="1400" spc="-5" dirty="0">
+                <a:solidFill>
+                  <a:srgbClr val="003399"/>
+                </a:solidFill>
+                <a:latin typeface="Arial"/>
+                <a:cs typeface="Arial"/>
+              </a:rPr>
+              <a:t>call</a:t>
+            </a:r>
+            <a:r>
+              <a:rPr sz="1400" spc="-5" dirty="0">
+                <a:solidFill>
+                  <a:srgbClr val="003399"/>
+                </a:solidFill>
+                <a:latin typeface="Arial"/>
+                <a:cs typeface="Arial"/>
+              </a:rPr>
+              <a:t> stack </a:t>
             </a:r>
             <a:r>
               <a:rPr sz="1400" dirty="0">
@@ -28646,7 +30101,7 @@
               </a:rPr>
               <a:t>DP</a:t>
             </a:r>
-            <a:endParaRPr sz="1400">
+            <a:endParaRPr sz="1400" dirty="0">
               <a:latin typeface="Arial"/>
               <a:cs typeface="Arial"/>
             </a:endParaRPr>
@@ -28665,7 +30120,7 @@
               <a:buFont typeface="Arial"/>
               <a:buChar char="•"/>
             </a:pPr>
-            <a:endParaRPr sz="2000">
+            <a:endParaRPr sz="2000" dirty="0">
               <a:latin typeface="Times New Roman"/>
               <a:cs typeface="Times New Roman"/>
             </a:endParaRPr>
@@ -28715,7 +30170,7 @@
               </a:rPr>
               <a:t>other</a:t>
             </a:r>
-            <a:endParaRPr sz="1400">
+            <a:endParaRPr sz="1400" dirty="0">
               <a:latin typeface="Arial"/>
               <a:cs typeface="Arial"/>
             </a:endParaRPr>
@@ -28768,7 +30223,27 @@
                 <a:latin typeface="Arial"/>
                 <a:cs typeface="Arial"/>
               </a:rPr>
-              <a:t>Clicking on one element of this stack switches the editor view to  display the corresponding class, and "variables" view </a:t>
+              <a:t>Clicking on one element of this stack switches the editor view to  display the corresponding class, and</a:t>
+            </a:r>
+            <a:r>
+              <a:rPr lang="en-US" sz="1400" spc="-5" dirty="0">
+                <a:solidFill>
+                  <a:srgbClr val="003399"/>
+                </a:solidFill>
+                <a:latin typeface="Arial"/>
+                <a:cs typeface="Arial"/>
+              </a:rPr>
+              <a:t> the</a:t>
+            </a:r>
+            <a:r>
+              <a:rPr sz="1400" spc="-5" dirty="0">
+                <a:solidFill>
+                  <a:srgbClr val="003399"/>
+                </a:solidFill>
+                <a:latin typeface="Arial"/>
+                <a:cs typeface="Arial"/>
+              </a:rPr>
+              <a:t> "variables" view </a:t>
             </a:r>
             <a:r>
               <a:rPr sz="1400" dirty="0">
@@ -28810,7 +30285,7 @@
               </a:rPr>
               <a:t>element.</a:t>
             </a:r>
-            <a:endParaRPr sz="1400">
+            <a:endParaRPr sz="1400" dirty="0">
               <a:latin typeface="Arial"/>
               <a:cs typeface="Arial"/>
             </a:endParaRPr>
@@ -32578,7 +34053,7 @@
         </p:nvSpPr>
         <p:spPr>
           <a:xfrm>
-            <a:off x="7971521" y="3169361"/>
+            <a:off x="7971521" y="3124200"/>
             <a:ext cx="330200" cy="304165"/>
           </a:xfrm>
           <a:custGeom>
@@ -32678,7 +34153,7 @@
         </p:nvSpPr>
         <p:spPr>
           <a:xfrm>
-            <a:off x="7971521" y="3169361"/>
+            <a:off x="7971521" y="3124200"/>
             <a:ext cx="330200" cy="304165"/>
           </a:xfrm>
           <a:custGeom>
@@ -33788,6 +35263,218 @@
           <a:ln w="38100">
             <a:solidFill>
               <a:srgbClr val="000080"/>
+            </a:solidFill>
+          </a:ln>
+        </p:spPr>
+        <p:txBody>
+          <a:bodyPr wrap="square" lIns="0" tIns="0" rIns="0" bIns="0" rtlCol="0"/>
+          <a:lstStyle/>
+          <a:p>
+            <a:endParaRPr/>
+          </a:p>
+        </p:txBody>
+      </p:sp>
+      <p:sp>
+        <p:nvSpPr>
+          <p:cNvPr id="12" name="object 11">
+            <a:extLst>
+              <a:ext uri="{FF2B5EF4-FFF2-40B4-BE49-F238E27FC236}">
+                <a16:creationId xmlns:a16="http://schemas.microsoft.com/office/drawing/2014/main" id="{00571E98-4C48-BC4F-890C-9C0BCD3D2FDD}"/>
+              </a:ext>
+            </a:extLst>
+          </p:cNvPr>
+          <p:cNvSpPr/>
+          <p:nvPr/>
+        </p:nvSpPr>
+        <p:spPr>
+          <a:xfrm>
+            <a:off x="6781800" y="3581400"/>
+            <a:ext cx="330200" cy="304165"/>
+          </a:xfrm>
+          <a:custGeom>
+            <a:avLst/>
+            <a:gdLst/>
+            <a:ahLst/>
+            <a:cxnLst/>
+            <a:rect l="l" t="t" r="r" b="b"/>
+            <a:pathLst>
+              <a:path w="330200" h="304164">
+                <a:moveTo>
+                  <a:pt x="165100" y="0"/>
+                </a:moveTo>
+                <a:lnTo>
+                  <a:pt x="112915" y="7744"/>
+                </a:lnTo>
+                <a:lnTo>
+                  <a:pt x="67594" y="29308"/>
+                </a:lnTo>
+                <a:lnTo>
+                  <a:pt x="31854" y="62190"/>
+                </a:lnTo>
+                <a:lnTo>
+                  <a:pt x="8416" y="103888"/>
+                </a:lnTo>
+                <a:lnTo>
+                  <a:pt x="0" y="151900"/>
+                </a:lnTo>
+                <a:lnTo>
+                  <a:pt x="8416" y="199913"/>
+                </a:lnTo>
+                <a:lnTo>
+                  <a:pt x="31854" y="241611"/>
+                </a:lnTo>
+                <a:lnTo>
+                  <a:pt x="67594" y="274492"/>
+                </a:lnTo>
+                <a:lnTo>
+                  <a:pt x="112915" y="296056"/>
+                </a:lnTo>
+                <a:lnTo>
+                  <a:pt x="165100" y="303800"/>
+                </a:lnTo>
+                <a:lnTo>
+                  <a:pt x="217284" y="296056"/>
+                </a:lnTo>
+                <a:lnTo>
+                  <a:pt x="262605" y="274492"/>
+                </a:lnTo>
+                <a:lnTo>
+                  <a:pt x="298345" y="241611"/>
+                </a:lnTo>
+                <a:lnTo>
+                  <a:pt x="321783" y="199913"/>
+                </a:lnTo>
+                <a:lnTo>
+                  <a:pt x="330200" y="151900"/>
+                </a:lnTo>
+                <a:lnTo>
+                  <a:pt x="321783" y="103888"/>
+                </a:lnTo>
+                <a:lnTo>
+                  <a:pt x="298345" y="62190"/>
+                </a:lnTo>
+                <a:lnTo>
+                  <a:pt x="262605" y="29308"/>
+                </a:lnTo>
+                <a:lnTo>
+                  <a:pt x="217284" y="7744"/>
+                </a:lnTo>
+                <a:lnTo>
+                  <a:pt x="165100" y="0"/>
+                </a:lnTo>
+                <a:close/>
+              </a:path>
+            </a:pathLst>
+          </a:custGeom>
+          <a:solidFill>
+            <a:srgbClr val="FF0000">
+              <a:alpha val="21179"/>
+            </a:srgbClr>
+          </a:solidFill>
+        </p:spPr>
+        <p:txBody>
+          <a:bodyPr wrap="square" lIns="0" tIns="0" rIns="0" bIns="0" rtlCol="0"/>
+          <a:lstStyle/>
+          <a:p>
+            <a:endParaRPr/>
+          </a:p>
+        </p:txBody>
+      </p:sp>
+      <p:sp>
+        <p:nvSpPr>
+          <p:cNvPr id="13" name="object 12">
+            <a:extLst>
+              <a:ext uri="{FF2B5EF4-FFF2-40B4-BE49-F238E27FC236}">
+                <a16:creationId xmlns:a16="http://schemas.microsoft.com/office/drawing/2014/main" id="{DA75012B-7548-4C42-99E6-685F0EC0997D}"/>
+              </a:ext>
+            </a:extLst>
+          </p:cNvPr>
+          <p:cNvSpPr/>
+          <p:nvPr/>
+        </p:nvSpPr>
+        <p:spPr>
+          <a:xfrm>
+            <a:off x="6781800" y="3581400"/>
+            <a:ext cx="330200" cy="304165"/>
+          </a:xfrm>
+          <a:custGeom>
+            <a:avLst/>
+            <a:gdLst/>
+            <a:ahLst/>
+            <a:cxnLst/>
+            <a:rect l="l" t="t" r="r" b="b"/>
+            <a:pathLst>
+              <a:path w="330200" h="304164">
+                <a:moveTo>
+                  <a:pt x="0" y="151900"/>
+                </a:moveTo>
+                <a:lnTo>
+                  <a:pt x="8416" y="103888"/>
+                </a:lnTo>
+                <a:lnTo>
+                  <a:pt x="31854" y="62190"/>
+                </a:lnTo>
+                <a:lnTo>
+                  <a:pt x="67594" y="29307"/>
+                </a:lnTo>
+                <a:lnTo>
+                  <a:pt x="112915" y="7743"/>
+                </a:lnTo>
+                <a:lnTo>
+                  <a:pt x="165100" y="0"/>
+                </a:lnTo>
+                <a:lnTo>
+                  <a:pt x="217284" y="7743"/>
+                </a:lnTo>
+                <a:lnTo>
+                  <a:pt x="262605" y="29307"/>
+                </a:lnTo>
+                <a:lnTo>
+                  <a:pt x="298345" y="62190"/>
+                </a:lnTo>
+                <a:lnTo>
+                  <a:pt x="321783" y="103888"/>
+                </a:lnTo>
+                <a:lnTo>
+                  <a:pt x="330200" y="151900"/>
+                </a:lnTo>
+                <a:lnTo>
+                  <a:pt x="321783" y="199912"/>
+                </a:lnTo>
+                <a:lnTo>
+                  <a:pt x="298345" y="241610"/>
+                </a:lnTo>
+                <a:lnTo>
+                  <a:pt x="262605" y="274493"/>
+                </a:lnTo>
+                <a:lnTo>
+                  <a:pt x="217284" y="296057"/>
+                </a:lnTo>
+                <a:lnTo>
+                  <a:pt x="165100" y="303801"/>
+                </a:lnTo>
+                <a:lnTo>
+                  <a:pt x="112915" y="296057"/>
+                </a:lnTo>
+                <a:lnTo>
+                  <a:pt x="67594" y="274493"/>
+                </a:lnTo>
+                <a:lnTo>
+                  <a:pt x="31854" y="241610"/>
+                </a:lnTo>
+                <a:lnTo>
+                  <a:pt x="8416" y="199912"/>
+                </a:lnTo>
+                <a:lnTo>
+                  <a:pt x="0" y="151900"/>
+                </a:lnTo>
+                <a:close/>
+              </a:path>
+            </a:pathLst>
+          </a:custGeom>
+          <a:ln w="28575">
+            <a:solidFill>
+              <a:srgbClr val="C00000"/>
             </a:solidFill>
           </a:ln>
         </p:spPr>
@@ -34695,6 +36382,26 @@
               </a:spcBef>
             </a:pPr>
             <a:r>
+              <a:rPr lang="en-US" sz="2000" dirty="0">
+                <a:solidFill>
+                  <a:srgbClr val="003399"/>
+                </a:solidFill>
+                <a:latin typeface="Arial"/>
+                <a:cs typeface="Arial"/>
+              </a:rPr>
+              <a:t>The viewport also allows you to </a:t>
+            </a:r>
+            <a:r>
+              <a:rPr sz="2000" spc="-5" dirty="0">
+                <a:solidFill>
+                  <a:srgbClr val="003399"/>
+                </a:solidFill>
+                <a:latin typeface="Arial"/>
+                <a:cs typeface="Arial"/>
+              </a:rPr>
+              <a:t>customize </a:t>
+            </a:r>
+            <a:r>
               <a:rPr sz="2000" dirty="0">
                 <a:solidFill>
                   <a:srgbClr val="003399"/>
@@ -34702,7 +36409,17 @@
                 <a:latin typeface="Arial"/>
                 <a:cs typeface="Arial"/>
               </a:rPr>
-              <a:t>And you can </a:t>
+              <a:t>what is displayed</a:t>
+            </a:r>
+            <a:r>
+              <a:rPr sz="2000" spc="-110" dirty="0">
+                <a:solidFill>
+                  <a:srgbClr val="003399"/>
+                </a:solidFill>
+                <a:latin typeface="Arial"/>
+                <a:cs typeface="Arial"/>
+              </a:rPr>
+              <a:t> </a:t>
             </a:r>
             <a:r>
               <a:rPr sz="2000" spc="-5" dirty="0">
@@ -34712,7 +36429,7 @@
                 <a:latin typeface="Arial"/>
                 <a:cs typeface="Arial"/>
               </a:rPr>
-              <a:t>customize the </a:t>
+              <a:t>for </a:t>
             </a:r>
             <a:r>
               <a:rPr sz="2000" dirty="0">
@@ -34722,17 +36439,27 @@
                 <a:latin typeface="Arial"/>
                 <a:cs typeface="Arial"/>
               </a:rPr>
-              <a:t>what is displayed</a:t>
-            </a:r>
-            <a:r>
-              <a:rPr sz="2000" spc="-110" dirty="0">
-                <a:solidFill>
-                  <a:srgbClr val="003399"/>
-                </a:solidFill>
-                <a:latin typeface="Arial"/>
-                <a:cs typeface="Arial"/>
-              </a:rPr>
-              <a:t> </a:t>
+              <a:t>each</a:t>
+            </a:r>
+            <a:r>
+              <a:rPr lang="en-US" sz="2000" dirty="0">
+                <a:solidFill>
+                  <a:srgbClr val="003399"/>
+                </a:solidFill>
+                <a:latin typeface="Arial"/>
+                <a:cs typeface="Arial"/>
+              </a:rPr>
+              <a:t> variable</a:t>
+            </a:r>
+            <a:r>
+              <a:rPr sz="2000" dirty="0">
+                <a:solidFill>
+                  <a:srgbClr val="003399"/>
+                </a:solidFill>
+                <a:latin typeface="Arial"/>
+                <a:cs typeface="Arial"/>
+              </a:rPr>
+              <a:t>. For example say you </a:t>
             </a:r>
             <a:r>
               <a:rPr sz="2000" spc="-5" dirty="0">
@@ -34742,7 +36469,7 @@
                 <a:latin typeface="Arial"/>
                 <a:cs typeface="Arial"/>
               </a:rPr>
-              <a:t>for  </a:t>
+              <a:t>wanted to </a:t>
             </a:r>
             <a:r>
               <a:rPr sz="2000" dirty="0">
@@ -34752,7 +36479,7 @@
                 <a:latin typeface="Arial"/>
                 <a:cs typeface="Arial"/>
               </a:rPr>
-              <a:t>each. For example say you </a:t>
+              <a:t>know </a:t>
             </a:r>
             <a:r>
               <a:rPr sz="2000" spc="-5" dirty="0">
@@ -34762,7 +36489,7 @@
                 <a:latin typeface="Arial"/>
                 <a:cs typeface="Arial"/>
               </a:rPr>
-              <a:t>wanted to </a:t>
+              <a:t>the </a:t>
             </a:r>
             <a:r>
               <a:rPr sz="2000" dirty="0">
@@ -34772,49 +36499,19 @@
                 <a:latin typeface="Arial"/>
                 <a:cs typeface="Arial"/>
               </a:rPr>
-              <a:t>know </a:t>
-            </a:r>
-            <a:r>
-              <a:rPr sz="2000" spc="-5" dirty="0">
-                <a:solidFill>
-                  <a:srgbClr val="003399"/>
-                </a:solidFill>
-                <a:latin typeface="Arial"/>
-                <a:cs typeface="Arial"/>
-              </a:rPr>
-              <a:t>the  </a:t>
-            </a:r>
-            <a:r>
-              <a:rPr sz="2000" dirty="0">
-                <a:solidFill>
-                  <a:srgbClr val="003399"/>
-                </a:solidFill>
-                <a:latin typeface="Arial"/>
-                <a:cs typeface="Arial"/>
-              </a:rPr>
-              <a:t>TYPE of each</a:t>
-            </a:r>
-            <a:r>
-              <a:rPr sz="2000" spc="-40" dirty="0">
-                <a:solidFill>
-                  <a:srgbClr val="003399"/>
-                </a:solidFill>
-                <a:latin typeface="Arial"/>
-                <a:cs typeface="Arial"/>
-              </a:rPr>
-              <a:t> </a:t>
-            </a:r>
-            <a:r>
-              <a:rPr sz="2000" dirty="0">
-                <a:solidFill>
-                  <a:srgbClr val="003399"/>
-                </a:solidFill>
-                <a:latin typeface="Arial"/>
-                <a:cs typeface="Arial"/>
-              </a:rPr>
-              <a:t>variable.</a:t>
-            </a:r>
-            <a:endParaRPr sz="2000">
+              <a:t>TYPE</a:t>
+            </a:r>
+            <a:r>
+              <a:rPr lang="en-US" sz="2000" dirty="0">
+                <a:solidFill>
+                  <a:srgbClr val="003399"/>
+                </a:solidFill>
+                <a:latin typeface="Arial"/>
+                <a:cs typeface="Arial"/>
+              </a:rPr>
+              <a:t>:</a:t>
+            </a:r>
+            <a:endParaRPr sz="2000" dirty="0">
               <a:latin typeface="Arial"/>
               <a:cs typeface="Arial"/>
             </a:endParaRPr>
@@ -35640,21 +37337,10 @@
               </a:spcBef>
             </a:pPr>
             <a:r>
-              <a:rPr spc="-5" dirty="0"/>
-              <a:t>Why did we </a:t>
-            </a:r>
-            <a:r>
-              <a:rPr dirty="0"/>
-              <a:t>do</a:t>
-            </a:r>
-            <a:r>
-              <a:rPr spc="-60" dirty="0"/>
-              <a:t> </a:t>
-            </a:r>
-            <a:r>
-              <a:rPr dirty="0"/>
-              <a:t>this??</a:t>
-            </a:r>
+              <a:rPr lang="en-US" spc="-5" dirty="0"/>
+              <a:t>Your Turn</a:t>
+            </a:r>
+            <a:endParaRPr dirty="0"/>
           </a:p>
         </p:txBody>
       </p:sp>
@@ -35667,7 +37353,7 @@
         <p:spPr>
           <a:xfrm>
             <a:off x="3477259" y="1444772"/>
-            <a:ext cx="5276850" cy="936154"/>
+            <a:ext cx="5276850" cy="3193182"/>
           </a:xfrm>
           <a:prstGeom prst="rect">
             <a:avLst/>
@@ -35697,26 +37383,6 @@
               </a:tabLst>
             </a:pPr>
             <a:r>
-              <a:rPr sz="2000" spc="-5" dirty="0">
-                <a:solidFill>
-                  <a:srgbClr val="003399"/>
-                </a:solidFill>
-                <a:latin typeface="Arial"/>
-                <a:cs typeface="Arial"/>
-              </a:rPr>
-              <a:t>In this </a:t>
-            </a:r>
-            <a:r>
-              <a:rPr sz="2000" dirty="0">
-                <a:solidFill>
-                  <a:srgbClr val="003399"/>
-                </a:solidFill>
-                <a:latin typeface="Arial"/>
-                <a:cs typeface="Arial"/>
-              </a:rPr>
-              <a:t>example </a:t>
-            </a:r>
-            <a:r>
               <a:rPr lang="en-US" sz="2000" spc="-5" dirty="0">
                 <a:solidFill>
                   <a:srgbClr val="003399"/>
@@ -35724,404 +37390,17 @@
                 <a:latin typeface="Arial"/>
                 <a:cs typeface="Arial"/>
               </a:rPr>
-              <a:t>try to figure out where the logic in the buggy script is failing and correct it …</a:t>
-            </a:r>
-            <a:endParaRPr sz="2000" dirty="0">
-              <a:latin typeface="Arial"/>
-              <a:cs typeface="Arial"/>
-            </a:endParaRPr>
-          </a:p>
-        </p:txBody>
-      </p:sp>
-      <p:sp>
-        <p:nvSpPr>
-          <p:cNvPr id="6" name="object 6"/>
-          <p:cNvSpPr txBox="1"/>
-          <p:nvPr/>
-        </p:nvSpPr>
-        <p:spPr>
-          <a:xfrm>
-            <a:off x="3477259" y="2799237"/>
-            <a:ext cx="5554980" cy="3536866"/>
-          </a:xfrm>
-          <a:prstGeom prst="rect">
-            <a:avLst/>
-          </a:prstGeom>
-        </p:spPr>
-        <p:txBody>
-          <a:bodyPr vert="horz" wrap="square" lIns="0" tIns="12700" rIns="0" bIns="0" rtlCol="0">
-            <a:spAutoFit/>
-          </a:bodyPr>
-          <a:lstStyle/>
-          <a:p>
-            <a:pPr marL="355600" marR="5080" indent="-342900" algn="just">
+              <a:t>Take some time to fix the broken logic in Example3_buggy.java</a:t>
+            </a:r>
+          </a:p>
+          <a:p>
+            <a:pPr marL="355600" marR="5080" indent="-342900">
               <a:lnSpc>
                 <a:spcPct val="100000"/>
               </a:lnSpc>
               <a:spcBef>
                 <a:spcPts val="100"/>
               </a:spcBef>
-              <a:buClr>
-                <a:srgbClr val="99CC00"/>
-              </a:buClr>
-              <a:buSzPct val="150000"/>
-              <a:buChar char="•"/>
-              <a:tabLst>
-                <a:tab pos="355600" algn="l"/>
-              </a:tabLst>
-            </a:pPr>
-            <a:r>
-              <a:rPr sz="2000" dirty="0">
-                <a:solidFill>
-                  <a:srgbClr val="003399"/>
-                </a:solidFill>
-                <a:latin typeface="Arial"/>
-                <a:cs typeface="Arial"/>
-              </a:rPr>
-              <a:t>The idea is </a:t>
-            </a:r>
-            <a:r>
-              <a:rPr sz="2000" spc="-5" dirty="0">
-                <a:solidFill>
-                  <a:srgbClr val="003399"/>
-                </a:solidFill>
-                <a:latin typeface="Arial"/>
-                <a:cs typeface="Arial"/>
-              </a:rPr>
-              <a:t>to </a:t>
-            </a:r>
-            <a:r>
-              <a:rPr sz="2000" dirty="0">
-                <a:solidFill>
-                  <a:srgbClr val="003399"/>
-                </a:solidFill>
-                <a:latin typeface="Arial"/>
-                <a:cs typeface="Arial"/>
-              </a:rPr>
-              <a:t>be </a:t>
-            </a:r>
-            <a:r>
-              <a:rPr sz="2000" spc="-5" dirty="0">
-                <a:solidFill>
-                  <a:srgbClr val="003399"/>
-                </a:solidFill>
-                <a:latin typeface="Arial"/>
-                <a:cs typeface="Arial"/>
-              </a:rPr>
-              <a:t>comfortable </a:t>
-            </a:r>
-            <a:r>
-              <a:rPr sz="2000" dirty="0">
-                <a:solidFill>
-                  <a:srgbClr val="003399"/>
-                </a:solidFill>
-                <a:latin typeface="Arial"/>
-                <a:cs typeface="Arial"/>
-              </a:rPr>
-              <a:t>exploring a new  </a:t>
-            </a:r>
-            <a:r>
-              <a:rPr sz="2000" spc="-5" dirty="0">
-                <a:solidFill>
-                  <a:srgbClr val="003399"/>
-                </a:solidFill>
-                <a:latin typeface="Arial"/>
-                <a:cs typeface="Arial"/>
-              </a:rPr>
-              <a:t>program (or </a:t>
-            </a:r>
-            <a:r>
-              <a:rPr sz="2000" dirty="0">
-                <a:solidFill>
-                  <a:srgbClr val="003399"/>
-                </a:solidFill>
-                <a:latin typeface="Arial"/>
-                <a:cs typeface="Arial"/>
-              </a:rPr>
-              <a:t>your own) in </a:t>
-            </a:r>
-            <a:r>
-              <a:rPr sz="2000" spc="-5" dirty="0">
-                <a:solidFill>
-                  <a:srgbClr val="003399"/>
-                </a:solidFill>
-                <a:latin typeface="Arial"/>
-                <a:cs typeface="Arial"/>
-              </a:rPr>
-              <a:t>the </a:t>
-            </a:r>
-            <a:r>
-              <a:rPr sz="2000" dirty="0">
-                <a:solidFill>
-                  <a:srgbClr val="003399"/>
-                </a:solidFill>
-                <a:latin typeface="Arial"/>
-                <a:cs typeface="Arial"/>
-              </a:rPr>
-              <a:t>debugger </a:t>
-            </a:r>
-            <a:r>
-              <a:rPr sz="2000" spc="-5" dirty="0">
-                <a:solidFill>
-                  <a:srgbClr val="003399"/>
-                </a:solidFill>
-                <a:latin typeface="Arial"/>
-                <a:cs typeface="Arial"/>
-              </a:rPr>
-              <a:t>to</a:t>
-            </a:r>
-            <a:r>
-              <a:rPr sz="2000" spc="-105" dirty="0">
-                <a:solidFill>
-                  <a:srgbClr val="003399"/>
-                </a:solidFill>
-                <a:latin typeface="Arial"/>
-                <a:cs typeface="Arial"/>
-              </a:rPr>
-              <a:t> </a:t>
-            </a:r>
-            <a:r>
-              <a:rPr sz="2000" spc="-5" dirty="0">
-                <a:solidFill>
-                  <a:srgbClr val="003399"/>
-                </a:solidFill>
-                <a:latin typeface="Arial"/>
-                <a:cs typeface="Arial"/>
-              </a:rPr>
-              <a:t>both  find errors </a:t>
-            </a:r>
-            <a:r>
-              <a:rPr sz="2000" dirty="0">
-                <a:solidFill>
-                  <a:srgbClr val="003399"/>
-                </a:solidFill>
-                <a:latin typeface="Arial"/>
-                <a:cs typeface="Arial"/>
-              </a:rPr>
-              <a:t>AND familiarize yourself with</a:t>
-            </a:r>
-            <a:r>
-              <a:rPr sz="2000" spc="-180" dirty="0">
-                <a:solidFill>
-                  <a:srgbClr val="003399"/>
-                </a:solidFill>
-                <a:latin typeface="Arial"/>
-                <a:cs typeface="Arial"/>
-              </a:rPr>
-              <a:t> </a:t>
-            </a:r>
-            <a:r>
-              <a:rPr sz="2000" spc="-5" dirty="0">
-                <a:solidFill>
-                  <a:srgbClr val="003399"/>
-                </a:solidFill>
-                <a:latin typeface="Arial"/>
-                <a:cs typeface="Arial"/>
-              </a:rPr>
-              <a:t>it.</a:t>
-            </a:r>
-            <a:endParaRPr sz="2000" dirty="0">
-              <a:latin typeface="Arial"/>
-              <a:cs typeface="Arial"/>
-            </a:endParaRPr>
-          </a:p>
-          <a:p>
-            <a:pPr>
-              <a:lnSpc>
-                <a:spcPct val="100000"/>
-              </a:lnSpc>
-              <a:spcBef>
-                <a:spcPts val="30"/>
-              </a:spcBef>
-              <a:buClr>
-                <a:srgbClr val="99CC00"/>
-              </a:buClr>
-              <a:buFont typeface="Arial"/>
-              <a:buChar char="•"/>
-            </a:pPr>
-            <a:endParaRPr sz="2900" dirty="0">
-              <a:latin typeface="Times New Roman"/>
-              <a:cs typeface="Times New Roman"/>
-            </a:endParaRPr>
-          </a:p>
-          <a:p>
-            <a:pPr marL="355600" marR="71120" indent="-342900">
-              <a:lnSpc>
-                <a:spcPct val="100000"/>
-              </a:lnSpc>
-              <a:buClr>
-                <a:srgbClr val="99CC00"/>
-              </a:buClr>
-              <a:buSzPct val="150000"/>
-              <a:buChar char="•"/>
-              <a:tabLst>
-                <a:tab pos="354965" algn="l"/>
-                <a:tab pos="355600" algn="l"/>
-              </a:tabLst>
-            </a:pPr>
-            <a:r>
-              <a:rPr sz="2000" dirty="0">
-                <a:solidFill>
-                  <a:srgbClr val="003399"/>
-                </a:solidFill>
-                <a:latin typeface="Arial"/>
-                <a:cs typeface="Arial"/>
-              </a:rPr>
-              <a:t>Even </a:t>
-            </a:r>
-            <a:r>
-              <a:rPr sz="2000" spc="-5" dirty="0">
-                <a:solidFill>
-                  <a:srgbClr val="003399"/>
-                </a:solidFill>
-                <a:latin typeface="Arial"/>
-                <a:cs typeface="Arial"/>
-              </a:rPr>
-              <a:t>though </a:t>
-            </a:r>
-            <a:r>
-              <a:rPr sz="2000" dirty="0">
-                <a:solidFill>
-                  <a:srgbClr val="003399"/>
-                </a:solidFill>
-                <a:latin typeface="Arial"/>
-                <a:cs typeface="Arial"/>
-              </a:rPr>
-              <a:t>you did not </a:t>
-            </a:r>
-            <a:r>
-              <a:rPr sz="2000" spc="-5" dirty="0">
-                <a:solidFill>
-                  <a:srgbClr val="003399"/>
-                </a:solidFill>
-                <a:latin typeface="Arial"/>
-                <a:cs typeface="Arial"/>
-              </a:rPr>
-              <a:t>write this the</a:t>
-            </a:r>
-            <a:r>
-              <a:rPr sz="2000" spc="-105" dirty="0">
-                <a:solidFill>
-                  <a:srgbClr val="003399"/>
-                </a:solidFill>
-                <a:latin typeface="Arial"/>
-                <a:cs typeface="Arial"/>
-              </a:rPr>
-              <a:t> </a:t>
-            </a:r>
-            <a:r>
-              <a:rPr sz="2000" dirty="0">
-                <a:solidFill>
-                  <a:srgbClr val="003399"/>
-                </a:solidFill>
-                <a:latin typeface="Arial"/>
-                <a:cs typeface="Arial"/>
-              </a:rPr>
-              <a:t>sample  code you should have a good  </a:t>
-            </a:r>
-            <a:r>
-              <a:rPr sz="2000" spc="-5" dirty="0">
-                <a:solidFill>
-                  <a:srgbClr val="003399"/>
-                </a:solidFill>
-                <a:latin typeface="Arial"/>
-                <a:cs typeface="Arial"/>
-              </a:rPr>
-              <a:t>understanding </a:t>
-            </a:r>
-            <a:r>
-              <a:rPr sz="2000" dirty="0">
-                <a:solidFill>
-                  <a:srgbClr val="003399"/>
-                </a:solidFill>
-                <a:latin typeface="Arial"/>
-                <a:cs typeface="Arial"/>
-              </a:rPr>
-              <a:t>of </a:t>
-            </a:r>
-            <a:r>
-              <a:rPr sz="2000" spc="-5" dirty="0">
-                <a:solidFill>
-                  <a:srgbClr val="003399"/>
-                </a:solidFill>
-                <a:latin typeface="Arial"/>
-                <a:cs typeface="Arial"/>
-              </a:rPr>
-              <a:t>the </a:t>
-            </a:r>
-            <a:r>
-              <a:rPr sz="2000" dirty="0">
-                <a:solidFill>
-                  <a:srgbClr val="003399"/>
-                </a:solidFill>
-                <a:latin typeface="Arial"/>
-                <a:cs typeface="Arial"/>
-              </a:rPr>
-              <a:t>variables and </a:t>
-            </a:r>
-            <a:r>
-              <a:rPr sz="2000" spc="-5" dirty="0">
-                <a:solidFill>
-                  <a:srgbClr val="003399"/>
-                </a:solidFill>
-                <a:latin typeface="Arial"/>
-                <a:cs typeface="Arial"/>
-              </a:rPr>
-              <a:t>steps executed after </a:t>
-            </a:r>
-            <a:r>
-              <a:rPr sz="2000" dirty="0">
-                <a:solidFill>
-                  <a:srgbClr val="003399"/>
-                </a:solidFill>
-                <a:latin typeface="Arial"/>
-                <a:cs typeface="Arial"/>
-              </a:rPr>
-              <a:t>using </a:t>
-            </a:r>
-            <a:r>
-              <a:rPr sz="2000" spc="-5" dirty="0">
-                <a:solidFill>
-                  <a:srgbClr val="003399"/>
-                </a:solidFill>
-                <a:latin typeface="Arial"/>
-                <a:cs typeface="Arial"/>
-              </a:rPr>
-              <a:t>the</a:t>
-            </a:r>
-            <a:r>
-              <a:rPr sz="2000" spc="-35" dirty="0">
-                <a:solidFill>
-                  <a:srgbClr val="003399"/>
-                </a:solidFill>
-                <a:latin typeface="Arial"/>
-                <a:cs typeface="Arial"/>
-              </a:rPr>
-              <a:t> </a:t>
-            </a:r>
-            <a:r>
-              <a:rPr sz="2000" spc="-5" dirty="0">
-                <a:solidFill>
-                  <a:srgbClr val="003399"/>
-                </a:solidFill>
-                <a:latin typeface="Arial"/>
-                <a:cs typeface="Arial"/>
-              </a:rPr>
-              <a:t>debugger….</a:t>
-            </a:r>
-            <a:endParaRPr lang="en-US" sz="2000" spc="-5" dirty="0">
-              <a:solidFill>
-                <a:srgbClr val="003399"/>
-              </a:solidFill>
-              <a:latin typeface="Arial"/>
-              <a:cs typeface="Arial"/>
-            </a:endParaRPr>
-          </a:p>
-          <a:p>
-            <a:pPr marL="355600" marR="71120" indent="-342900">
-              <a:lnSpc>
-                <a:spcPct val="100000"/>
-              </a:lnSpc>
               <a:buClr>
                 <a:srgbClr val="99CC00"/>
               </a:buClr>
@@ -36141,10 +37420,13 @@
             </a:endParaRPr>
           </a:p>
           <a:p>
-            <a:pPr marL="355600" marR="71120" indent="-342900">
+            <a:pPr marL="355600" marR="5080" indent="-342900">
               <a:lnSpc>
                 <a:spcPct val="100000"/>
               </a:lnSpc>
+              <a:spcBef>
+                <a:spcPts val="100"/>
+              </a:spcBef>
               <a:buClr>
                 <a:srgbClr val="99CC00"/>
               </a:buClr>
@@ -36163,8 +37445,153 @@
                 <a:latin typeface="Arial"/>
                 <a:cs typeface="Arial"/>
               </a:rPr>
-              <a:t>A debugged solution can be found in Example3_debugged.java</a:t>
-            </a:r>
+              <a:t>You can do this:</a:t>
+            </a:r>
+          </a:p>
+          <a:p>
+            <a:pPr marL="355600" marR="5080" indent="-342900">
+              <a:lnSpc>
+                <a:spcPct val="100000"/>
+              </a:lnSpc>
+              <a:spcBef>
+                <a:spcPts val="100"/>
+              </a:spcBef>
+              <a:buClr>
+                <a:srgbClr val="99CC00"/>
+              </a:buClr>
+              <a:buSzPct val="150000"/>
+              <a:buChar char="•"/>
+              <a:tabLst>
+                <a:tab pos="354965" algn="l"/>
+                <a:tab pos="355600" algn="l"/>
+              </a:tabLst>
+            </a:pPr>
+            <a:endParaRPr lang="en-US" sz="2000" spc="-5" dirty="0">
+              <a:solidFill>
+                <a:srgbClr val="003399"/>
+              </a:solidFill>
+              <a:latin typeface="Arial"/>
+              <a:cs typeface="Arial"/>
+            </a:endParaRPr>
+          </a:p>
+          <a:p>
+            <a:pPr marL="469900" marR="5080" lvl="1">
+              <a:spcBef>
+                <a:spcPts val="100"/>
+              </a:spcBef>
+              <a:buClr>
+                <a:srgbClr val="99CC00"/>
+              </a:buClr>
+              <a:buSzPct val="150000"/>
+              <a:tabLst>
+                <a:tab pos="354965" algn="l"/>
+                <a:tab pos="355600" algn="l"/>
+              </a:tabLst>
+            </a:pPr>
+            <a:r>
+              <a:rPr lang="en-US" sz="2000" spc="-5" dirty="0">
+                <a:solidFill>
+                  <a:srgbClr val="003399"/>
+                </a:solidFill>
+                <a:latin typeface="Arial"/>
+                <a:cs typeface="Arial"/>
+              </a:rPr>
+              <a:t>1. Visually</a:t>
+            </a:r>
+          </a:p>
+          <a:p>
+            <a:pPr marL="469900" marR="5080" lvl="1">
+              <a:spcBef>
+                <a:spcPts val="100"/>
+              </a:spcBef>
+              <a:buClr>
+                <a:srgbClr val="99CC00"/>
+              </a:buClr>
+              <a:buSzPct val="150000"/>
+              <a:tabLst>
+                <a:tab pos="354965" algn="l"/>
+                <a:tab pos="355600" algn="l"/>
+              </a:tabLst>
+            </a:pPr>
+            <a:r>
+              <a:rPr lang="en-US" sz="2000" spc="-5" dirty="0">
+                <a:solidFill>
+                  <a:srgbClr val="003399"/>
+                </a:solidFill>
+                <a:latin typeface="Arial"/>
+                <a:cs typeface="Arial"/>
+              </a:rPr>
+              <a:t>2. With the debugger</a:t>
+            </a:r>
+          </a:p>
+          <a:p>
+            <a:pPr marL="469900" marR="5080" lvl="1">
+              <a:spcBef>
+                <a:spcPts val="100"/>
+              </a:spcBef>
+              <a:buClr>
+                <a:srgbClr val="99CC00"/>
+              </a:buClr>
+              <a:buSzPct val="150000"/>
+              <a:tabLst>
+                <a:tab pos="354965" algn="l"/>
+                <a:tab pos="355600" algn="l"/>
+              </a:tabLst>
+            </a:pPr>
+            <a:r>
+              <a:rPr lang="en-US" sz="2000" spc="-5" dirty="0">
+                <a:solidFill>
+                  <a:srgbClr val="003399"/>
+                </a:solidFill>
+                <a:latin typeface="Arial"/>
+                <a:cs typeface="Arial"/>
+              </a:rPr>
+              <a:t>3. By hand</a:t>
+            </a:r>
+          </a:p>
+          <a:p>
+            <a:pPr marL="469900" marR="5080" lvl="1">
+              <a:spcBef>
+                <a:spcPts val="100"/>
+              </a:spcBef>
+              <a:buClr>
+                <a:srgbClr val="99CC00"/>
+              </a:buClr>
+              <a:buSzPct val="150000"/>
+              <a:tabLst>
+                <a:tab pos="354965" algn="l"/>
+                <a:tab pos="355600" algn="l"/>
+              </a:tabLst>
+            </a:pPr>
+            <a:r>
+              <a:rPr lang="en-US" sz="2000" spc="-5" dirty="0">
+                <a:solidFill>
+                  <a:srgbClr val="003399"/>
+                </a:solidFill>
+                <a:latin typeface="Arial"/>
+                <a:cs typeface="Arial"/>
+              </a:rPr>
+              <a:t>4. ???</a:t>
+            </a:r>
+          </a:p>
+          <a:p>
+            <a:pPr marL="355600" marR="5080" indent="-342900">
+              <a:lnSpc>
+                <a:spcPct val="100000"/>
+              </a:lnSpc>
+              <a:spcBef>
+                <a:spcPts val="100"/>
+              </a:spcBef>
+              <a:buClr>
+                <a:srgbClr val="99CC00"/>
+              </a:buClr>
+              <a:buSzPct val="150000"/>
+              <a:buChar char="•"/>
+              <a:tabLst>
+                <a:tab pos="354965" algn="l"/>
+                <a:tab pos="355600" algn="l"/>
+              </a:tabLst>
+            </a:pPr>
             <a:endParaRPr sz="2000" dirty="0">
               <a:latin typeface="Arial"/>
               <a:cs typeface="Arial"/>
@@ -36451,7 +37878,7 @@
         <p:spPr>
           <a:xfrm>
             <a:off x="209550" y="2799237"/>
-            <a:ext cx="1232535" cy="760095"/>
+            <a:ext cx="1847850" cy="371127"/>
           </a:xfrm>
           <a:prstGeom prst="rect">
             <a:avLst/>
@@ -36472,86 +37899,16 @@
               </a:spcBef>
             </a:pPr>
             <a:r>
-              <a:rPr sz="2400" spc="-5" dirty="0">
+              <a:rPr lang="en-US" sz="2400" spc="-5" dirty="0">
                 <a:solidFill>
                   <a:srgbClr val="003399"/>
                 </a:solidFill>
                 <a:latin typeface="Arial Black"/>
                 <a:cs typeface="Arial Black"/>
               </a:rPr>
-              <a:t>Big  </a:t>
-            </a:r>
-            <a:r>
-              <a:rPr sz="2400" dirty="0">
-                <a:solidFill>
-                  <a:srgbClr val="003399"/>
-                </a:solidFill>
-                <a:latin typeface="Arial Black"/>
-                <a:cs typeface="Arial Black"/>
-              </a:rPr>
-              <a:t>P</a:t>
-            </a:r>
-            <a:r>
-              <a:rPr sz="2400" spc="-5" dirty="0">
-                <a:solidFill>
-                  <a:srgbClr val="003399"/>
-                </a:solidFill>
-                <a:latin typeface="Arial Black"/>
-                <a:cs typeface="Arial Black"/>
-              </a:rPr>
-              <a:t>i</a:t>
-            </a:r>
-            <a:r>
-              <a:rPr sz="2400" dirty="0">
-                <a:solidFill>
-                  <a:srgbClr val="003399"/>
-                </a:solidFill>
-                <a:latin typeface="Arial Black"/>
-                <a:cs typeface="Arial Black"/>
-              </a:rPr>
-              <a:t>c</a:t>
-            </a:r>
-            <a:r>
-              <a:rPr sz="2400" spc="-5" dirty="0">
-                <a:solidFill>
-                  <a:srgbClr val="003399"/>
-                </a:solidFill>
-                <a:latin typeface="Arial Black"/>
-                <a:cs typeface="Arial Black"/>
-              </a:rPr>
-              <a:t>t</a:t>
-            </a:r>
-            <a:r>
-              <a:rPr sz="2400" dirty="0">
-                <a:solidFill>
-                  <a:srgbClr val="003399"/>
-                </a:solidFill>
-                <a:latin typeface="Arial Black"/>
-                <a:cs typeface="Arial Black"/>
-              </a:rPr>
-              <a:t>u</a:t>
-            </a:r>
-            <a:r>
-              <a:rPr sz="2400" spc="35" dirty="0">
-                <a:solidFill>
-                  <a:srgbClr val="003399"/>
-                </a:solidFill>
-                <a:latin typeface="Arial Black"/>
-                <a:cs typeface="Arial Black"/>
-              </a:rPr>
-              <a:t>r</a:t>
-            </a:r>
-            <a:r>
-              <a:rPr sz="2400" dirty="0">
-                <a:solidFill>
-                  <a:srgbClr val="003399"/>
-                </a:solidFill>
-                <a:latin typeface="Arial Black"/>
-                <a:cs typeface="Arial Black"/>
-              </a:rPr>
-              <a:t>e</a:t>
-            </a:r>
-            <a:endParaRPr sz="2400">
+              <a:t>Example 3</a:t>
+            </a:r>
+            <a:endParaRPr sz="2400" dirty="0">
               <a:latin typeface="Arial Black"/>
               <a:cs typeface="Arial Black"/>
             </a:endParaRPr>
@@ -36559,6 +37916,11 @@
         </p:txBody>
       </p:sp>
     </p:spTree>
+    <p:extLst>
+      <p:ext uri="{BB962C8B-B14F-4D97-AF65-F5344CB8AC3E}">
+        <p14:creationId xmlns:p14="http://schemas.microsoft.com/office/powerpoint/2010/main" val="3747513693"/>
+      </p:ext>
+    </p:extLst>
   </p:cSld>
   <p:clrMapOvr>
     <a:masterClrMapping/>
@@ -36586,6 +37948,358 @@
       <p:sp>
         <p:nvSpPr>
           <p:cNvPr id="2" name="object 2"/>
+          <p:cNvSpPr/>
+          <p:nvPr/>
+        </p:nvSpPr>
+        <p:spPr>
+          <a:xfrm>
+            <a:off x="250825" y="188912"/>
+            <a:ext cx="1295400" cy="1295400"/>
+          </a:xfrm>
+          <a:custGeom>
+            <a:avLst/>
+            <a:gdLst/>
+            <a:ahLst/>
+            <a:cxnLst/>
+            <a:rect l="l" t="t" r="r" b="b"/>
+            <a:pathLst>
+              <a:path w="1295400" h="1295400">
+                <a:moveTo>
+                  <a:pt x="647700" y="0"/>
+                </a:moveTo>
+                <a:lnTo>
+                  <a:pt x="599361" y="1776"/>
+                </a:lnTo>
+                <a:lnTo>
+                  <a:pt x="551987" y="7022"/>
+                </a:lnTo>
+                <a:lnTo>
+                  <a:pt x="505704" y="15613"/>
+                </a:lnTo>
+                <a:lnTo>
+                  <a:pt x="460635" y="27423"/>
+                </a:lnTo>
+                <a:lnTo>
+                  <a:pt x="416907" y="42326"/>
+                </a:lnTo>
+                <a:lnTo>
+                  <a:pt x="374646" y="60198"/>
+                </a:lnTo>
+                <a:lnTo>
+                  <a:pt x="333975" y="80914"/>
+                </a:lnTo>
+                <a:lnTo>
+                  <a:pt x="295020" y="104348"/>
+                </a:lnTo>
+                <a:lnTo>
+                  <a:pt x="257907" y="130375"/>
+                </a:lnTo>
+                <a:lnTo>
+                  <a:pt x="222761" y="158869"/>
+                </a:lnTo>
+                <a:lnTo>
+                  <a:pt x="189706" y="189707"/>
+                </a:lnTo>
+                <a:lnTo>
+                  <a:pt x="158869" y="222761"/>
+                </a:lnTo>
+                <a:lnTo>
+                  <a:pt x="130375" y="257907"/>
+                </a:lnTo>
+                <a:lnTo>
+                  <a:pt x="104348" y="295020"/>
+                </a:lnTo>
+                <a:lnTo>
+                  <a:pt x="80914" y="333975"/>
+                </a:lnTo>
+                <a:lnTo>
+                  <a:pt x="60198" y="374646"/>
+                </a:lnTo>
+                <a:lnTo>
+                  <a:pt x="42326" y="416908"/>
+                </a:lnTo>
+                <a:lnTo>
+                  <a:pt x="27422" y="460635"/>
+                </a:lnTo>
+                <a:lnTo>
+                  <a:pt x="15613" y="505704"/>
+                </a:lnTo>
+                <a:lnTo>
+                  <a:pt x="7022" y="551987"/>
+                </a:lnTo>
+                <a:lnTo>
+                  <a:pt x="1776" y="599361"/>
+                </a:lnTo>
+                <a:lnTo>
+                  <a:pt x="0" y="647700"/>
+                </a:lnTo>
+                <a:lnTo>
+                  <a:pt x="1776" y="696038"/>
+                </a:lnTo>
+                <a:lnTo>
+                  <a:pt x="7022" y="743412"/>
+                </a:lnTo>
+                <a:lnTo>
+                  <a:pt x="15613" y="789696"/>
+                </a:lnTo>
+                <a:lnTo>
+                  <a:pt x="27422" y="834764"/>
+                </a:lnTo>
+                <a:lnTo>
+                  <a:pt x="42326" y="878492"/>
+                </a:lnTo>
+                <a:lnTo>
+                  <a:pt x="60198" y="920754"/>
+                </a:lnTo>
+                <a:lnTo>
+                  <a:pt x="80914" y="961425"/>
+                </a:lnTo>
+                <a:lnTo>
+                  <a:pt x="104348" y="1000379"/>
+                </a:lnTo>
+                <a:lnTo>
+                  <a:pt x="130375" y="1037492"/>
+                </a:lnTo>
+                <a:lnTo>
+                  <a:pt x="158869" y="1072639"/>
+                </a:lnTo>
+                <a:lnTo>
+                  <a:pt x="189706" y="1105693"/>
+                </a:lnTo>
+                <a:lnTo>
+                  <a:pt x="222761" y="1136530"/>
+                </a:lnTo>
+                <a:lnTo>
+                  <a:pt x="257907" y="1165024"/>
+                </a:lnTo>
+                <a:lnTo>
+                  <a:pt x="295020" y="1191051"/>
+                </a:lnTo>
+                <a:lnTo>
+                  <a:pt x="333975" y="1214485"/>
+                </a:lnTo>
+                <a:lnTo>
+                  <a:pt x="374646" y="1235201"/>
+                </a:lnTo>
+                <a:lnTo>
+                  <a:pt x="416907" y="1253073"/>
+                </a:lnTo>
+                <a:lnTo>
+                  <a:pt x="460635" y="1267977"/>
+                </a:lnTo>
+                <a:lnTo>
+                  <a:pt x="505704" y="1279786"/>
+                </a:lnTo>
+                <a:lnTo>
+                  <a:pt x="551987" y="1288377"/>
+                </a:lnTo>
+                <a:lnTo>
+                  <a:pt x="599361" y="1293623"/>
+                </a:lnTo>
+                <a:lnTo>
+                  <a:pt x="647700" y="1295400"/>
+                </a:lnTo>
+                <a:lnTo>
+                  <a:pt x="696038" y="1293623"/>
+                </a:lnTo>
+                <a:lnTo>
+                  <a:pt x="743412" y="1288377"/>
+                </a:lnTo>
+                <a:lnTo>
+                  <a:pt x="789695" y="1279786"/>
+                </a:lnTo>
+                <a:lnTo>
+                  <a:pt x="834764" y="1267977"/>
+                </a:lnTo>
+                <a:lnTo>
+                  <a:pt x="878492" y="1253073"/>
+                </a:lnTo>
+                <a:lnTo>
+                  <a:pt x="920753" y="1235201"/>
+                </a:lnTo>
+                <a:lnTo>
+                  <a:pt x="961424" y="1214485"/>
+                </a:lnTo>
+                <a:lnTo>
+                  <a:pt x="1000379" y="1191051"/>
+                </a:lnTo>
+                <a:lnTo>
+                  <a:pt x="1037492" y="1165024"/>
+                </a:lnTo>
+                <a:lnTo>
+                  <a:pt x="1072638" y="1136530"/>
+                </a:lnTo>
+                <a:lnTo>
+                  <a:pt x="1105693" y="1105693"/>
+                </a:lnTo>
+                <a:lnTo>
+                  <a:pt x="1136530" y="1072639"/>
+                </a:lnTo>
+                <a:lnTo>
+                  <a:pt x="1165024" y="1037492"/>
+                </a:lnTo>
+                <a:lnTo>
+                  <a:pt x="1191051" y="1000379"/>
+                </a:lnTo>
+                <a:lnTo>
+                  <a:pt x="1214485" y="961425"/>
+                </a:lnTo>
+                <a:lnTo>
+                  <a:pt x="1235201" y="920754"/>
+                </a:lnTo>
+                <a:lnTo>
+                  <a:pt x="1253073" y="878492"/>
+                </a:lnTo>
+                <a:lnTo>
+                  <a:pt x="1267977" y="834764"/>
+                </a:lnTo>
+                <a:lnTo>
+                  <a:pt x="1279786" y="789696"/>
+                </a:lnTo>
+                <a:lnTo>
+                  <a:pt x="1288377" y="743412"/>
+                </a:lnTo>
+                <a:lnTo>
+                  <a:pt x="1293623" y="696038"/>
+                </a:lnTo>
+                <a:lnTo>
+                  <a:pt x="1295400" y="647700"/>
+                </a:lnTo>
+                <a:lnTo>
+                  <a:pt x="1293623" y="599361"/>
+                </a:lnTo>
+                <a:lnTo>
+                  <a:pt x="1288377" y="551987"/>
+                </a:lnTo>
+                <a:lnTo>
+                  <a:pt x="1279786" y="505704"/>
+                </a:lnTo>
+                <a:lnTo>
+                  <a:pt x="1267977" y="460635"/>
+                </a:lnTo>
+                <a:lnTo>
+                  <a:pt x="1253073" y="416908"/>
+                </a:lnTo>
+                <a:lnTo>
+                  <a:pt x="1235201" y="374646"/>
+                </a:lnTo>
+                <a:lnTo>
+                  <a:pt x="1214485" y="333975"/>
+                </a:lnTo>
+                <a:lnTo>
+                  <a:pt x="1191051" y="295020"/>
+                </a:lnTo>
+                <a:lnTo>
+                  <a:pt x="1165024" y="257907"/>
+                </a:lnTo>
+                <a:lnTo>
+                  <a:pt x="1136530" y="222761"/>
+                </a:lnTo>
+                <a:lnTo>
+                  <a:pt x="1105693" y="189707"/>
+                </a:lnTo>
+                <a:lnTo>
+                  <a:pt x="1072638" y="158869"/>
+                </a:lnTo>
+                <a:lnTo>
+                  <a:pt x="1037492" y="130375"/>
+                </a:lnTo>
+                <a:lnTo>
+                  <a:pt x="1000379" y="104348"/>
+                </a:lnTo>
+                <a:lnTo>
+                  <a:pt x="961424" y="80914"/>
+                </a:lnTo>
+                <a:lnTo>
+                  <a:pt x="920753" y="60198"/>
+                </a:lnTo>
+                <a:lnTo>
+                  <a:pt x="878492" y="42326"/>
+                </a:lnTo>
+                <a:lnTo>
+                  <a:pt x="834764" y="27423"/>
+                </a:lnTo>
+                <a:lnTo>
+                  <a:pt x="789695" y="15613"/>
+                </a:lnTo>
+                <a:lnTo>
+                  <a:pt x="743412" y="7022"/>
+                </a:lnTo>
+                <a:lnTo>
+                  <a:pt x="696038" y="1776"/>
+                </a:lnTo>
+                <a:lnTo>
+                  <a:pt x="647700" y="0"/>
+                </a:lnTo>
+                <a:close/>
+              </a:path>
+            </a:pathLst>
+          </a:custGeom>
+          <a:solidFill>
+            <a:srgbClr val="000080"/>
+          </a:solidFill>
+        </p:spPr>
+        <p:txBody>
+          <a:bodyPr wrap="square" lIns="0" tIns="0" rIns="0" bIns="0" rtlCol="0"/>
+          <a:lstStyle/>
+          <a:p>
+            <a:endParaRPr/>
+          </a:p>
+        </p:txBody>
+      </p:sp>
+      <p:sp>
+        <p:nvSpPr>
+          <p:cNvPr id="3" name="object 3"/>
+          <p:cNvSpPr/>
+          <p:nvPr/>
+        </p:nvSpPr>
+        <p:spPr>
+          <a:xfrm>
+            <a:off x="2197100" y="327024"/>
+            <a:ext cx="6946900" cy="1017905"/>
+          </a:xfrm>
+          <a:custGeom>
+            <a:avLst/>
+            <a:gdLst/>
+            <a:ahLst/>
+            <a:cxnLst/>
+            <a:rect l="l" t="t" r="r" b="b"/>
+            <a:pathLst>
+              <a:path w="6946900" h="1017905">
+                <a:moveTo>
+                  <a:pt x="0" y="1017588"/>
+                </a:moveTo>
+                <a:lnTo>
+                  <a:pt x="6946900" y="1017588"/>
+                </a:lnTo>
+                <a:lnTo>
+                  <a:pt x="6946900" y="0"/>
+                </a:lnTo>
+                <a:lnTo>
+                  <a:pt x="0" y="0"/>
+                </a:lnTo>
+                <a:lnTo>
+                  <a:pt x="0" y="1017588"/>
+                </a:lnTo>
+                <a:close/>
+              </a:path>
+            </a:pathLst>
+          </a:custGeom>
+          <a:solidFill>
+            <a:srgbClr val="000080"/>
+          </a:solidFill>
+        </p:spPr>
+        <p:txBody>
+          <a:bodyPr wrap="square" lIns="0" tIns="0" rIns="0" bIns="0" rtlCol="0"/>
+          <a:lstStyle/>
+          <a:p>
+            <a:endParaRPr/>
+          </a:p>
+        </p:txBody>
+      </p:sp>
+      <p:sp>
+        <p:nvSpPr>
+          <p:cNvPr id="4" name="object 4"/>
           <p:cNvSpPr txBox="1">
             <a:spLocks noGrp="1"/>
           </p:cNvSpPr>
@@ -36595,8 +38309,8 @@
         </p:nvSpPr>
         <p:spPr>
           <a:xfrm>
-            <a:off x="2470150" y="2098549"/>
-            <a:ext cx="4204970" cy="1244600"/>
+            <a:off x="2275839" y="351599"/>
+            <a:ext cx="3683000" cy="452120"/>
           </a:xfrm>
           <a:prstGeom prst="rect">
             <a:avLst/>
@@ -36617,43 +38331,34 @@
               </a:spcBef>
             </a:pPr>
             <a:r>
-              <a:rPr sz="8000" dirty="0">
-                <a:solidFill>
-                  <a:srgbClr val="404040"/>
-                </a:solidFill>
-              </a:rPr>
-              <a:t>4.</a:t>
-            </a:r>
-            <a:r>
-              <a:rPr sz="8000" spc="-95" dirty="0">
-                <a:solidFill>
-                  <a:srgbClr val="404040"/>
-                </a:solidFill>
-              </a:rPr>
+              <a:rPr spc="-5" dirty="0"/>
+              <a:t>Why did we </a:t>
+            </a:r>
+            <a:r>
+              <a:rPr dirty="0"/>
+              <a:t>do</a:t>
+            </a:r>
+            <a:r>
+              <a:rPr spc="-60" dirty="0"/>
               <a:t> </a:t>
             </a:r>
             <a:r>
-              <a:rPr sz="8000" dirty="0">
-                <a:solidFill>
-                  <a:srgbClr val="404040"/>
-                </a:solidFill>
-              </a:rPr>
-              <a:t>Loops</a:t>
-            </a:r>
-            <a:endParaRPr sz="8000"/>
+              <a:rPr dirty="0"/>
+              <a:t>this??</a:t>
+            </a:r>
           </a:p>
         </p:txBody>
       </p:sp>
       <p:sp>
         <p:nvSpPr>
-          <p:cNvPr id="3" name="object 3"/>
+          <p:cNvPr id="5" name="object 5"/>
           <p:cNvSpPr txBox="1"/>
           <p:nvPr/>
         </p:nvSpPr>
         <p:spPr>
           <a:xfrm>
-            <a:off x="6174740" y="6124765"/>
-            <a:ext cx="1924050" cy="177800"/>
+            <a:off x="3477259" y="1444772"/>
+            <a:ext cx="5276850" cy="628377"/>
           </a:xfrm>
           <a:prstGeom prst="rect">
             <a:avLst/>
@@ -36665,6 +38370,560 @@
           </a:bodyPr>
           <a:lstStyle/>
           <a:p>
+            <a:pPr marL="355600" marR="5080" indent="-342900">
+              <a:lnSpc>
+                <a:spcPct val="100000"/>
+              </a:lnSpc>
+              <a:spcBef>
+                <a:spcPts val="100"/>
+              </a:spcBef>
+              <a:buClr>
+                <a:srgbClr val="99CC00"/>
+              </a:buClr>
+              <a:buSzPct val="150000"/>
+              <a:buChar char="•"/>
+              <a:tabLst>
+                <a:tab pos="354965" algn="l"/>
+                <a:tab pos="355600" algn="l"/>
+              </a:tabLst>
+            </a:pPr>
+            <a:r>
+              <a:rPr sz="2000" spc="-5" dirty="0">
+                <a:solidFill>
+                  <a:srgbClr val="003399"/>
+                </a:solidFill>
+                <a:latin typeface="Arial"/>
+                <a:cs typeface="Arial"/>
+              </a:rPr>
+              <a:t>In this </a:t>
+            </a:r>
+            <a:r>
+              <a:rPr sz="2000" dirty="0">
+                <a:solidFill>
+                  <a:srgbClr val="003399"/>
+                </a:solidFill>
+                <a:latin typeface="Arial"/>
+                <a:cs typeface="Arial"/>
+              </a:rPr>
+              <a:t>example </a:t>
+            </a:r>
+            <a:r>
+              <a:rPr lang="en-US" sz="2000" spc="-5" dirty="0">
+                <a:solidFill>
+                  <a:srgbClr val="003399"/>
+                </a:solidFill>
+                <a:latin typeface="Arial"/>
+                <a:cs typeface="Arial"/>
+              </a:rPr>
+              <a:t>you worked to correct </a:t>
+            </a:r>
+            <a:r>
+              <a:rPr lang="en-US" sz="2000" b="1" spc="-5" dirty="0">
+                <a:solidFill>
+                  <a:srgbClr val="003399"/>
+                </a:solidFill>
+                <a:latin typeface="Arial"/>
+                <a:cs typeface="Arial"/>
+              </a:rPr>
+              <a:t>WORKING</a:t>
+            </a:r>
+            <a:r>
+              <a:rPr lang="en-US" sz="2000" spc="-5" dirty="0">
+                <a:solidFill>
+                  <a:srgbClr val="003399"/>
+                </a:solidFill>
+                <a:latin typeface="Arial"/>
+                <a:cs typeface="Arial"/>
+              </a:rPr>
+              <a:t> by </a:t>
+            </a:r>
+            <a:r>
+              <a:rPr lang="en-US" sz="2000" b="1" spc="-5" dirty="0">
+                <a:solidFill>
+                  <a:srgbClr val="003399"/>
+                </a:solidFill>
+                <a:latin typeface="Arial"/>
+                <a:cs typeface="Arial"/>
+              </a:rPr>
+              <a:t>BUGGY</a:t>
+            </a:r>
+            <a:r>
+              <a:rPr lang="en-US" sz="2000" spc="-5" dirty="0">
+                <a:solidFill>
+                  <a:srgbClr val="003399"/>
+                </a:solidFill>
+                <a:latin typeface="Arial"/>
+                <a:cs typeface="Arial"/>
+              </a:rPr>
+              <a:t> code…</a:t>
+            </a:r>
+            <a:endParaRPr sz="2000" dirty="0">
+              <a:latin typeface="Arial"/>
+              <a:cs typeface="Arial"/>
+            </a:endParaRPr>
+          </a:p>
+        </p:txBody>
+      </p:sp>
+      <p:sp>
+        <p:nvSpPr>
+          <p:cNvPr id="6" name="object 6"/>
+          <p:cNvSpPr txBox="1"/>
+          <p:nvPr/>
+        </p:nvSpPr>
+        <p:spPr>
+          <a:xfrm>
+            <a:off x="3477259" y="2315961"/>
+            <a:ext cx="5554980" cy="3536866"/>
+          </a:xfrm>
+          <a:prstGeom prst="rect">
+            <a:avLst/>
+          </a:prstGeom>
+        </p:spPr>
+        <p:txBody>
+          <a:bodyPr vert="horz" wrap="square" lIns="0" tIns="12700" rIns="0" bIns="0" rtlCol="0">
+            <a:spAutoFit/>
+          </a:bodyPr>
+          <a:lstStyle/>
+          <a:p>
+            <a:pPr marL="355600" marR="5080" indent="-342900" algn="just">
+              <a:lnSpc>
+                <a:spcPct val="100000"/>
+              </a:lnSpc>
+              <a:spcBef>
+                <a:spcPts val="100"/>
+              </a:spcBef>
+              <a:buClr>
+                <a:srgbClr val="99CC00"/>
+              </a:buClr>
+              <a:buSzPct val="150000"/>
+              <a:buChar char="•"/>
+              <a:tabLst>
+                <a:tab pos="355600" algn="l"/>
+              </a:tabLst>
+            </a:pPr>
+            <a:r>
+              <a:rPr sz="2000" dirty="0">
+                <a:solidFill>
+                  <a:srgbClr val="003399"/>
+                </a:solidFill>
+                <a:latin typeface="Arial"/>
+                <a:cs typeface="Arial"/>
+              </a:rPr>
+              <a:t>The idea is </a:t>
+            </a:r>
+            <a:r>
+              <a:rPr sz="2000" spc="-5" dirty="0">
+                <a:solidFill>
+                  <a:srgbClr val="003399"/>
+                </a:solidFill>
+                <a:latin typeface="Arial"/>
+                <a:cs typeface="Arial"/>
+              </a:rPr>
+              <a:t>to </a:t>
+            </a:r>
+            <a:r>
+              <a:rPr sz="2000" dirty="0">
+                <a:solidFill>
+                  <a:srgbClr val="003399"/>
+                </a:solidFill>
+                <a:latin typeface="Arial"/>
+                <a:cs typeface="Arial"/>
+              </a:rPr>
+              <a:t>be </a:t>
+            </a:r>
+            <a:r>
+              <a:rPr sz="2000" spc="-5" dirty="0">
+                <a:solidFill>
+                  <a:srgbClr val="003399"/>
+                </a:solidFill>
+                <a:latin typeface="Arial"/>
+                <a:cs typeface="Arial"/>
+              </a:rPr>
+              <a:t>comfortable </a:t>
+            </a:r>
+            <a:r>
+              <a:rPr sz="2000" dirty="0">
+                <a:solidFill>
+                  <a:srgbClr val="003399"/>
+                </a:solidFill>
+                <a:latin typeface="Arial"/>
+                <a:cs typeface="Arial"/>
+              </a:rPr>
+              <a:t>exploring a new  </a:t>
+            </a:r>
+            <a:r>
+              <a:rPr sz="2000" spc="-5" dirty="0">
+                <a:solidFill>
+                  <a:srgbClr val="003399"/>
+                </a:solidFill>
+                <a:latin typeface="Arial"/>
+                <a:cs typeface="Arial"/>
+              </a:rPr>
+              <a:t>program (or </a:t>
+            </a:r>
+            <a:r>
+              <a:rPr sz="2000" dirty="0">
+                <a:solidFill>
+                  <a:srgbClr val="003399"/>
+                </a:solidFill>
+                <a:latin typeface="Arial"/>
+                <a:cs typeface="Arial"/>
+              </a:rPr>
+              <a:t>your own) in </a:t>
+            </a:r>
+            <a:r>
+              <a:rPr sz="2000" spc="-5" dirty="0">
+                <a:solidFill>
+                  <a:srgbClr val="003399"/>
+                </a:solidFill>
+                <a:latin typeface="Arial"/>
+                <a:cs typeface="Arial"/>
+              </a:rPr>
+              <a:t>the </a:t>
+            </a:r>
+            <a:r>
+              <a:rPr sz="2000" dirty="0">
+                <a:solidFill>
+                  <a:srgbClr val="003399"/>
+                </a:solidFill>
+                <a:latin typeface="Arial"/>
+                <a:cs typeface="Arial"/>
+              </a:rPr>
+              <a:t>debugger </a:t>
+            </a:r>
+            <a:r>
+              <a:rPr sz="2000" spc="-5" dirty="0">
+                <a:solidFill>
+                  <a:srgbClr val="003399"/>
+                </a:solidFill>
+                <a:latin typeface="Arial"/>
+                <a:cs typeface="Arial"/>
+              </a:rPr>
+              <a:t>to</a:t>
+            </a:r>
+            <a:r>
+              <a:rPr sz="2000" spc="-105" dirty="0">
+                <a:solidFill>
+                  <a:srgbClr val="003399"/>
+                </a:solidFill>
+                <a:latin typeface="Arial"/>
+                <a:cs typeface="Arial"/>
+              </a:rPr>
+              <a:t> </a:t>
+            </a:r>
+            <a:r>
+              <a:rPr sz="2000" spc="-5" dirty="0">
+                <a:solidFill>
+                  <a:srgbClr val="003399"/>
+                </a:solidFill>
+                <a:latin typeface="Arial"/>
+                <a:cs typeface="Arial"/>
+              </a:rPr>
+              <a:t>both  find errors </a:t>
+            </a:r>
+            <a:r>
+              <a:rPr sz="2000" dirty="0">
+                <a:solidFill>
+                  <a:srgbClr val="003399"/>
+                </a:solidFill>
+                <a:latin typeface="Arial"/>
+                <a:cs typeface="Arial"/>
+              </a:rPr>
+              <a:t>AND familiarize yourself with</a:t>
+            </a:r>
+            <a:r>
+              <a:rPr sz="2000" spc="-180" dirty="0">
+                <a:solidFill>
+                  <a:srgbClr val="003399"/>
+                </a:solidFill>
+                <a:latin typeface="Arial"/>
+                <a:cs typeface="Arial"/>
+              </a:rPr>
+              <a:t> </a:t>
+            </a:r>
+            <a:r>
+              <a:rPr sz="2000" spc="-5" dirty="0">
+                <a:solidFill>
+                  <a:srgbClr val="003399"/>
+                </a:solidFill>
+                <a:latin typeface="Arial"/>
+                <a:cs typeface="Arial"/>
+              </a:rPr>
+              <a:t>it.</a:t>
+            </a:r>
+            <a:endParaRPr sz="2000" dirty="0">
+              <a:latin typeface="Arial"/>
+              <a:cs typeface="Arial"/>
+            </a:endParaRPr>
+          </a:p>
+          <a:p>
+            <a:pPr>
+              <a:lnSpc>
+                <a:spcPct val="100000"/>
+              </a:lnSpc>
+              <a:spcBef>
+                <a:spcPts val="30"/>
+              </a:spcBef>
+              <a:buClr>
+                <a:srgbClr val="99CC00"/>
+              </a:buClr>
+              <a:buFont typeface="Arial"/>
+              <a:buChar char="•"/>
+            </a:pPr>
+            <a:endParaRPr sz="2900" dirty="0">
+              <a:latin typeface="Times New Roman"/>
+              <a:cs typeface="Times New Roman"/>
+            </a:endParaRPr>
+          </a:p>
+          <a:p>
+            <a:pPr marL="355600" marR="71120" indent="-342900">
+              <a:lnSpc>
+                <a:spcPct val="100000"/>
+              </a:lnSpc>
+              <a:buClr>
+                <a:srgbClr val="99CC00"/>
+              </a:buClr>
+              <a:buSzPct val="150000"/>
+              <a:buChar char="•"/>
+              <a:tabLst>
+                <a:tab pos="354965" algn="l"/>
+                <a:tab pos="355600" algn="l"/>
+              </a:tabLst>
+            </a:pPr>
+            <a:r>
+              <a:rPr sz="2000" dirty="0">
+                <a:solidFill>
+                  <a:srgbClr val="003399"/>
+                </a:solidFill>
+                <a:latin typeface="Arial"/>
+                <a:cs typeface="Arial"/>
+              </a:rPr>
+              <a:t>Even </a:t>
+            </a:r>
+            <a:r>
+              <a:rPr sz="2000" spc="-5" dirty="0">
+                <a:solidFill>
+                  <a:srgbClr val="003399"/>
+                </a:solidFill>
+                <a:latin typeface="Arial"/>
+                <a:cs typeface="Arial"/>
+              </a:rPr>
+              <a:t>though </a:t>
+            </a:r>
+            <a:r>
+              <a:rPr sz="2000" dirty="0">
+                <a:solidFill>
+                  <a:srgbClr val="003399"/>
+                </a:solidFill>
+                <a:latin typeface="Arial"/>
+                <a:cs typeface="Arial"/>
+              </a:rPr>
+              <a:t>you did not </a:t>
+            </a:r>
+            <a:r>
+              <a:rPr sz="2000" spc="-5" dirty="0">
+                <a:solidFill>
+                  <a:srgbClr val="003399"/>
+                </a:solidFill>
+                <a:latin typeface="Arial"/>
+                <a:cs typeface="Arial"/>
+              </a:rPr>
+              <a:t>write this the</a:t>
+            </a:r>
+            <a:r>
+              <a:rPr sz="2000" spc="-105" dirty="0">
+                <a:solidFill>
+                  <a:srgbClr val="003399"/>
+                </a:solidFill>
+                <a:latin typeface="Arial"/>
+                <a:cs typeface="Arial"/>
+              </a:rPr>
+              <a:t> </a:t>
+            </a:r>
+            <a:r>
+              <a:rPr sz="2000" dirty="0">
+                <a:solidFill>
+                  <a:srgbClr val="003399"/>
+                </a:solidFill>
+                <a:latin typeface="Arial"/>
+                <a:cs typeface="Arial"/>
+              </a:rPr>
+              <a:t>sample  code you should have a good  </a:t>
+            </a:r>
+            <a:r>
+              <a:rPr sz="2000" spc="-5" dirty="0">
+                <a:solidFill>
+                  <a:srgbClr val="003399"/>
+                </a:solidFill>
+                <a:latin typeface="Arial"/>
+                <a:cs typeface="Arial"/>
+              </a:rPr>
+              <a:t>understanding </a:t>
+            </a:r>
+            <a:r>
+              <a:rPr sz="2000" dirty="0">
+                <a:solidFill>
+                  <a:srgbClr val="003399"/>
+                </a:solidFill>
+                <a:latin typeface="Arial"/>
+                <a:cs typeface="Arial"/>
+              </a:rPr>
+              <a:t>of </a:t>
+            </a:r>
+            <a:r>
+              <a:rPr sz="2000" spc="-5" dirty="0">
+                <a:solidFill>
+                  <a:srgbClr val="003399"/>
+                </a:solidFill>
+                <a:latin typeface="Arial"/>
+                <a:cs typeface="Arial"/>
+              </a:rPr>
+              <a:t>the </a:t>
+            </a:r>
+            <a:r>
+              <a:rPr sz="2000" dirty="0">
+                <a:solidFill>
+                  <a:srgbClr val="003399"/>
+                </a:solidFill>
+                <a:latin typeface="Arial"/>
+                <a:cs typeface="Arial"/>
+              </a:rPr>
+              <a:t>variables and </a:t>
+            </a:r>
+            <a:r>
+              <a:rPr sz="2000" spc="-5" dirty="0">
+                <a:solidFill>
+                  <a:srgbClr val="003399"/>
+                </a:solidFill>
+                <a:latin typeface="Arial"/>
+                <a:cs typeface="Arial"/>
+              </a:rPr>
+              <a:t>steps executed after </a:t>
+            </a:r>
+            <a:r>
+              <a:rPr sz="2000" dirty="0">
+                <a:solidFill>
+                  <a:srgbClr val="003399"/>
+                </a:solidFill>
+                <a:latin typeface="Arial"/>
+                <a:cs typeface="Arial"/>
+              </a:rPr>
+              <a:t>using </a:t>
+            </a:r>
+            <a:r>
+              <a:rPr sz="2000" spc="-5" dirty="0">
+                <a:solidFill>
+                  <a:srgbClr val="003399"/>
+                </a:solidFill>
+                <a:latin typeface="Arial"/>
+                <a:cs typeface="Arial"/>
+              </a:rPr>
+              <a:t>the</a:t>
+            </a:r>
+            <a:r>
+              <a:rPr sz="2000" spc="-35" dirty="0">
+                <a:solidFill>
+                  <a:srgbClr val="003399"/>
+                </a:solidFill>
+                <a:latin typeface="Arial"/>
+                <a:cs typeface="Arial"/>
+              </a:rPr>
+              <a:t> </a:t>
+            </a:r>
+            <a:r>
+              <a:rPr sz="2000" spc="-5" dirty="0">
+                <a:solidFill>
+                  <a:srgbClr val="003399"/>
+                </a:solidFill>
+                <a:latin typeface="Arial"/>
+                <a:cs typeface="Arial"/>
+              </a:rPr>
+              <a:t>debugger….</a:t>
+            </a:r>
+            <a:endParaRPr lang="en-US" sz="2000" spc="-5" dirty="0">
+              <a:solidFill>
+                <a:srgbClr val="003399"/>
+              </a:solidFill>
+              <a:latin typeface="Arial"/>
+              <a:cs typeface="Arial"/>
+            </a:endParaRPr>
+          </a:p>
+          <a:p>
+            <a:pPr marL="355600" marR="71120" indent="-342900">
+              <a:lnSpc>
+                <a:spcPct val="100000"/>
+              </a:lnSpc>
+              <a:buClr>
+                <a:srgbClr val="99CC00"/>
+              </a:buClr>
+              <a:buSzPct val="150000"/>
+              <a:buChar char="•"/>
+              <a:tabLst>
+                <a:tab pos="354965" algn="l"/>
+                <a:tab pos="355600" algn="l"/>
+              </a:tabLst>
+            </a:pPr>
+            <a:endParaRPr lang="en-US" sz="2000" spc="-5" dirty="0">
+              <a:solidFill>
+                <a:srgbClr val="003399"/>
+              </a:solidFill>
+              <a:latin typeface="Arial"/>
+              <a:cs typeface="Arial"/>
+            </a:endParaRPr>
+          </a:p>
+          <a:p>
+            <a:pPr marL="355600" marR="71120" indent="-342900">
+              <a:lnSpc>
+                <a:spcPct val="100000"/>
+              </a:lnSpc>
+              <a:buClr>
+                <a:srgbClr val="99CC00"/>
+              </a:buClr>
+              <a:buSzPct val="150000"/>
+              <a:buChar char="•"/>
+              <a:tabLst>
+                <a:tab pos="354965" algn="l"/>
+                <a:tab pos="355600" algn="l"/>
+              </a:tabLst>
+            </a:pPr>
+            <a:r>
+              <a:rPr lang="en-US" sz="2000" spc="-5" dirty="0">
+                <a:solidFill>
+                  <a:srgbClr val="003399"/>
+                </a:solidFill>
+                <a:latin typeface="Arial"/>
+                <a:cs typeface="Arial"/>
+              </a:rPr>
+              <a:t>A debugged solution can be found in Example3_debugged.java</a:t>
+            </a:r>
+            <a:endParaRPr sz="2000" dirty="0">
+              <a:latin typeface="Arial"/>
+              <a:cs typeface="Arial"/>
+            </a:endParaRPr>
+          </a:p>
+        </p:txBody>
+      </p:sp>
+      <p:sp>
+        <p:nvSpPr>
+          <p:cNvPr id="8" name="object 8"/>
+          <p:cNvSpPr txBox="1"/>
+          <p:nvPr/>
+        </p:nvSpPr>
+        <p:spPr>
+          <a:xfrm>
+            <a:off x="209550" y="2199830"/>
+            <a:ext cx="553085" cy="269240"/>
+          </a:xfrm>
+          <a:prstGeom prst="rect">
+            <a:avLst/>
+          </a:prstGeom>
+        </p:spPr>
+        <p:txBody>
+          <a:bodyPr vert="horz" wrap="square" lIns="0" tIns="12700" rIns="0" bIns="0" rtlCol="0">
+            <a:spAutoFit/>
+          </a:bodyPr>
+          <a:lstStyle/>
+          <a:p>
             <a:pPr marL="12700">
               <a:lnSpc>
                 <a:spcPct val="100000"/>
@@ -36674,19 +38933,358 @@
               </a:spcBef>
             </a:pPr>
             <a:r>
-              <a:rPr sz="1000" b="1" spc="-5" dirty="0">
-                <a:solidFill>
-                  <a:srgbClr val="FFFFFF"/>
-                </a:solidFill>
-                <a:latin typeface="Arial"/>
-                <a:cs typeface="Arial"/>
-                <a:hlinkClick r:id="rId2"/>
-              </a:rPr>
-              <a:t>www.johnsonmike.wix/geog178</a:t>
-            </a:r>
-            <a:endParaRPr sz="1000">
+              <a:rPr sz="1600" b="1" spc="-30" dirty="0">
+                <a:solidFill>
+                  <a:srgbClr val="003399"/>
+                </a:solidFill>
+                <a:latin typeface="Arial"/>
+                <a:cs typeface="Arial"/>
+              </a:rPr>
+              <a:t>W</a:t>
+            </a:r>
+            <a:r>
+              <a:rPr sz="1600" b="1" spc="-5" dirty="0">
+                <a:solidFill>
+                  <a:srgbClr val="003399"/>
+                </a:solidFill>
+                <a:latin typeface="Arial"/>
+                <a:cs typeface="Arial"/>
+              </a:rPr>
+              <a:t>ee</a:t>
+            </a:r>
+            <a:r>
+              <a:rPr sz="1600" b="1" dirty="0">
+                <a:solidFill>
+                  <a:srgbClr val="003399"/>
+                </a:solidFill>
+                <a:latin typeface="Arial"/>
+                <a:cs typeface="Arial"/>
+              </a:rPr>
+              <a:t>k</a:t>
+            </a:r>
+            <a:endParaRPr sz="1600">
               <a:latin typeface="Arial"/>
               <a:cs typeface="Arial"/>
+            </a:endParaRPr>
+          </a:p>
+        </p:txBody>
+      </p:sp>
+      <p:sp>
+        <p:nvSpPr>
+          <p:cNvPr id="9" name="object 9"/>
+          <p:cNvSpPr/>
+          <p:nvPr/>
+        </p:nvSpPr>
+        <p:spPr>
+          <a:xfrm>
+            <a:off x="1089660" y="2034539"/>
+            <a:ext cx="609600" cy="609600"/>
+          </a:xfrm>
+          <a:custGeom>
+            <a:avLst/>
+            <a:gdLst/>
+            <a:ahLst/>
+            <a:cxnLst/>
+            <a:rect l="l" t="t" r="r" b="b"/>
+            <a:pathLst>
+              <a:path w="609600" h="609600">
+                <a:moveTo>
+                  <a:pt x="304800" y="0"/>
+                </a:moveTo>
+                <a:lnTo>
+                  <a:pt x="255359" y="3989"/>
+                </a:lnTo>
+                <a:lnTo>
+                  <a:pt x="208459" y="15538"/>
+                </a:lnTo>
+                <a:lnTo>
+                  <a:pt x="164726" y="34021"/>
+                </a:lnTo>
+                <a:lnTo>
+                  <a:pt x="124789" y="58808"/>
+                </a:lnTo>
+                <a:lnTo>
+                  <a:pt x="89273" y="89274"/>
+                </a:lnTo>
+                <a:lnTo>
+                  <a:pt x="58808" y="124789"/>
+                </a:lnTo>
+                <a:lnTo>
+                  <a:pt x="34021" y="164727"/>
+                </a:lnTo>
+                <a:lnTo>
+                  <a:pt x="15538" y="208459"/>
+                </a:lnTo>
+                <a:lnTo>
+                  <a:pt x="3989" y="255359"/>
+                </a:lnTo>
+                <a:lnTo>
+                  <a:pt x="0" y="304800"/>
+                </a:lnTo>
+                <a:lnTo>
+                  <a:pt x="3989" y="354240"/>
+                </a:lnTo>
+                <a:lnTo>
+                  <a:pt x="15538" y="401140"/>
+                </a:lnTo>
+                <a:lnTo>
+                  <a:pt x="34021" y="444872"/>
+                </a:lnTo>
+                <a:lnTo>
+                  <a:pt x="58808" y="484810"/>
+                </a:lnTo>
+                <a:lnTo>
+                  <a:pt x="89273" y="520325"/>
+                </a:lnTo>
+                <a:lnTo>
+                  <a:pt x="124789" y="550791"/>
+                </a:lnTo>
+                <a:lnTo>
+                  <a:pt x="164726" y="575578"/>
+                </a:lnTo>
+                <a:lnTo>
+                  <a:pt x="208459" y="594061"/>
+                </a:lnTo>
+                <a:lnTo>
+                  <a:pt x="255359" y="605610"/>
+                </a:lnTo>
+                <a:lnTo>
+                  <a:pt x="304800" y="609600"/>
+                </a:lnTo>
+                <a:lnTo>
+                  <a:pt x="354240" y="605610"/>
+                </a:lnTo>
+                <a:lnTo>
+                  <a:pt x="401140" y="594061"/>
+                </a:lnTo>
+                <a:lnTo>
+                  <a:pt x="444872" y="575578"/>
+                </a:lnTo>
+                <a:lnTo>
+                  <a:pt x="484810" y="550791"/>
+                </a:lnTo>
+                <a:lnTo>
+                  <a:pt x="520325" y="520325"/>
+                </a:lnTo>
+                <a:lnTo>
+                  <a:pt x="550791" y="484810"/>
+                </a:lnTo>
+                <a:lnTo>
+                  <a:pt x="575578" y="444872"/>
+                </a:lnTo>
+                <a:lnTo>
+                  <a:pt x="594061" y="401140"/>
+                </a:lnTo>
+                <a:lnTo>
+                  <a:pt x="605610" y="354240"/>
+                </a:lnTo>
+                <a:lnTo>
+                  <a:pt x="609600" y="304800"/>
+                </a:lnTo>
+                <a:lnTo>
+                  <a:pt x="605610" y="255359"/>
+                </a:lnTo>
+                <a:lnTo>
+                  <a:pt x="594061" y="208459"/>
+                </a:lnTo>
+                <a:lnTo>
+                  <a:pt x="575578" y="164727"/>
+                </a:lnTo>
+                <a:lnTo>
+                  <a:pt x="550791" y="124789"/>
+                </a:lnTo>
+                <a:lnTo>
+                  <a:pt x="520325" y="89274"/>
+                </a:lnTo>
+                <a:lnTo>
+                  <a:pt x="484810" y="58808"/>
+                </a:lnTo>
+                <a:lnTo>
+                  <a:pt x="444872" y="34021"/>
+                </a:lnTo>
+                <a:lnTo>
+                  <a:pt x="401140" y="15538"/>
+                </a:lnTo>
+                <a:lnTo>
+                  <a:pt x="354240" y="3989"/>
+                </a:lnTo>
+                <a:lnTo>
+                  <a:pt x="304800" y="0"/>
+                </a:lnTo>
+                <a:close/>
+              </a:path>
+            </a:pathLst>
+          </a:custGeom>
+          <a:solidFill>
+            <a:srgbClr val="CCFF66"/>
+          </a:solidFill>
+        </p:spPr>
+        <p:txBody>
+          <a:bodyPr wrap="square" lIns="0" tIns="0" rIns="0" bIns="0" rtlCol="0"/>
+          <a:lstStyle/>
+          <a:p>
+            <a:endParaRPr/>
+          </a:p>
+        </p:txBody>
+      </p:sp>
+      <p:sp>
+        <p:nvSpPr>
+          <p:cNvPr id="10" name="object 10"/>
+          <p:cNvSpPr txBox="1"/>
+          <p:nvPr/>
+        </p:nvSpPr>
+        <p:spPr>
+          <a:xfrm>
+            <a:off x="1278275" y="2120381"/>
+            <a:ext cx="229235" cy="391160"/>
+          </a:xfrm>
+          <a:prstGeom prst="rect">
+            <a:avLst/>
+          </a:prstGeom>
+        </p:spPr>
+        <p:txBody>
+          <a:bodyPr vert="horz" wrap="square" lIns="0" tIns="12700" rIns="0" bIns="0" rtlCol="0">
+            <a:spAutoFit/>
+          </a:bodyPr>
+          <a:lstStyle/>
+          <a:p>
+            <a:pPr marL="12700">
+              <a:lnSpc>
+                <a:spcPct val="100000"/>
+              </a:lnSpc>
+              <a:spcBef>
+                <a:spcPts val="100"/>
+              </a:spcBef>
+            </a:pPr>
+            <a:r>
+              <a:rPr sz="2400" dirty="0">
+                <a:solidFill>
+                  <a:srgbClr val="4E6EC8"/>
+                </a:solidFill>
+                <a:latin typeface="Arial Black"/>
+                <a:cs typeface="Arial Black"/>
+              </a:rPr>
+              <a:t>2</a:t>
+            </a:r>
+            <a:endParaRPr sz="2400">
+              <a:latin typeface="Arial Black"/>
+              <a:cs typeface="Arial Black"/>
+            </a:endParaRPr>
+          </a:p>
+        </p:txBody>
+      </p:sp>
+      <p:sp>
+        <p:nvSpPr>
+          <p:cNvPr id="11" name="object 11"/>
+          <p:cNvSpPr txBox="1"/>
+          <p:nvPr/>
+        </p:nvSpPr>
+        <p:spPr>
+          <a:xfrm>
+            <a:off x="209550" y="2799237"/>
+            <a:ext cx="1232535" cy="760095"/>
+          </a:xfrm>
+          <a:prstGeom prst="rect">
+            <a:avLst/>
+          </a:prstGeom>
+        </p:spPr>
+        <p:txBody>
+          <a:bodyPr vert="horz" wrap="square" lIns="0" tIns="10160" rIns="0" bIns="0" rtlCol="0">
+            <a:spAutoFit/>
+          </a:bodyPr>
+          <a:lstStyle/>
+          <a:p>
+            <a:pPr marL="12700" marR="5080">
+              <a:lnSpc>
+                <a:spcPct val="100699"/>
+              </a:lnSpc>
+              <a:spcBef>
+                <a:spcPts val="80"/>
+              </a:spcBef>
+            </a:pPr>
+            <a:r>
+              <a:rPr sz="2400" spc="-5" dirty="0">
+                <a:solidFill>
+                  <a:srgbClr val="003399"/>
+                </a:solidFill>
+                <a:latin typeface="Arial Black"/>
+                <a:cs typeface="Arial Black"/>
+              </a:rPr>
+              <a:t>Big  </a:t>
+            </a:r>
+            <a:r>
+              <a:rPr sz="2400" dirty="0">
+                <a:solidFill>
+                  <a:srgbClr val="003399"/>
+                </a:solidFill>
+                <a:latin typeface="Arial Black"/>
+                <a:cs typeface="Arial Black"/>
+              </a:rPr>
+              <a:t>P</a:t>
+            </a:r>
+            <a:r>
+              <a:rPr sz="2400" spc="-5" dirty="0">
+                <a:solidFill>
+                  <a:srgbClr val="003399"/>
+                </a:solidFill>
+                <a:latin typeface="Arial Black"/>
+                <a:cs typeface="Arial Black"/>
+              </a:rPr>
+              <a:t>i</a:t>
+            </a:r>
+            <a:r>
+              <a:rPr sz="2400" dirty="0">
+                <a:solidFill>
+                  <a:srgbClr val="003399"/>
+                </a:solidFill>
+                <a:latin typeface="Arial Black"/>
+                <a:cs typeface="Arial Black"/>
+              </a:rPr>
+              <a:t>c</a:t>
+            </a:r>
+            <a:r>
+              <a:rPr sz="2400" spc="-5" dirty="0">
+                <a:solidFill>
+                  <a:srgbClr val="003399"/>
+                </a:solidFill>
+                <a:latin typeface="Arial Black"/>
+                <a:cs typeface="Arial Black"/>
+              </a:rPr>
+              <a:t>t</a:t>
+            </a:r>
+            <a:r>
+              <a:rPr sz="2400" dirty="0">
+                <a:solidFill>
+                  <a:srgbClr val="003399"/>
+                </a:solidFill>
+                <a:latin typeface="Arial Black"/>
+                <a:cs typeface="Arial Black"/>
+              </a:rPr>
+              <a:t>u</a:t>
+            </a:r>
+            <a:r>
+              <a:rPr sz="2400" spc="35" dirty="0">
+                <a:solidFill>
+                  <a:srgbClr val="003399"/>
+                </a:solidFill>
+                <a:latin typeface="Arial Black"/>
+                <a:cs typeface="Arial Black"/>
+              </a:rPr>
+              <a:t>r</a:t>
+            </a:r>
+            <a:r>
+              <a:rPr sz="2400" dirty="0">
+                <a:solidFill>
+                  <a:srgbClr val="003399"/>
+                </a:solidFill>
+                <a:latin typeface="Arial Black"/>
+                <a:cs typeface="Arial Black"/>
+              </a:rPr>
+              <a:t>e</a:t>
+            </a:r>
+            <a:endParaRPr sz="2400">
+              <a:latin typeface="Arial Black"/>
+              <a:cs typeface="Arial Black"/>
             </a:endParaRPr>
           </a:p>
         </p:txBody>
@@ -37399,7 +39997,7 @@
         <p:spPr>
           <a:xfrm>
             <a:off x="3253740" y="1507042"/>
-            <a:ext cx="5741670" cy="3329116"/>
+            <a:ext cx="5741670" cy="3021340"/>
           </a:xfrm>
           <a:prstGeom prst="rect">
             <a:avLst/>
@@ -37446,7 +40044,27 @@
                 <a:latin typeface="Arial"/>
                 <a:cs typeface="Arial"/>
               </a:rPr>
-              <a:t>represent </a:t>
+              <a:t>reserve</a:t>
+            </a:r>
+            <a:r>
+              <a:rPr lang="en-US" sz="2000" spc="-5" dirty="0">
+                <a:solidFill>
+                  <a:srgbClr val="000080"/>
+                </a:solidFill>
+                <a:latin typeface="Arial"/>
+                <a:cs typeface="Arial"/>
+              </a:rPr>
+              <a:t> space</a:t>
+            </a:r>
+            <a:r>
+              <a:rPr sz="2000" spc="-5" dirty="0">
+                <a:solidFill>
+                  <a:srgbClr val="000080"/>
+                </a:solidFill>
+                <a:latin typeface="Arial"/>
+                <a:cs typeface="Arial"/>
+              </a:rPr>
+              <a:t> </a:t>
             </a:r>
             <a:r>
               <a:rPr sz="2000" dirty="0">
@@ -37456,7 +40074,7 @@
                 <a:latin typeface="Arial"/>
                 <a:cs typeface="Arial"/>
               </a:rPr>
-              <a:t>space </a:t>
+              <a:t>in </a:t>
             </a:r>
             <a:r>
               <a:rPr sz="2000" spc="-5" dirty="0">
@@ -37466,47 +40084,7 @@
                 <a:latin typeface="Arial"/>
                 <a:cs typeface="Arial"/>
               </a:rPr>
-              <a:t>reserved </a:t>
-            </a:r>
-            <a:r>
-              <a:rPr sz="2000" dirty="0">
-                <a:solidFill>
-                  <a:srgbClr val="000080"/>
-                </a:solidFill>
-                <a:latin typeface="Arial"/>
-                <a:cs typeface="Arial"/>
-              </a:rPr>
-              <a:t>in </a:t>
-            </a:r>
-            <a:r>
-              <a:rPr sz="2000" spc="-5" dirty="0">
-                <a:solidFill>
-                  <a:srgbClr val="000080"/>
-                </a:solidFill>
-                <a:latin typeface="Arial"/>
-                <a:cs typeface="Arial"/>
-              </a:rPr>
-              <a:t>memory  to store</a:t>
-            </a:r>
-            <a:r>
-              <a:rPr sz="2000" spc="-20" dirty="0">
-                <a:solidFill>
-                  <a:srgbClr val="000080"/>
-                </a:solidFill>
-                <a:latin typeface="Arial"/>
-                <a:cs typeface="Arial"/>
-              </a:rPr>
-              <a:t> </a:t>
-            </a:r>
-            <a:r>
-              <a:rPr sz="2000" dirty="0">
-                <a:solidFill>
-                  <a:srgbClr val="000080"/>
-                </a:solidFill>
-                <a:latin typeface="Arial"/>
-                <a:cs typeface="Arial"/>
-              </a:rPr>
-              <a:t>values</a:t>
+              <a:t>memory</a:t>
             </a:r>
             <a:endParaRPr sz="2000" dirty="0">
               <a:latin typeface="Arial"/>
@@ -38332,315 +40910,17 @@
       <p:sp>
         <p:nvSpPr>
           <p:cNvPr id="2" name="object 2"/>
-          <p:cNvSpPr/>
-          <p:nvPr/>
+          <p:cNvSpPr txBox="1">
+            <a:spLocks noGrp="1"/>
+          </p:cNvSpPr>
+          <p:nvPr>
+            <p:ph type="title"/>
+          </p:nvPr>
         </p:nvSpPr>
         <p:spPr>
           <a:xfrm>
-            <a:off x="250825" y="188912"/>
-            <a:ext cx="1295400" cy="1295400"/>
-          </a:xfrm>
-          <a:custGeom>
-            <a:avLst/>
-            <a:gdLst/>
-            <a:ahLst/>
-            <a:cxnLst/>
-            <a:rect l="l" t="t" r="r" b="b"/>
-            <a:pathLst>
-              <a:path w="1295400" h="1295400">
-                <a:moveTo>
-                  <a:pt x="647700" y="0"/>
-                </a:moveTo>
-                <a:lnTo>
-                  <a:pt x="599361" y="1776"/>
-                </a:lnTo>
-                <a:lnTo>
-                  <a:pt x="551987" y="7022"/>
-                </a:lnTo>
-                <a:lnTo>
-                  <a:pt x="505704" y="15613"/>
-                </a:lnTo>
-                <a:lnTo>
-                  <a:pt x="460635" y="27423"/>
-                </a:lnTo>
-                <a:lnTo>
-                  <a:pt x="416907" y="42326"/>
-                </a:lnTo>
-                <a:lnTo>
-                  <a:pt x="374646" y="60198"/>
-                </a:lnTo>
-                <a:lnTo>
-                  <a:pt x="333975" y="80914"/>
-                </a:lnTo>
-                <a:lnTo>
-                  <a:pt x="295020" y="104348"/>
-                </a:lnTo>
-                <a:lnTo>
-                  <a:pt x="257907" y="130375"/>
-                </a:lnTo>
-                <a:lnTo>
-                  <a:pt x="222761" y="158869"/>
-                </a:lnTo>
-                <a:lnTo>
-                  <a:pt x="189706" y="189707"/>
-                </a:lnTo>
-                <a:lnTo>
-                  <a:pt x="158869" y="222761"/>
-                </a:lnTo>
-                <a:lnTo>
-                  <a:pt x="130375" y="257907"/>
-                </a:lnTo>
-                <a:lnTo>
-                  <a:pt x="104348" y="295020"/>
-                </a:lnTo>
-                <a:lnTo>
-                  <a:pt x="80914" y="333975"/>
-                </a:lnTo>
-                <a:lnTo>
-                  <a:pt x="60198" y="374646"/>
-                </a:lnTo>
-                <a:lnTo>
-                  <a:pt x="42326" y="416908"/>
-                </a:lnTo>
-                <a:lnTo>
-                  <a:pt x="27422" y="460635"/>
-                </a:lnTo>
-                <a:lnTo>
-                  <a:pt x="15613" y="505704"/>
-                </a:lnTo>
-                <a:lnTo>
-                  <a:pt x="7022" y="551987"/>
-                </a:lnTo>
-                <a:lnTo>
-                  <a:pt x="1776" y="599361"/>
-                </a:lnTo>
-                <a:lnTo>
-                  <a:pt x="0" y="647700"/>
-                </a:lnTo>
-                <a:lnTo>
-                  <a:pt x="1776" y="696038"/>
-                </a:lnTo>
-                <a:lnTo>
-                  <a:pt x="7022" y="743412"/>
-                </a:lnTo>
-                <a:lnTo>
-                  <a:pt x="15613" y="789696"/>
-                </a:lnTo>
-                <a:lnTo>
-                  <a:pt x="27422" y="834764"/>
-                </a:lnTo>
-                <a:lnTo>
-                  <a:pt x="42326" y="878492"/>
-                </a:lnTo>
-                <a:lnTo>
-                  <a:pt x="60198" y="920754"/>
-                </a:lnTo>
-                <a:lnTo>
-                  <a:pt x="80914" y="961425"/>
-                </a:lnTo>
-                <a:lnTo>
-                  <a:pt x="104348" y="1000379"/>
-                </a:lnTo>
-                <a:lnTo>
-                  <a:pt x="130375" y="1037492"/>
-                </a:lnTo>
-                <a:lnTo>
-                  <a:pt x="158869" y="1072639"/>
-                </a:lnTo>
-                <a:lnTo>
-                  <a:pt x="189706" y="1105693"/>
-                </a:lnTo>
-                <a:lnTo>
-                  <a:pt x="222761" y="1136530"/>
-                </a:lnTo>
-                <a:lnTo>
-                  <a:pt x="257907" y="1165024"/>
-                </a:lnTo>
-                <a:lnTo>
-                  <a:pt x="295020" y="1191051"/>
-                </a:lnTo>
-                <a:lnTo>
-                  <a:pt x="333975" y="1214485"/>
-                </a:lnTo>
-                <a:lnTo>
-                  <a:pt x="374646" y="1235201"/>
-                </a:lnTo>
-                <a:lnTo>
-                  <a:pt x="416907" y="1253073"/>
-                </a:lnTo>
-                <a:lnTo>
-                  <a:pt x="460635" y="1267977"/>
-                </a:lnTo>
-                <a:lnTo>
-                  <a:pt x="505704" y="1279786"/>
-                </a:lnTo>
-                <a:lnTo>
-                  <a:pt x="551987" y="1288377"/>
-                </a:lnTo>
-                <a:lnTo>
-                  <a:pt x="599361" y="1293623"/>
-                </a:lnTo>
-                <a:lnTo>
-                  <a:pt x="647700" y="1295400"/>
-                </a:lnTo>
-                <a:lnTo>
-                  <a:pt x="696038" y="1293623"/>
-                </a:lnTo>
-                <a:lnTo>
-                  <a:pt x="743412" y="1288377"/>
-                </a:lnTo>
-                <a:lnTo>
-                  <a:pt x="789695" y="1279786"/>
-                </a:lnTo>
-                <a:lnTo>
-                  <a:pt x="834764" y="1267977"/>
-                </a:lnTo>
-                <a:lnTo>
-                  <a:pt x="878492" y="1253073"/>
-                </a:lnTo>
-                <a:lnTo>
-                  <a:pt x="920753" y="1235201"/>
-                </a:lnTo>
-                <a:lnTo>
-                  <a:pt x="961424" y="1214485"/>
-                </a:lnTo>
-                <a:lnTo>
-                  <a:pt x="1000379" y="1191051"/>
-                </a:lnTo>
-                <a:lnTo>
-                  <a:pt x="1037492" y="1165024"/>
-                </a:lnTo>
-                <a:lnTo>
-                  <a:pt x="1072638" y="1136530"/>
-                </a:lnTo>
-                <a:lnTo>
-                  <a:pt x="1105693" y="1105693"/>
-                </a:lnTo>
-                <a:lnTo>
-                  <a:pt x="1136530" y="1072639"/>
-                </a:lnTo>
-                <a:lnTo>
-                  <a:pt x="1165024" y="1037492"/>
-                </a:lnTo>
-                <a:lnTo>
-                  <a:pt x="1191051" y="1000379"/>
-                </a:lnTo>
-                <a:lnTo>
-                  <a:pt x="1214485" y="961425"/>
-                </a:lnTo>
-                <a:lnTo>
-                  <a:pt x="1235201" y="920754"/>
-                </a:lnTo>
-                <a:lnTo>
-                  <a:pt x="1253073" y="878492"/>
-                </a:lnTo>
-                <a:lnTo>
-                  <a:pt x="1267977" y="834764"/>
-                </a:lnTo>
-                <a:lnTo>
-                  <a:pt x="1279786" y="789696"/>
-                </a:lnTo>
-                <a:lnTo>
-                  <a:pt x="1288377" y="743412"/>
-                </a:lnTo>
-                <a:lnTo>
-                  <a:pt x="1293623" y="696038"/>
-                </a:lnTo>
-                <a:lnTo>
-                  <a:pt x="1295400" y="647700"/>
-                </a:lnTo>
-                <a:lnTo>
-                  <a:pt x="1293623" y="599361"/>
-                </a:lnTo>
-                <a:lnTo>
-                  <a:pt x="1288377" y="551987"/>
-                </a:lnTo>
-                <a:lnTo>
-                  <a:pt x="1279786" y="505704"/>
-                </a:lnTo>
-                <a:lnTo>
-                  <a:pt x="1267977" y="460635"/>
-                </a:lnTo>
-                <a:lnTo>
-                  <a:pt x="1253073" y="416908"/>
-                </a:lnTo>
-                <a:lnTo>
-                  <a:pt x="1235201" y="374646"/>
-                </a:lnTo>
-                <a:lnTo>
-                  <a:pt x="1214485" y="333975"/>
-                </a:lnTo>
-                <a:lnTo>
-                  <a:pt x="1191051" y="295020"/>
-                </a:lnTo>
-                <a:lnTo>
-                  <a:pt x="1165024" y="257907"/>
-                </a:lnTo>
-                <a:lnTo>
-                  <a:pt x="1136530" y="222761"/>
-                </a:lnTo>
-                <a:lnTo>
-                  <a:pt x="1105693" y="189707"/>
-                </a:lnTo>
-                <a:lnTo>
-                  <a:pt x="1072638" y="158869"/>
-                </a:lnTo>
-                <a:lnTo>
-                  <a:pt x="1037492" y="130375"/>
-                </a:lnTo>
-                <a:lnTo>
-                  <a:pt x="1000379" y="104348"/>
-                </a:lnTo>
-                <a:lnTo>
-                  <a:pt x="961424" y="80914"/>
-                </a:lnTo>
-                <a:lnTo>
-                  <a:pt x="920753" y="60198"/>
-                </a:lnTo>
-                <a:lnTo>
-                  <a:pt x="878492" y="42326"/>
-                </a:lnTo>
-                <a:lnTo>
-                  <a:pt x="834764" y="27423"/>
-                </a:lnTo>
-                <a:lnTo>
-                  <a:pt x="789695" y="15613"/>
-                </a:lnTo>
-                <a:lnTo>
-                  <a:pt x="743412" y="7022"/>
-                </a:lnTo>
-                <a:lnTo>
-                  <a:pt x="696038" y="1776"/>
-                </a:lnTo>
-                <a:lnTo>
-                  <a:pt x="647700" y="0"/>
-                </a:lnTo>
-                <a:close/>
-              </a:path>
-            </a:pathLst>
-          </a:custGeom>
-          <a:solidFill>
-            <a:srgbClr val="000080"/>
-          </a:solidFill>
-        </p:spPr>
-        <p:txBody>
-          <a:bodyPr wrap="square" lIns="0" tIns="0" rIns="0" bIns="0" rtlCol="0"/>
-          <a:lstStyle/>
-          <a:p>
-            <a:endParaRPr/>
-          </a:p>
-        </p:txBody>
-      </p:sp>
-      <p:sp>
-        <p:nvSpPr>
-          <p:cNvPr id="3" name="object 3"/>
-          <p:cNvSpPr txBox="1"/>
-          <p:nvPr/>
-        </p:nvSpPr>
-        <p:spPr>
-          <a:xfrm>
-            <a:off x="209550" y="2199830"/>
-            <a:ext cx="553085" cy="269240"/>
+            <a:off x="2470150" y="2098549"/>
+            <a:ext cx="4204970" cy="1244600"/>
           </a:xfrm>
           <a:prstGeom prst="rect">
             <a:avLst/>
@@ -38661,863 +40941,30 @@
               </a:spcBef>
             </a:pPr>
             <a:r>
-              <a:rPr sz="1600" b="1" spc="-30" dirty="0">
-                <a:solidFill>
-                  <a:srgbClr val="003399"/>
-                </a:solidFill>
-                <a:latin typeface="Arial"/>
-                <a:cs typeface="Arial"/>
-              </a:rPr>
-              <a:t>W</a:t>
-            </a:r>
-            <a:r>
-              <a:rPr sz="1600" b="1" spc="-5" dirty="0">
-                <a:solidFill>
-                  <a:srgbClr val="003399"/>
-                </a:solidFill>
-                <a:latin typeface="Arial"/>
-                <a:cs typeface="Arial"/>
-              </a:rPr>
-              <a:t>ee</a:t>
-            </a:r>
-            <a:r>
-              <a:rPr sz="1600" b="1" dirty="0">
-                <a:solidFill>
-                  <a:srgbClr val="003399"/>
-                </a:solidFill>
-                <a:latin typeface="Arial"/>
-                <a:cs typeface="Arial"/>
-              </a:rPr>
-              <a:t>k</a:t>
-            </a:r>
-            <a:endParaRPr sz="1600">
-              <a:latin typeface="Arial"/>
-              <a:cs typeface="Arial"/>
-            </a:endParaRPr>
-          </a:p>
-        </p:txBody>
-      </p:sp>
-      <p:sp>
-        <p:nvSpPr>
-          <p:cNvPr id="4" name="object 4"/>
-          <p:cNvSpPr/>
-          <p:nvPr/>
-        </p:nvSpPr>
-        <p:spPr>
-          <a:xfrm>
-            <a:off x="1089660" y="2034539"/>
-            <a:ext cx="609600" cy="609600"/>
-          </a:xfrm>
-          <a:custGeom>
-            <a:avLst/>
-            <a:gdLst/>
-            <a:ahLst/>
-            <a:cxnLst/>
-            <a:rect l="l" t="t" r="r" b="b"/>
-            <a:pathLst>
-              <a:path w="609600" h="609600">
-                <a:moveTo>
-                  <a:pt x="304800" y="0"/>
-                </a:moveTo>
-                <a:lnTo>
-                  <a:pt x="255359" y="3989"/>
-                </a:lnTo>
-                <a:lnTo>
-                  <a:pt x="208459" y="15538"/>
-                </a:lnTo>
-                <a:lnTo>
-                  <a:pt x="164726" y="34021"/>
-                </a:lnTo>
-                <a:lnTo>
-                  <a:pt x="124789" y="58808"/>
-                </a:lnTo>
-                <a:lnTo>
-                  <a:pt x="89273" y="89274"/>
-                </a:lnTo>
-                <a:lnTo>
-                  <a:pt x="58808" y="124789"/>
-                </a:lnTo>
-                <a:lnTo>
-                  <a:pt x="34021" y="164727"/>
-                </a:lnTo>
-                <a:lnTo>
-                  <a:pt x="15538" y="208459"/>
-                </a:lnTo>
-                <a:lnTo>
-                  <a:pt x="3989" y="255359"/>
-                </a:lnTo>
-                <a:lnTo>
-                  <a:pt x="0" y="304800"/>
-                </a:lnTo>
-                <a:lnTo>
-                  <a:pt x="3989" y="354240"/>
-                </a:lnTo>
-                <a:lnTo>
-                  <a:pt x="15538" y="401140"/>
-                </a:lnTo>
-                <a:lnTo>
-                  <a:pt x="34021" y="444872"/>
-                </a:lnTo>
-                <a:lnTo>
-                  <a:pt x="58808" y="484810"/>
-                </a:lnTo>
-                <a:lnTo>
-                  <a:pt x="89273" y="520325"/>
-                </a:lnTo>
-                <a:lnTo>
-                  <a:pt x="124789" y="550791"/>
-                </a:lnTo>
-                <a:lnTo>
-                  <a:pt x="164726" y="575578"/>
-                </a:lnTo>
-                <a:lnTo>
-                  <a:pt x="208459" y="594061"/>
-                </a:lnTo>
-                <a:lnTo>
-                  <a:pt x="255359" y="605610"/>
-                </a:lnTo>
-                <a:lnTo>
-                  <a:pt x="304800" y="609600"/>
-                </a:lnTo>
-                <a:lnTo>
-                  <a:pt x="354240" y="605610"/>
-                </a:lnTo>
-                <a:lnTo>
-                  <a:pt x="401140" y="594061"/>
-                </a:lnTo>
-                <a:lnTo>
-                  <a:pt x="444872" y="575578"/>
-                </a:lnTo>
-                <a:lnTo>
-                  <a:pt x="484810" y="550791"/>
-                </a:lnTo>
-                <a:lnTo>
-                  <a:pt x="520325" y="520325"/>
-                </a:lnTo>
-                <a:lnTo>
-                  <a:pt x="550791" y="484810"/>
-                </a:lnTo>
-                <a:lnTo>
-                  <a:pt x="575578" y="444872"/>
-                </a:lnTo>
-                <a:lnTo>
-                  <a:pt x="594061" y="401140"/>
-                </a:lnTo>
-                <a:lnTo>
-                  <a:pt x="605610" y="354240"/>
-                </a:lnTo>
-                <a:lnTo>
-                  <a:pt x="609600" y="304800"/>
-                </a:lnTo>
-                <a:lnTo>
-                  <a:pt x="605610" y="255359"/>
-                </a:lnTo>
-                <a:lnTo>
-                  <a:pt x="594061" y="208459"/>
-                </a:lnTo>
-                <a:lnTo>
-                  <a:pt x="575578" y="164727"/>
-                </a:lnTo>
-                <a:lnTo>
-                  <a:pt x="550791" y="124789"/>
-                </a:lnTo>
-                <a:lnTo>
-                  <a:pt x="520325" y="89274"/>
-                </a:lnTo>
-                <a:lnTo>
-                  <a:pt x="484810" y="58808"/>
-                </a:lnTo>
-                <a:lnTo>
-                  <a:pt x="444872" y="34021"/>
-                </a:lnTo>
-                <a:lnTo>
-                  <a:pt x="401140" y="15538"/>
-                </a:lnTo>
-                <a:lnTo>
-                  <a:pt x="354240" y="3989"/>
-                </a:lnTo>
-                <a:lnTo>
-                  <a:pt x="304800" y="0"/>
-                </a:lnTo>
-                <a:close/>
-              </a:path>
-            </a:pathLst>
-          </a:custGeom>
-          <a:solidFill>
-            <a:srgbClr val="CCFF66"/>
-          </a:solidFill>
-        </p:spPr>
-        <p:txBody>
-          <a:bodyPr wrap="square" lIns="0" tIns="0" rIns="0" bIns="0" rtlCol="0"/>
-          <a:lstStyle/>
-          <a:p>
-            <a:endParaRPr/>
-          </a:p>
-        </p:txBody>
-      </p:sp>
-      <p:sp>
-        <p:nvSpPr>
-          <p:cNvPr id="5" name="object 5"/>
-          <p:cNvSpPr txBox="1"/>
-          <p:nvPr/>
-        </p:nvSpPr>
-        <p:spPr>
-          <a:xfrm>
-            <a:off x="1278275" y="2120381"/>
-            <a:ext cx="229235" cy="391160"/>
-          </a:xfrm>
-          <a:prstGeom prst="rect">
-            <a:avLst/>
-          </a:prstGeom>
-        </p:spPr>
-        <p:txBody>
-          <a:bodyPr vert="horz" wrap="square" lIns="0" tIns="12700" rIns="0" bIns="0" rtlCol="0">
-            <a:spAutoFit/>
-          </a:bodyPr>
-          <a:lstStyle/>
-          <a:p>
-            <a:pPr marL="12700">
-              <a:lnSpc>
-                <a:spcPct val="100000"/>
-              </a:lnSpc>
-              <a:spcBef>
-                <a:spcPts val="100"/>
-              </a:spcBef>
-            </a:pPr>
-            <a:r>
-              <a:rPr sz="2400" dirty="0">
-                <a:solidFill>
-                  <a:srgbClr val="4E6EC8"/>
-                </a:solidFill>
-                <a:latin typeface="Arial Black"/>
-                <a:cs typeface="Arial Black"/>
-              </a:rPr>
-              <a:t>2</a:t>
-            </a:r>
-            <a:endParaRPr sz="2400">
-              <a:latin typeface="Arial Black"/>
-              <a:cs typeface="Arial Black"/>
-            </a:endParaRPr>
-          </a:p>
-        </p:txBody>
-      </p:sp>
-      <p:sp>
-        <p:nvSpPr>
-          <p:cNvPr id="6" name="object 6"/>
-          <p:cNvSpPr txBox="1"/>
-          <p:nvPr/>
-        </p:nvSpPr>
-        <p:spPr>
-          <a:xfrm>
-            <a:off x="209550" y="2982117"/>
-            <a:ext cx="1024890" cy="391160"/>
-          </a:xfrm>
-          <a:prstGeom prst="rect">
-            <a:avLst/>
-          </a:prstGeom>
-        </p:spPr>
-        <p:txBody>
-          <a:bodyPr vert="horz" wrap="square" lIns="0" tIns="12700" rIns="0" bIns="0" rtlCol="0">
-            <a:spAutoFit/>
-          </a:bodyPr>
-          <a:lstStyle/>
-          <a:p>
-            <a:pPr marL="12700">
-              <a:lnSpc>
-                <a:spcPct val="100000"/>
-              </a:lnSpc>
-              <a:spcBef>
-                <a:spcPts val="100"/>
-              </a:spcBef>
-            </a:pPr>
-            <a:r>
-              <a:rPr sz="2400" spc="-5" dirty="0">
-                <a:solidFill>
-                  <a:srgbClr val="003399"/>
-                </a:solidFill>
-                <a:latin typeface="Arial Black"/>
-                <a:cs typeface="Arial Black"/>
+              <a:rPr sz="8000" dirty="0">
+                <a:solidFill>
+                  <a:srgbClr val="404040"/>
+                </a:solidFill>
+              </a:rPr>
+              <a:t>4.</a:t>
+            </a:r>
+            <a:r>
+              <a:rPr sz="8000" spc="-95" dirty="0">
+                <a:solidFill>
+                  <a:srgbClr val="404040"/>
+                </a:solidFill>
+              </a:rPr>
+              <a:t> </a:t>
+            </a:r>
+            <a:r>
+              <a:rPr sz="8000" dirty="0">
+                <a:solidFill>
+                  <a:srgbClr val="404040"/>
+                </a:solidFill>
               </a:rPr>
               <a:t>Loops</a:t>
             </a:r>
-            <a:endParaRPr sz="2400">
-              <a:latin typeface="Arial Black"/>
-              <a:cs typeface="Arial Black"/>
-            </a:endParaRPr>
-          </a:p>
-        </p:txBody>
-      </p:sp>
-      <p:sp>
-        <p:nvSpPr>
-          <p:cNvPr id="7" name="object 7"/>
-          <p:cNvSpPr/>
-          <p:nvPr/>
-        </p:nvSpPr>
-        <p:spPr>
-          <a:xfrm>
-            <a:off x="2197100" y="327024"/>
-            <a:ext cx="6946900" cy="1017905"/>
-          </a:xfrm>
-          <a:custGeom>
-            <a:avLst/>
-            <a:gdLst/>
-            <a:ahLst/>
-            <a:cxnLst/>
-            <a:rect l="l" t="t" r="r" b="b"/>
-            <a:pathLst>
-              <a:path w="6946900" h="1017905">
-                <a:moveTo>
-                  <a:pt x="0" y="1017588"/>
-                </a:moveTo>
-                <a:lnTo>
-                  <a:pt x="6946900" y="1017588"/>
-                </a:lnTo>
-                <a:lnTo>
-                  <a:pt x="6946900" y="0"/>
-                </a:lnTo>
-                <a:lnTo>
-                  <a:pt x="0" y="0"/>
-                </a:lnTo>
-                <a:lnTo>
-                  <a:pt x="0" y="1017588"/>
-                </a:lnTo>
-                <a:close/>
-              </a:path>
-            </a:pathLst>
-          </a:custGeom>
-          <a:solidFill>
-            <a:srgbClr val="000080"/>
-          </a:solidFill>
-        </p:spPr>
-        <p:txBody>
-          <a:bodyPr wrap="square" lIns="0" tIns="0" rIns="0" bIns="0" rtlCol="0"/>
-          <a:lstStyle/>
-          <a:p>
-            <a:endParaRPr/>
-          </a:p>
-        </p:txBody>
-      </p:sp>
-      <p:sp>
-        <p:nvSpPr>
-          <p:cNvPr id="8" name="object 8"/>
-          <p:cNvSpPr txBox="1">
-            <a:spLocks noGrp="1"/>
-          </p:cNvSpPr>
-          <p:nvPr>
-            <p:ph type="title"/>
-          </p:nvPr>
-        </p:nvSpPr>
-        <p:spPr>
-          <a:xfrm>
-            <a:off x="2275839" y="351599"/>
-            <a:ext cx="3131185" cy="452120"/>
-          </a:xfrm>
-          <a:prstGeom prst="rect">
-            <a:avLst/>
-          </a:prstGeom>
-        </p:spPr>
-        <p:txBody>
-          <a:bodyPr vert="horz" wrap="square" lIns="0" tIns="12700" rIns="0" bIns="0" rtlCol="0">
-            <a:spAutoFit/>
-          </a:bodyPr>
-          <a:lstStyle/>
-          <a:p>
-            <a:pPr marL="12700">
-              <a:lnSpc>
-                <a:spcPct val="100000"/>
-              </a:lnSpc>
-              <a:spcBef>
-                <a:spcPts val="100"/>
-              </a:spcBef>
-            </a:pPr>
-            <a:r>
-              <a:rPr spc="-5" dirty="0"/>
-              <a:t>What </a:t>
-            </a:r>
-            <a:r>
-              <a:rPr dirty="0"/>
-              <a:t>are</a:t>
-            </a:r>
-            <a:r>
-              <a:rPr spc="-70" dirty="0"/>
-              <a:t> </a:t>
-            </a:r>
-            <a:r>
-              <a:rPr dirty="0"/>
-              <a:t>Loops??</a:t>
-            </a:r>
-          </a:p>
-        </p:txBody>
-      </p:sp>
-      <p:sp>
-        <p:nvSpPr>
-          <p:cNvPr id="11" name="object 11"/>
-          <p:cNvSpPr txBox="1">
-            <a:spLocks noGrp="1"/>
-          </p:cNvSpPr>
-          <p:nvPr>
-            <p:ph type="ftr" sz="quarter" idx="5"/>
-          </p:nvPr>
-        </p:nvSpPr>
-        <p:spPr>
-          <a:prstGeom prst="rect">
-            <a:avLst/>
-          </a:prstGeom>
-        </p:spPr>
-        <p:txBody>
-          <a:bodyPr vert="horz" wrap="square" lIns="0" tIns="635" rIns="0" bIns="0" rtlCol="0">
-            <a:spAutoFit/>
-          </a:bodyPr>
-          <a:lstStyle/>
-          <a:p>
-            <a:pPr marL="12700">
-              <a:lnSpc>
-                <a:spcPct val="100000"/>
-              </a:lnSpc>
-              <a:spcBef>
-                <a:spcPts val="5"/>
-              </a:spcBef>
-            </a:pPr>
-            <a:r>
-              <a:rPr spc="-5" dirty="0"/>
-              <a:t>johnsonmike.wix.com/geog178</a:t>
-            </a:r>
-          </a:p>
-        </p:txBody>
-      </p:sp>
-      <p:sp>
-        <p:nvSpPr>
-          <p:cNvPr id="9" name="object 9"/>
-          <p:cNvSpPr txBox="1"/>
-          <p:nvPr/>
-        </p:nvSpPr>
-        <p:spPr>
-          <a:xfrm>
-            <a:off x="3477259" y="1732639"/>
-            <a:ext cx="5353050" cy="1123950"/>
-          </a:xfrm>
-          <a:prstGeom prst="rect">
-            <a:avLst/>
-          </a:prstGeom>
-        </p:spPr>
-        <p:txBody>
-          <a:bodyPr vert="horz" wrap="square" lIns="0" tIns="12065" rIns="0" bIns="0" rtlCol="0">
-            <a:spAutoFit/>
-          </a:bodyPr>
-          <a:lstStyle/>
-          <a:p>
-            <a:pPr marL="355600" marR="5080" indent="-342900">
-              <a:lnSpc>
-                <a:spcPct val="100099"/>
-              </a:lnSpc>
-              <a:spcBef>
-                <a:spcPts val="95"/>
-              </a:spcBef>
-              <a:buClr>
-                <a:srgbClr val="99CC00"/>
-              </a:buClr>
-              <a:buSzPct val="150000"/>
-              <a:buChar char="•"/>
-              <a:tabLst>
-                <a:tab pos="355600" algn="l"/>
-              </a:tabLst>
-            </a:pPr>
-            <a:r>
-              <a:rPr sz="2400" dirty="0">
-                <a:solidFill>
-                  <a:srgbClr val="003399"/>
-                </a:solidFill>
-                <a:latin typeface="Arial"/>
-                <a:cs typeface="Arial"/>
-              </a:rPr>
-              <a:t>Loops are a sequence of</a:t>
-            </a:r>
-            <a:r>
-              <a:rPr sz="2400" spc="-80" dirty="0">
-                <a:solidFill>
-                  <a:srgbClr val="003399"/>
-                </a:solidFill>
-                <a:latin typeface="Arial"/>
-                <a:cs typeface="Arial"/>
-              </a:rPr>
-              <a:t> </a:t>
-            </a:r>
-            <a:r>
-              <a:rPr sz="2400" spc="-5" dirty="0">
-                <a:solidFill>
-                  <a:srgbClr val="003399"/>
-                </a:solidFill>
-                <a:latin typeface="Arial"/>
-                <a:cs typeface="Arial"/>
-              </a:rPr>
-              <a:t>instructions  to </a:t>
-            </a:r>
-            <a:r>
-              <a:rPr sz="2400" dirty="0">
-                <a:solidFill>
-                  <a:srgbClr val="003399"/>
-                </a:solidFill>
-                <a:latin typeface="Arial"/>
-                <a:cs typeface="Arial"/>
-              </a:rPr>
-              <a:t>be </a:t>
-            </a:r>
-            <a:r>
-              <a:rPr sz="2400" spc="-5" dirty="0">
-                <a:solidFill>
-                  <a:srgbClr val="003399"/>
-                </a:solidFill>
-                <a:latin typeface="Arial"/>
-                <a:cs typeface="Arial"/>
-              </a:rPr>
-              <a:t>continually repeated until </a:t>
-            </a:r>
-            <a:r>
-              <a:rPr sz="2400" dirty="0">
-                <a:solidFill>
-                  <a:srgbClr val="003399"/>
-                </a:solidFill>
-                <a:latin typeface="Arial"/>
-                <a:cs typeface="Arial"/>
-              </a:rPr>
-              <a:t>a  </a:t>
-            </a:r>
-            <a:r>
-              <a:rPr sz="2400" spc="-5" dirty="0">
-                <a:solidFill>
-                  <a:srgbClr val="003399"/>
-                </a:solidFill>
-                <a:latin typeface="Arial"/>
-                <a:cs typeface="Arial"/>
-              </a:rPr>
-              <a:t>specific condition </a:t>
-            </a:r>
-            <a:r>
-              <a:rPr sz="2400" dirty="0">
-                <a:solidFill>
-                  <a:srgbClr val="003399"/>
-                </a:solidFill>
-                <a:latin typeface="Arial"/>
-                <a:cs typeface="Arial"/>
-              </a:rPr>
-              <a:t>is</a:t>
-            </a:r>
-            <a:r>
-              <a:rPr sz="2400" spc="-10" dirty="0">
-                <a:solidFill>
-                  <a:srgbClr val="003399"/>
-                </a:solidFill>
-                <a:latin typeface="Arial"/>
-                <a:cs typeface="Arial"/>
-              </a:rPr>
-              <a:t> </a:t>
-            </a:r>
-            <a:r>
-              <a:rPr sz="2400" dirty="0">
-                <a:solidFill>
-                  <a:srgbClr val="003399"/>
-                </a:solidFill>
-                <a:latin typeface="Arial"/>
-                <a:cs typeface="Arial"/>
-              </a:rPr>
-              <a:t>reached.</a:t>
-            </a:r>
-            <a:endParaRPr sz="2400">
-              <a:latin typeface="Arial"/>
-              <a:cs typeface="Arial"/>
-            </a:endParaRPr>
-          </a:p>
-        </p:txBody>
-      </p:sp>
-      <p:sp>
-        <p:nvSpPr>
-          <p:cNvPr id="10" name="object 10"/>
-          <p:cNvSpPr txBox="1"/>
-          <p:nvPr/>
-        </p:nvSpPr>
-        <p:spPr>
-          <a:xfrm>
-            <a:off x="3477259" y="3341285"/>
-            <a:ext cx="5455920" cy="2732405"/>
-          </a:xfrm>
-          <a:prstGeom prst="rect">
-            <a:avLst/>
-          </a:prstGeom>
-        </p:spPr>
-        <p:txBody>
-          <a:bodyPr vert="horz" wrap="square" lIns="0" tIns="12700" rIns="0" bIns="0" rtlCol="0">
-            <a:spAutoFit/>
-          </a:bodyPr>
-          <a:lstStyle/>
-          <a:p>
-            <a:pPr marL="355600" marR="5080" indent="-342900">
-              <a:lnSpc>
-                <a:spcPct val="99900"/>
-              </a:lnSpc>
-              <a:spcBef>
-                <a:spcPts val="100"/>
-              </a:spcBef>
-              <a:buClr>
-                <a:srgbClr val="99CC00"/>
-              </a:buClr>
-              <a:buSzPct val="150000"/>
-              <a:buChar char="•"/>
-              <a:tabLst>
-                <a:tab pos="355600" algn="l"/>
-              </a:tabLst>
-            </a:pPr>
-            <a:r>
-              <a:rPr sz="2400" spc="-5" dirty="0">
-                <a:solidFill>
-                  <a:srgbClr val="003399"/>
-                </a:solidFill>
-                <a:latin typeface="Arial"/>
-                <a:cs typeface="Arial"/>
-              </a:rPr>
-              <a:t>They </a:t>
-            </a:r>
-            <a:r>
-              <a:rPr sz="2400" dirty="0">
-                <a:solidFill>
-                  <a:srgbClr val="003399"/>
-                </a:solidFill>
-                <a:latin typeface="Arial"/>
-                <a:cs typeface="Arial"/>
-              </a:rPr>
-              <a:t>are </a:t>
-            </a:r>
-            <a:r>
-              <a:rPr sz="2400" spc="-5" dirty="0">
-                <a:solidFill>
-                  <a:srgbClr val="003399"/>
-                </a:solidFill>
-                <a:latin typeface="Arial"/>
-                <a:cs typeface="Arial"/>
-              </a:rPr>
-              <a:t>helpful </a:t>
-            </a:r>
-            <a:r>
-              <a:rPr sz="2400" dirty="0">
-                <a:solidFill>
-                  <a:srgbClr val="003399"/>
-                </a:solidFill>
-                <a:latin typeface="Arial"/>
-                <a:cs typeface="Arial"/>
-              </a:rPr>
-              <a:t>when checking </a:t>
-            </a:r>
-            <a:r>
-              <a:rPr sz="2400" spc="-5" dirty="0">
-                <a:solidFill>
-                  <a:srgbClr val="003399"/>
-                </a:solidFill>
-                <a:latin typeface="Arial"/>
-                <a:cs typeface="Arial"/>
-              </a:rPr>
-              <a:t>for </a:t>
-            </a:r>
-            <a:r>
-              <a:rPr sz="2400" dirty="0">
-                <a:solidFill>
-                  <a:srgbClr val="003399"/>
-                </a:solidFill>
-                <a:latin typeface="Arial"/>
-                <a:cs typeface="Arial"/>
-              </a:rPr>
-              <a:t>a  </a:t>
-            </a:r>
-            <a:r>
-              <a:rPr sz="2400" spc="-5" dirty="0">
-                <a:solidFill>
-                  <a:srgbClr val="003399"/>
-                </a:solidFill>
-                <a:latin typeface="Arial"/>
-                <a:cs typeface="Arial"/>
-              </a:rPr>
-              <a:t>condition </a:t>
-            </a:r>
-            <a:r>
-              <a:rPr sz="2400" dirty="0">
-                <a:solidFill>
-                  <a:srgbClr val="003399"/>
-                </a:solidFill>
-                <a:latin typeface="Arial"/>
-                <a:cs typeface="Arial"/>
-              </a:rPr>
-              <a:t>or when </a:t>
-            </a:r>
-            <a:r>
-              <a:rPr sz="2400" spc="-5" dirty="0">
-                <a:solidFill>
-                  <a:srgbClr val="003399"/>
-                </a:solidFill>
-                <a:latin typeface="Arial"/>
-                <a:cs typeface="Arial"/>
-              </a:rPr>
-              <a:t>repeating the </a:t>
-            </a:r>
-            <a:r>
-              <a:rPr sz="2400" dirty="0">
-                <a:solidFill>
-                  <a:srgbClr val="003399"/>
-                </a:solidFill>
-                <a:latin typeface="Arial"/>
-                <a:cs typeface="Arial"/>
-              </a:rPr>
-              <a:t>same  process over a large amount of </a:t>
-            </a:r>
-            <a:r>
-              <a:rPr sz="2400" spc="-5" dirty="0">
-                <a:solidFill>
-                  <a:srgbClr val="003399"/>
-                </a:solidFill>
-                <a:latin typeface="Arial"/>
-                <a:cs typeface="Arial"/>
-              </a:rPr>
-              <a:t>data  points…</a:t>
-            </a:r>
-            <a:endParaRPr sz="2400">
-              <a:latin typeface="Arial"/>
-              <a:cs typeface="Arial"/>
-            </a:endParaRPr>
-          </a:p>
-          <a:p>
-            <a:pPr>
-              <a:lnSpc>
-                <a:spcPct val="100000"/>
-              </a:lnSpc>
-              <a:spcBef>
-                <a:spcPts val="35"/>
-              </a:spcBef>
-              <a:buClr>
-                <a:srgbClr val="99CC00"/>
-              </a:buClr>
-              <a:buFont typeface="Arial"/>
-              <a:buChar char="•"/>
-            </a:pPr>
-            <a:endParaRPr sz="3450">
-              <a:latin typeface="Times New Roman"/>
-              <a:cs typeface="Times New Roman"/>
-            </a:endParaRPr>
-          </a:p>
-          <a:p>
-            <a:pPr marL="355600" marR="431800" indent="-342900">
-              <a:lnSpc>
-                <a:spcPct val="100699"/>
-              </a:lnSpc>
-              <a:buClr>
-                <a:srgbClr val="99CC00"/>
-              </a:buClr>
-              <a:buSzPct val="150000"/>
-              <a:buChar char="•"/>
-              <a:tabLst>
-                <a:tab pos="355600" algn="l"/>
-              </a:tabLst>
-            </a:pPr>
-            <a:r>
-              <a:rPr sz="2400" spc="-5" dirty="0">
-                <a:solidFill>
-                  <a:srgbClr val="003399"/>
-                </a:solidFill>
-                <a:latin typeface="Arial"/>
-                <a:cs typeface="Arial"/>
-              </a:rPr>
-              <a:t>Anytime </a:t>
-            </a:r>
-            <a:r>
-              <a:rPr sz="2400" dirty="0">
-                <a:solidFill>
-                  <a:srgbClr val="003399"/>
-                </a:solidFill>
-                <a:latin typeface="Arial"/>
-                <a:cs typeface="Arial"/>
-              </a:rPr>
-              <a:t>you want </a:t>
-            </a:r>
-            <a:r>
-              <a:rPr sz="2400" spc="-5" dirty="0">
-                <a:solidFill>
-                  <a:srgbClr val="003399"/>
-                </a:solidFill>
-                <a:latin typeface="Arial"/>
-                <a:cs typeface="Arial"/>
-              </a:rPr>
-              <a:t>to </a:t>
-            </a:r>
-            <a:r>
-              <a:rPr sz="2400" dirty="0">
-                <a:solidFill>
-                  <a:srgbClr val="003399"/>
-                </a:solidFill>
-                <a:latin typeface="Arial"/>
-                <a:cs typeface="Arial"/>
-              </a:rPr>
-              <a:t>do </a:t>
-            </a:r>
-            <a:r>
-              <a:rPr sz="2400" spc="-5" dirty="0">
-                <a:solidFill>
-                  <a:srgbClr val="003399"/>
-                </a:solidFill>
-                <a:latin typeface="Arial"/>
-                <a:cs typeface="Arial"/>
-              </a:rPr>
-              <a:t>something  </a:t>
-            </a:r>
-            <a:r>
-              <a:rPr sz="2400" dirty="0">
-                <a:solidFill>
-                  <a:srgbClr val="003399"/>
-                </a:solidFill>
-                <a:latin typeface="Arial"/>
-                <a:cs typeface="Arial"/>
-              </a:rPr>
-              <a:t>many </a:t>
-            </a:r>
-            <a:r>
-              <a:rPr sz="2400" spc="-5" dirty="0">
-                <a:solidFill>
-                  <a:srgbClr val="003399"/>
-                </a:solidFill>
-                <a:latin typeface="Arial"/>
-                <a:cs typeface="Arial"/>
-              </a:rPr>
-              <a:t>times </a:t>
-            </a:r>
-            <a:r>
-              <a:rPr sz="2400" dirty="0">
-                <a:solidFill>
-                  <a:srgbClr val="003399"/>
-                </a:solidFill>
-                <a:latin typeface="Arial"/>
-                <a:cs typeface="Arial"/>
-              </a:rPr>
-              <a:t>a loop will be</a:t>
-            </a:r>
-            <a:r>
-              <a:rPr sz="2400" spc="-55" dirty="0">
-                <a:solidFill>
-                  <a:srgbClr val="003399"/>
-                </a:solidFill>
-                <a:latin typeface="Arial"/>
-                <a:cs typeface="Arial"/>
-              </a:rPr>
-              <a:t> </a:t>
-            </a:r>
-            <a:r>
-              <a:rPr sz="2400" spc="-5" dirty="0">
-                <a:solidFill>
-                  <a:srgbClr val="003399"/>
-                </a:solidFill>
-                <a:latin typeface="Arial"/>
-                <a:cs typeface="Arial"/>
-              </a:rPr>
-              <a:t>helpful!</a:t>
-            </a:r>
-            <a:endParaRPr sz="2400">
-              <a:latin typeface="Arial"/>
-              <a:cs typeface="Arial"/>
-            </a:endParaRPr>
+            <a:endParaRPr sz="8000"/>
           </a:p>
         </p:txBody>
       </p:sp>
@@ -40121,6 +41568,52 @@
       <p:sp>
         <p:nvSpPr>
           <p:cNvPr id="6" name="object 6"/>
+          <p:cNvSpPr txBox="1"/>
+          <p:nvPr/>
+        </p:nvSpPr>
+        <p:spPr>
+          <a:xfrm>
+            <a:off x="209550" y="2982117"/>
+            <a:ext cx="1024890" cy="391160"/>
+          </a:xfrm>
+          <a:prstGeom prst="rect">
+            <a:avLst/>
+          </a:prstGeom>
+        </p:spPr>
+        <p:txBody>
+          <a:bodyPr vert="horz" wrap="square" lIns="0" tIns="12700" rIns="0" bIns="0" rtlCol="0">
+            <a:spAutoFit/>
+          </a:bodyPr>
+          <a:lstStyle/>
+          <a:p>
+            <a:pPr marL="12700">
+              <a:lnSpc>
+                <a:spcPct val="100000"/>
+              </a:lnSpc>
+              <a:spcBef>
+                <a:spcPts val="100"/>
+              </a:spcBef>
+            </a:pPr>
+            <a:r>
+              <a:rPr sz="2400" spc="-5" dirty="0">
+                <a:solidFill>
+                  <a:srgbClr val="003399"/>
+                </a:solidFill>
+                <a:latin typeface="Arial Black"/>
+                <a:cs typeface="Arial Black"/>
+              </a:rPr>
+              <a:t>Loops</a:t>
+            </a:r>
+            <a:endParaRPr sz="2400">
+              <a:latin typeface="Arial Black"/>
+              <a:cs typeface="Arial Black"/>
+            </a:endParaRPr>
+          </a:p>
+        </p:txBody>
+      </p:sp>
+      <p:sp>
+        <p:nvSpPr>
+          <p:cNvPr id="7" name="object 7"/>
           <p:cNvSpPr/>
           <p:nvPr/>
         </p:nvSpPr>
@@ -40170,7 +41663,7 @@
       </p:sp>
       <p:sp>
         <p:nvSpPr>
-          <p:cNvPr id="7" name="object 7"/>
+          <p:cNvPr id="8" name="object 8"/>
           <p:cNvSpPr txBox="1">
             <a:spLocks noGrp="1"/>
           </p:cNvSpPr>
@@ -40181,7 +41674,7 @@
         <p:spPr>
           <a:xfrm>
             <a:off x="2275839" y="351599"/>
-            <a:ext cx="4709160" cy="452120"/>
+            <a:ext cx="3131185" cy="452120"/>
           </a:xfrm>
           <a:prstGeom prst="rect">
             <a:avLst/>
@@ -40202,34 +41695,198 @@
               </a:spcBef>
             </a:pPr>
             <a:r>
+              <a:rPr spc="-5" dirty="0"/>
+              <a:t>What </a:t>
+            </a:r>
+            <a:r>
               <a:rPr dirty="0"/>
-              <a:t>For Loops and </a:t>
-            </a:r>
-            <a:r>
-              <a:rPr spc="-5" dirty="0"/>
-              <a:t>While</a:t>
-            </a:r>
-            <a:r>
-              <a:rPr spc="-105" dirty="0"/>
+              <a:t>are</a:t>
+            </a:r>
+            <a:r>
+              <a:rPr spc="-70" dirty="0"/>
               <a:t> </a:t>
             </a:r>
             <a:r>
               <a:rPr dirty="0"/>
-              <a:t>Loops</a:t>
+              <a:t>Loops??</a:t>
             </a:r>
           </a:p>
         </p:txBody>
       </p:sp>
       <p:sp>
         <p:nvSpPr>
-          <p:cNvPr id="8" name="object 8"/>
+          <p:cNvPr id="9" name="object 9"/>
           <p:cNvSpPr txBox="1"/>
           <p:nvPr/>
         </p:nvSpPr>
         <p:spPr>
           <a:xfrm>
-            <a:off x="3477259" y="1437267"/>
-            <a:ext cx="2506980" cy="299720"/>
+            <a:off x="3477259" y="1732639"/>
+            <a:ext cx="5353050" cy="1123950"/>
+          </a:xfrm>
+          <a:prstGeom prst="rect">
+            <a:avLst/>
+          </a:prstGeom>
+        </p:spPr>
+        <p:txBody>
+          <a:bodyPr vert="horz" wrap="square" lIns="0" tIns="12065" rIns="0" bIns="0" rtlCol="0">
+            <a:spAutoFit/>
+          </a:bodyPr>
+          <a:lstStyle/>
+          <a:p>
+            <a:pPr marL="355600" marR="5080" indent="-342900">
+              <a:lnSpc>
+                <a:spcPct val="100099"/>
+              </a:lnSpc>
+              <a:spcBef>
+                <a:spcPts val="95"/>
+              </a:spcBef>
+              <a:buClr>
+                <a:srgbClr val="99CC00"/>
+              </a:buClr>
+              <a:buSzPct val="150000"/>
+              <a:buChar char="•"/>
+              <a:tabLst>
+                <a:tab pos="355600" algn="l"/>
+              </a:tabLst>
+            </a:pPr>
+            <a:r>
+              <a:rPr sz="2400" dirty="0">
+                <a:solidFill>
+                  <a:srgbClr val="003399"/>
+                </a:solidFill>
+                <a:latin typeface="Arial"/>
+                <a:cs typeface="Arial"/>
+              </a:rPr>
+              <a:t>Loops are sequence</a:t>
+            </a:r>
+            <a:r>
+              <a:rPr lang="en-US" sz="2400" dirty="0">
+                <a:solidFill>
+                  <a:srgbClr val="003399"/>
+                </a:solidFill>
+                <a:latin typeface="Arial"/>
+                <a:cs typeface="Arial"/>
+              </a:rPr>
+              <a:t>s</a:t>
+            </a:r>
+            <a:r>
+              <a:rPr sz="2400" dirty="0">
+                <a:solidFill>
+                  <a:srgbClr val="003399"/>
+                </a:solidFill>
+                <a:latin typeface="Arial"/>
+                <a:cs typeface="Arial"/>
+              </a:rPr>
+              <a:t> of</a:t>
+            </a:r>
+            <a:r>
+              <a:rPr sz="2400" spc="-80" dirty="0">
+                <a:solidFill>
+                  <a:srgbClr val="003399"/>
+                </a:solidFill>
+                <a:latin typeface="Arial"/>
+                <a:cs typeface="Arial"/>
+              </a:rPr>
+              <a:t> </a:t>
+            </a:r>
+            <a:r>
+              <a:rPr sz="2400" spc="-5" dirty="0">
+                <a:solidFill>
+                  <a:srgbClr val="003399"/>
+                </a:solidFill>
+                <a:latin typeface="Arial"/>
+                <a:cs typeface="Arial"/>
+              </a:rPr>
+              <a:t>instructions  to </a:t>
+            </a:r>
+            <a:r>
+              <a:rPr sz="2400" dirty="0">
+                <a:solidFill>
+                  <a:srgbClr val="003399"/>
+                </a:solidFill>
+                <a:latin typeface="Arial"/>
+                <a:cs typeface="Arial"/>
+              </a:rPr>
+              <a:t>be </a:t>
+            </a:r>
+            <a:r>
+              <a:rPr sz="2400" spc="-5" dirty="0">
+                <a:solidFill>
+                  <a:srgbClr val="003399"/>
+                </a:solidFill>
+                <a:latin typeface="Arial"/>
+                <a:cs typeface="Arial"/>
+              </a:rPr>
+              <a:t>continually repeated until </a:t>
+            </a:r>
+            <a:r>
+              <a:rPr sz="2400" dirty="0">
+                <a:solidFill>
+                  <a:srgbClr val="003399"/>
+                </a:solidFill>
+                <a:latin typeface="Arial"/>
+                <a:cs typeface="Arial"/>
+              </a:rPr>
+              <a:t>a  </a:t>
+            </a:r>
+            <a:r>
+              <a:rPr sz="2400" spc="-5" dirty="0">
+                <a:solidFill>
+                  <a:srgbClr val="003399"/>
+                </a:solidFill>
+                <a:latin typeface="Arial"/>
+                <a:cs typeface="Arial"/>
+              </a:rPr>
+              <a:t>specific condition </a:t>
+            </a:r>
+            <a:r>
+              <a:rPr sz="2400" dirty="0">
+                <a:solidFill>
+                  <a:srgbClr val="003399"/>
+                </a:solidFill>
+                <a:latin typeface="Arial"/>
+                <a:cs typeface="Arial"/>
+              </a:rPr>
+              <a:t>is</a:t>
+            </a:r>
+            <a:r>
+              <a:rPr sz="2400" spc="-10" dirty="0">
+                <a:solidFill>
+                  <a:srgbClr val="003399"/>
+                </a:solidFill>
+                <a:latin typeface="Arial"/>
+                <a:cs typeface="Arial"/>
+              </a:rPr>
+              <a:t> </a:t>
+            </a:r>
+            <a:r>
+              <a:rPr sz="2400" dirty="0">
+                <a:solidFill>
+                  <a:srgbClr val="003399"/>
+                </a:solidFill>
+                <a:latin typeface="Arial"/>
+                <a:cs typeface="Arial"/>
+              </a:rPr>
+              <a:t>reached.</a:t>
+            </a:r>
+            <a:endParaRPr sz="2400" dirty="0">
+              <a:latin typeface="Arial"/>
+              <a:cs typeface="Arial"/>
+            </a:endParaRPr>
+          </a:p>
+        </p:txBody>
+      </p:sp>
+      <p:sp>
+        <p:nvSpPr>
+          <p:cNvPr id="10" name="object 10"/>
+          <p:cNvSpPr txBox="1"/>
+          <p:nvPr/>
+        </p:nvSpPr>
+        <p:spPr>
+          <a:xfrm>
+            <a:off x="3477259" y="3341285"/>
+            <a:ext cx="5455920" cy="2732405"/>
           </a:xfrm>
           <a:prstGeom prst="rect">
             <a:avLst/>
@@ -40241,9 +41898,9 @@
           </a:bodyPr>
           <a:lstStyle/>
           <a:p>
-            <a:pPr marL="355600" indent="-342900">
+            <a:pPr marL="355600" marR="5080" indent="-342900">
               <a:lnSpc>
-                <a:spcPct val="100000"/>
+                <a:spcPct val="99900"/>
               </a:lnSpc>
               <a:spcBef>
                 <a:spcPts val="100"/>
@@ -40254,109 +41911,241 @@
               <a:buSzPct val="150000"/>
               <a:buChar char="•"/>
               <a:tabLst>
-                <a:tab pos="354965" algn="l"/>
                 <a:tab pos="355600" algn="l"/>
               </a:tabLst>
             </a:pPr>
             <a:r>
-              <a:rPr sz="1800" dirty="0">
-                <a:solidFill>
-                  <a:srgbClr val="000080"/>
-                </a:solidFill>
-                <a:latin typeface="Arial"/>
-                <a:cs typeface="Arial"/>
-              </a:rPr>
-              <a:t>FOR </a:t>
-            </a:r>
-            <a:r>
-              <a:rPr sz="1800" spc="-5" dirty="0">
-                <a:solidFill>
-                  <a:srgbClr val="000080"/>
-                </a:solidFill>
-                <a:latin typeface="Arial"/>
-                <a:cs typeface="Arial"/>
-              </a:rPr>
-              <a:t>LOOP</a:t>
-            </a:r>
-            <a:r>
-              <a:rPr sz="1800" spc="-100" dirty="0">
-                <a:solidFill>
-                  <a:srgbClr val="000080"/>
-                </a:solidFill>
-                <a:latin typeface="Arial"/>
-                <a:cs typeface="Arial"/>
-              </a:rPr>
-              <a:t> </a:t>
-            </a:r>
-            <a:r>
-              <a:rPr sz="1800" spc="-25" dirty="0">
-                <a:solidFill>
-                  <a:srgbClr val="000080"/>
-                </a:solidFill>
-                <a:latin typeface="Arial"/>
-                <a:cs typeface="Arial"/>
-              </a:rPr>
-              <a:t>SYNTAX</a:t>
-            </a:r>
-            <a:endParaRPr sz="1800">
+              <a:rPr sz="2400" spc="-5" dirty="0">
+                <a:solidFill>
+                  <a:srgbClr val="003399"/>
+                </a:solidFill>
+                <a:latin typeface="Arial"/>
+                <a:cs typeface="Arial"/>
+              </a:rPr>
+              <a:t>They </a:t>
+            </a:r>
+            <a:r>
+              <a:rPr sz="2400" dirty="0">
+                <a:solidFill>
+                  <a:srgbClr val="003399"/>
+                </a:solidFill>
+                <a:latin typeface="Arial"/>
+                <a:cs typeface="Arial"/>
+              </a:rPr>
+              <a:t>are </a:t>
+            </a:r>
+            <a:r>
+              <a:rPr sz="2400" spc="-5" dirty="0">
+                <a:solidFill>
+                  <a:srgbClr val="003399"/>
+                </a:solidFill>
+                <a:latin typeface="Arial"/>
+                <a:cs typeface="Arial"/>
+              </a:rPr>
+              <a:t>helpful </a:t>
+            </a:r>
+            <a:r>
+              <a:rPr sz="2400" dirty="0">
+                <a:solidFill>
+                  <a:srgbClr val="003399"/>
+                </a:solidFill>
+                <a:latin typeface="Arial"/>
+                <a:cs typeface="Arial"/>
+              </a:rPr>
+              <a:t>when checking </a:t>
+            </a:r>
+            <a:r>
+              <a:rPr sz="2400" spc="-5" dirty="0">
+                <a:solidFill>
+                  <a:srgbClr val="003399"/>
+                </a:solidFill>
+                <a:latin typeface="Arial"/>
+                <a:cs typeface="Arial"/>
+              </a:rPr>
+              <a:t>for </a:t>
+            </a:r>
+            <a:r>
+              <a:rPr sz="2400" dirty="0">
+                <a:solidFill>
+                  <a:srgbClr val="003399"/>
+                </a:solidFill>
+                <a:latin typeface="Arial"/>
+                <a:cs typeface="Arial"/>
+              </a:rPr>
+              <a:t>a  </a:t>
+            </a:r>
+            <a:r>
+              <a:rPr sz="2400" spc="-5" dirty="0">
+                <a:solidFill>
+                  <a:srgbClr val="003399"/>
+                </a:solidFill>
+                <a:latin typeface="Arial"/>
+                <a:cs typeface="Arial"/>
+              </a:rPr>
+              <a:t>condition </a:t>
+            </a:r>
+            <a:r>
+              <a:rPr sz="2400" dirty="0">
+                <a:solidFill>
+                  <a:srgbClr val="003399"/>
+                </a:solidFill>
+                <a:latin typeface="Arial"/>
+                <a:cs typeface="Arial"/>
+              </a:rPr>
+              <a:t>or when </a:t>
+            </a:r>
+            <a:r>
+              <a:rPr sz="2400" spc="-5" dirty="0">
+                <a:solidFill>
+                  <a:srgbClr val="003399"/>
+                </a:solidFill>
+                <a:latin typeface="Arial"/>
+                <a:cs typeface="Arial"/>
+              </a:rPr>
+              <a:t>repeating the </a:t>
+            </a:r>
+            <a:r>
+              <a:rPr sz="2400" dirty="0">
+                <a:solidFill>
+                  <a:srgbClr val="003399"/>
+                </a:solidFill>
+                <a:latin typeface="Arial"/>
+                <a:cs typeface="Arial"/>
+              </a:rPr>
+              <a:t>same  process over a large amount of </a:t>
+            </a:r>
+            <a:r>
+              <a:rPr sz="2400" spc="-5" dirty="0">
+                <a:solidFill>
+                  <a:srgbClr val="003399"/>
+                </a:solidFill>
+                <a:latin typeface="Arial"/>
+                <a:cs typeface="Arial"/>
+              </a:rPr>
+              <a:t>data  points…</a:t>
+            </a:r>
+            <a:endParaRPr sz="2400">
               <a:latin typeface="Arial"/>
               <a:cs typeface="Arial"/>
             </a:endParaRPr>
           </a:p>
-        </p:txBody>
-      </p:sp>
-      <p:sp>
-        <p:nvSpPr>
-          <p:cNvPr id="9" name="object 9"/>
-          <p:cNvSpPr txBox="1"/>
-          <p:nvPr/>
-        </p:nvSpPr>
-        <p:spPr>
-          <a:xfrm>
-            <a:off x="3477259" y="4070422"/>
-            <a:ext cx="2747010" cy="299720"/>
-          </a:xfrm>
-          <a:prstGeom prst="rect">
-            <a:avLst/>
-          </a:prstGeom>
-        </p:spPr>
-        <p:txBody>
-          <a:bodyPr vert="horz" wrap="square" lIns="0" tIns="12700" rIns="0" bIns="0" rtlCol="0">
-            <a:spAutoFit/>
-          </a:bodyPr>
-          <a:lstStyle/>
-          <a:p>
-            <a:pPr marL="355600" indent="-342900">
+          <a:p>
+            <a:pPr>
               <a:lnSpc>
                 <a:spcPct val="100000"/>
               </a:lnSpc>
               <a:spcBef>
-                <a:spcPts val="100"/>
+                <a:spcPts val="35"/>
               </a:spcBef>
+              <a:buClr>
+                <a:srgbClr val="99CC00"/>
+              </a:buClr>
+              <a:buFont typeface="Arial"/>
+              <a:buChar char="•"/>
+            </a:pPr>
+            <a:endParaRPr sz="3450">
+              <a:latin typeface="Times New Roman"/>
+              <a:cs typeface="Times New Roman"/>
+            </a:endParaRPr>
+          </a:p>
+          <a:p>
+            <a:pPr marL="355600" marR="431800" indent="-342900">
+              <a:lnSpc>
+                <a:spcPct val="100699"/>
+              </a:lnSpc>
               <a:buClr>
                 <a:srgbClr val="99CC00"/>
               </a:buClr>
               <a:buSzPct val="150000"/>
               <a:buChar char="•"/>
               <a:tabLst>
-                <a:tab pos="354965" algn="l"/>
                 <a:tab pos="355600" algn="l"/>
               </a:tabLst>
             </a:pPr>
             <a:r>
-              <a:rPr sz="1800" spc="-5" dirty="0">
-                <a:solidFill>
-                  <a:srgbClr val="000080"/>
-                </a:solidFill>
-                <a:latin typeface="Arial"/>
-                <a:cs typeface="Arial"/>
-              </a:rPr>
-              <a:t>WHILE LOOP</a:t>
-            </a:r>
-            <a:r>
-              <a:rPr sz="1800" spc="-105" dirty="0">
-                <a:solidFill>
-                  <a:srgbClr val="000080"/>
+              <a:rPr sz="2400" spc="-5" dirty="0">
+                <a:solidFill>
+                  <a:srgbClr val="003399"/>
+                </a:solidFill>
+                <a:latin typeface="Arial"/>
+                <a:cs typeface="Arial"/>
+              </a:rPr>
+              <a:t>Anytime </a:t>
+            </a:r>
+            <a:r>
+              <a:rPr sz="2400" dirty="0">
+                <a:solidFill>
+                  <a:srgbClr val="003399"/>
+                </a:solidFill>
+                <a:latin typeface="Arial"/>
+                <a:cs typeface="Arial"/>
+              </a:rPr>
+              <a:t>you want </a:t>
+            </a:r>
+            <a:r>
+              <a:rPr sz="2400" spc="-5" dirty="0">
+                <a:solidFill>
+                  <a:srgbClr val="003399"/>
+                </a:solidFill>
+                <a:latin typeface="Arial"/>
+                <a:cs typeface="Arial"/>
+              </a:rPr>
+              <a:t>to </a:t>
+            </a:r>
+            <a:r>
+              <a:rPr sz="2400" dirty="0">
+                <a:solidFill>
+                  <a:srgbClr val="003399"/>
+                </a:solidFill>
+                <a:latin typeface="Arial"/>
+                <a:cs typeface="Arial"/>
+              </a:rPr>
+              <a:t>do </a:t>
+            </a:r>
+            <a:r>
+              <a:rPr sz="2400" spc="-5" dirty="0">
+                <a:solidFill>
+                  <a:srgbClr val="003399"/>
+                </a:solidFill>
+                <a:latin typeface="Arial"/>
+                <a:cs typeface="Arial"/>
+              </a:rPr>
+              <a:t>something  </a:t>
+            </a:r>
+            <a:r>
+              <a:rPr sz="2400" dirty="0">
+                <a:solidFill>
+                  <a:srgbClr val="003399"/>
+                </a:solidFill>
+                <a:latin typeface="Arial"/>
+                <a:cs typeface="Arial"/>
+              </a:rPr>
+              <a:t>many </a:t>
+            </a:r>
+            <a:r>
+              <a:rPr sz="2400" spc="-5" dirty="0">
+                <a:solidFill>
+                  <a:srgbClr val="003399"/>
+                </a:solidFill>
+                <a:latin typeface="Arial"/>
+                <a:cs typeface="Arial"/>
+              </a:rPr>
+              <a:t>times </a:t>
+            </a:r>
+            <a:r>
+              <a:rPr sz="2400" dirty="0">
+                <a:solidFill>
+                  <a:srgbClr val="003399"/>
+                </a:solidFill>
+                <a:latin typeface="Arial"/>
+                <a:cs typeface="Arial"/>
+              </a:rPr>
+              <a:t>a loop will be</a:t>
+            </a:r>
+            <a:r>
+              <a:rPr sz="2400" spc="-55" dirty="0">
+                <a:solidFill>
+                  <a:srgbClr val="003399"/>
                 </a:solidFill>
                 <a:latin typeface="Arial"/>
                 <a:cs typeface="Arial"/>
@@ -40364,227 +42153,19 @@
               <a:t> </a:t>
             </a:r>
             <a:r>
-              <a:rPr sz="1800" spc="-25" dirty="0">
-                <a:solidFill>
-                  <a:srgbClr val="000080"/>
-                </a:solidFill>
-                <a:latin typeface="Arial"/>
-                <a:cs typeface="Arial"/>
-              </a:rPr>
-              <a:t>SYNTAX</a:t>
-            </a:r>
-            <a:endParaRPr sz="1800">
+              <a:rPr sz="2400" spc="-5" dirty="0">
+                <a:solidFill>
+                  <a:srgbClr val="003399"/>
+                </a:solidFill>
+                <a:latin typeface="Arial"/>
+                <a:cs typeface="Arial"/>
+              </a:rPr>
+              <a:t>helpful!</a:t>
+            </a:r>
+            <a:endParaRPr sz="2400">
               <a:latin typeface="Arial"/>
               <a:cs typeface="Arial"/>
             </a:endParaRPr>
-          </a:p>
-        </p:txBody>
-      </p:sp>
-      <p:sp>
-        <p:nvSpPr>
-          <p:cNvPr id="10" name="object 10"/>
-          <p:cNvSpPr txBox="1"/>
-          <p:nvPr/>
-        </p:nvSpPr>
-        <p:spPr>
-          <a:xfrm>
-            <a:off x="209550" y="3256437"/>
-            <a:ext cx="1024890" cy="391160"/>
-          </a:xfrm>
-          <a:prstGeom prst="rect">
-            <a:avLst/>
-          </a:prstGeom>
-        </p:spPr>
-        <p:txBody>
-          <a:bodyPr vert="horz" wrap="square" lIns="0" tIns="12700" rIns="0" bIns="0" rtlCol="0">
-            <a:spAutoFit/>
-          </a:bodyPr>
-          <a:lstStyle/>
-          <a:p>
-            <a:pPr marL="12700">
-              <a:lnSpc>
-                <a:spcPct val="100000"/>
-              </a:lnSpc>
-              <a:spcBef>
-                <a:spcPts val="100"/>
-              </a:spcBef>
-            </a:pPr>
-            <a:r>
-              <a:rPr sz="2400" spc="-5" dirty="0">
-                <a:solidFill>
-                  <a:srgbClr val="003399"/>
-                </a:solidFill>
-                <a:latin typeface="Arial Black"/>
-                <a:cs typeface="Arial Black"/>
-              </a:rPr>
-              <a:t>Loops</a:t>
-            </a:r>
-            <a:endParaRPr sz="2400">
-              <a:latin typeface="Arial Black"/>
-              <a:cs typeface="Arial Black"/>
-            </a:endParaRPr>
-          </a:p>
-        </p:txBody>
-      </p:sp>
-      <p:sp>
-        <p:nvSpPr>
-          <p:cNvPr id="11" name="object 11"/>
-          <p:cNvSpPr/>
-          <p:nvPr/>
-        </p:nvSpPr>
-        <p:spPr>
-          <a:xfrm>
-            <a:off x="4630793" y="2095587"/>
-            <a:ext cx="3722122" cy="1577987"/>
-          </a:xfrm>
-          <a:prstGeom prst="rect">
-            <a:avLst/>
-          </a:prstGeom>
-          <a:blipFill>
-            <a:blip r:embed="rId2" cstate="print"/>
-            <a:stretch>
-              <a:fillRect/>
-            </a:stretch>
-          </a:blipFill>
-        </p:spPr>
-        <p:txBody>
-          <a:bodyPr wrap="square" lIns="0" tIns="0" rIns="0" bIns="0" rtlCol="0"/>
-          <a:lstStyle/>
-          <a:p>
-            <a:endParaRPr/>
-          </a:p>
-        </p:txBody>
-      </p:sp>
-      <p:sp>
-        <p:nvSpPr>
-          <p:cNvPr id="12" name="object 12"/>
-          <p:cNvSpPr/>
-          <p:nvPr/>
-        </p:nvSpPr>
-        <p:spPr>
-          <a:xfrm>
-            <a:off x="4551514" y="1919942"/>
-            <a:ext cx="3917315" cy="1917700"/>
-          </a:xfrm>
-          <a:custGeom>
-            <a:avLst/>
-            <a:gdLst/>
-            <a:ahLst/>
-            <a:cxnLst/>
-            <a:rect l="l" t="t" r="r" b="b"/>
-            <a:pathLst>
-              <a:path w="3917315" h="1917700">
-                <a:moveTo>
-                  <a:pt x="0" y="0"/>
-                </a:moveTo>
-                <a:lnTo>
-                  <a:pt x="3916817" y="0"/>
-                </a:lnTo>
-                <a:lnTo>
-                  <a:pt x="3916817" y="1917230"/>
-                </a:lnTo>
-                <a:lnTo>
-                  <a:pt x="0" y="1917230"/>
-                </a:lnTo>
-                <a:lnTo>
-                  <a:pt x="0" y="0"/>
-                </a:lnTo>
-                <a:close/>
-              </a:path>
-            </a:pathLst>
-          </a:custGeom>
-          <a:ln w="38100">
-            <a:solidFill>
-              <a:srgbClr val="000080"/>
-            </a:solidFill>
-          </a:ln>
-        </p:spPr>
-        <p:txBody>
-          <a:bodyPr wrap="square" lIns="0" tIns="0" rIns="0" bIns="0" rtlCol="0"/>
-          <a:lstStyle/>
-          <a:p>
-            <a:endParaRPr/>
-          </a:p>
-        </p:txBody>
-      </p:sp>
-      <p:sp>
-        <p:nvSpPr>
-          <p:cNvPr id="13" name="object 13"/>
-          <p:cNvSpPr/>
-          <p:nvPr/>
-        </p:nvSpPr>
-        <p:spPr>
-          <a:xfrm>
-            <a:off x="4635692" y="4740088"/>
-            <a:ext cx="3813589" cy="1838049"/>
-          </a:xfrm>
-          <a:prstGeom prst="rect">
-            <a:avLst/>
-          </a:prstGeom>
-          <a:blipFill>
-            <a:blip r:embed="rId3" cstate="print"/>
-            <a:stretch>
-              <a:fillRect/>
-            </a:stretch>
-          </a:blipFill>
-        </p:spPr>
-        <p:txBody>
-          <a:bodyPr wrap="square" lIns="0" tIns="0" rIns="0" bIns="0" rtlCol="0"/>
-          <a:lstStyle/>
-          <a:p>
-            <a:endParaRPr/>
-          </a:p>
-        </p:txBody>
-      </p:sp>
-      <p:sp>
-        <p:nvSpPr>
-          <p:cNvPr id="14" name="object 14"/>
-          <p:cNvSpPr/>
-          <p:nvPr/>
-        </p:nvSpPr>
-        <p:spPr>
-          <a:xfrm>
-            <a:off x="4551514" y="4692093"/>
-            <a:ext cx="3917315" cy="2057400"/>
-          </a:xfrm>
-          <a:custGeom>
-            <a:avLst/>
-            <a:gdLst/>
-            <a:ahLst/>
-            <a:cxnLst/>
-            <a:rect l="l" t="t" r="r" b="b"/>
-            <a:pathLst>
-              <a:path w="3917315" h="2057400">
-                <a:moveTo>
-                  <a:pt x="0" y="0"/>
-                </a:moveTo>
-                <a:lnTo>
-                  <a:pt x="3916817" y="0"/>
-                </a:lnTo>
-                <a:lnTo>
-                  <a:pt x="3916817" y="2057059"/>
-                </a:lnTo>
-                <a:lnTo>
-                  <a:pt x="0" y="2057059"/>
-                </a:lnTo>
-                <a:lnTo>
-                  <a:pt x="0" y="0"/>
-                </a:lnTo>
-                <a:close/>
-              </a:path>
-            </a:pathLst>
-          </a:custGeom>
-          <a:ln w="38100">
-            <a:solidFill>
-              <a:srgbClr val="000080"/>
-            </a:solidFill>
-          </a:ln>
-        </p:spPr>
-        <p:txBody>
-          <a:bodyPr wrap="square" lIns="0" tIns="0" rIns="0" bIns="0" rtlCol="0"/>
-          <a:lstStyle/>
-          <a:p>
-            <a:endParaRPr/>
           </a:p>
         </p:txBody>
       </p:sp>
@@ -41248,7 +42829,7 @@
         <p:spPr>
           <a:xfrm>
             <a:off x="2275839" y="351599"/>
-            <a:ext cx="4018279" cy="452120"/>
+            <a:ext cx="4709160" cy="452120"/>
           </a:xfrm>
           <a:prstGeom prst="rect">
             <a:avLst/>
@@ -41270,19 +42851,19 @@
             </a:pPr>
             <a:r>
               <a:rPr dirty="0"/>
-              <a:t>Loop </a:t>
+              <a:t>For Loops and </a:t>
             </a:r>
             <a:r>
               <a:rPr spc="-5" dirty="0"/>
-              <a:t>Logical</a:t>
-            </a:r>
-            <a:r>
-              <a:rPr spc="-55" dirty="0"/>
+              <a:t>While</a:t>
+            </a:r>
+            <a:r>
+              <a:rPr spc="-105" dirty="0"/>
               <a:t> </a:t>
             </a:r>
             <a:r>
-              <a:rPr spc="-5" dirty="0"/>
-              <a:t>Flowchart</a:t>
+              <a:rPr dirty="0"/>
+              <a:t>Loops</a:t>
             </a:r>
           </a:p>
         </p:txBody>
@@ -41295,7 +42876,167 @@
         </p:nvSpPr>
         <p:spPr>
           <a:xfrm>
-            <a:off x="209550" y="2982117"/>
+            <a:off x="3477259" y="1437267"/>
+            <a:ext cx="2506980" cy="299720"/>
+          </a:xfrm>
+          <a:prstGeom prst="rect">
+            <a:avLst/>
+          </a:prstGeom>
+        </p:spPr>
+        <p:txBody>
+          <a:bodyPr vert="horz" wrap="square" lIns="0" tIns="12700" rIns="0" bIns="0" rtlCol="0">
+            <a:spAutoFit/>
+          </a:bodyPr>
+          <a:lstStyle/>
+          <a:p>
+            <a:pPr marL="355600" indent="-342900">
+              <a:lnSpc>
+                <a:spcPct val="100000"/>
+              </a:lnSpc>
+              <a:spcBef>
+                <a:spcPts val="100"/>
+              </a:spcBef>
+              <a:buClr>
+                <a:srgbClr val="99CC00"/>
+              </a:buClr>
+              <a:buSzPct val="150000"/>
+              <a:buChar char="•"/>
+              <a:tabLst>
+                <a:tab pos="354965" algn="l"/>
+                <a:tab pos="355600" algn="l"/>
+              </a:tabLst>
+            </a:pPr>
+            <a:r>
+              <a:rPr sz="1800" dirty="0">
+                <a:solidFill>
+                  <a:srgbClr val="000080"/>
+                </a:solidFill>
+                <a:latin typeface="Arial"/>
+                <a:cs typeface="Arial"/>
+              </a:rPr>
+              <a:t>FOR </a:t>
+            </a:r>
+            <a:r>
+              <a:rPr sz="1800" spc="-5" dirty="0">
+                <a:solidFill>
+                  <a:srgbClr val="000080"/>
+                </a:solidFill>
+                <a:latin typeface="Arial"/>
+                <a:cs typeface="Arial"/>
+              </a:rPr>
+              <a:t>LOOP</a:t>
+            </a:r>
+            <a:r>
+              <a:rPr sz="1800" spc="-100" dirty="0">
+                <a:solidFill>
+                  <a:srgbClr val="000080"/>
+                </a:solidFill>
+                <a:latin typeface="Arial"/>
+                <a:cs typeface="Arial"/>
+              </a:rPr>
+              <a:t> </a:t>
+            </a:r>
+            <a:r>
+              <a:rPr sz="1800" spc="-25" dirty="0">
+                <a:solidFill>
+                  <a:srgbClr val="000080"/>
+                </a:solidFill>
+                <a:latin typeface="Arial"/>
+                <a:cs typeface="Arial"/>
+              </a:rPr>
+              <a:t>SYNTAX</a:t>
+            </a:r>
+            <a:endParaRPr sz="1800">
+              <a:latin typeface="Arial"/>
+              <a:cs typeface="Arial"/>
+            </a:endParaRPr>
+          </a:p>
+        </p:txBody>
+      </p:sp>
+      <p:sp>
+        <p:nvSpPr>
+          <p:cNvPr id="9" name="object 9"/>
+          <p:cNvSpPr txBox="1"/>
+          <p:nvPr/>
+        </p:nvSpPr>
+        <p:spPr>
+          <a:xfrm>
+            <a:off x="3477259" y="4070422"/>
+            <a:ext cx="2747010" cy="299720"/>
+          </a:xfrm>
+          <a:prstGeom prst="rect">
+            <a:avLst/>
+          </a:prstGeom>
+        </p:spPr>
+        <p:txBody>
+          <a:bodyPr vert="horz" wrap="square" lIns="0" tIns="12700" rIns="0" bIns="0" rtlCol="0">
+            <a:spAutoFit/>
+          </a:bodyPr>
+          <a:lstStyle/>
+          <a:p>
+            <a:pPr marL="355600" indent="-342900">
+              <a:lnSpc>
+                <a:spcPct val="100000"/>
+              </a:lnSpc>
+              <a:spcBef>
+                <a:spcPts val="100"/>
+              </a:spcBef>
+              <a:buClr>
+                <a:srgbClr val="99CC00"/>
+              </a:buClr>
+              <a:buSzPct val="150000"/>
+              <a:buChar char="•"/>
+              <a:tabLst>
+                <a:tab pos="354965" algn="l"/>
+                <a:tab pos="355600" algn="l"/>
+              </a:tabLst>
+            </a:pPr>
+            <a:r>
+              <a:rPr sz="1800" spc="-5" dirty="0">
+                <a:solidFill>
+                  <a:srgbClr val="000080"/>
+                </a:solidFill>
+                <a:latin typeface="Arial"/>
+                <a:cs typeface="Arial"/>
+              </a:rPr>
+              <a:t>WHILE LOOP</a:t>
+            </a:r>
+            <a:r>
+              <a:rPr sz="1800" spc="-105" dirty="0">
+                <a:solidFill>
+                  <a:srgbClr val="000080"/>
+                </a:solidFill>
+                <a:latin typeface="Arial"/>
+                <a:cs typeface="Arial"/>
+              </a:rPr>
+              <a:t> </a:t>
+            </a:r>
+            <a:r>
+              <a:rPr sz="1800" spc="-25" dirty="0">
+                <a:solidFill>
+                  <a:srgbClr val="000080"/>
+                </a:solidFill>
+                <a:latin typeface="Arial"/>
+                <a:cs typeface="Arial"/>
+              </a:rPr>
+              <a:t>SYNTAX</a:t>
+            </a:r>
+            <a:endParaRPr sz="1800">
+              <a:latin typeface="Arial"/>
+              <a:cs typeface="Arial"/>
+            </a:endParaRPr>
+          </a:p>
+        </p:txBody>
+      </p:sp>
+      <p:sp>
+        <p:nvSpPr>
+          <p:cNvPr id="10" name="object 10"/>
+          <p:cNvSpPr txBox="1"/>
+          <p:nvPr/>
+        </p:nvSpPr>
+        <p:spPr>
+          <a:xfrm>
+            <a:off x="209550" y="3256437"/>
             <a:ext cx="1024890" cy="391160"/>
           </a:xfrm>
           <a:prstGeom prst="rect">
@@ -41335,14 +43076,14 @@
       </p:sp>
       <p:sp>
         <p:nvSpPr>
-          <p:cNvPr id="9" name="object 9"/>
+          <p:cNvPr id="11" name="object 11"/>
           <p:cNvSpPr/>
           <p:nvPr/>
         </p:nvSpPr>
         <p:spPr>
           <a:xfrm>
-            <a:off x="3429000" y="1648712"/>
-            <a:ext cx="5514566" cy="4676911"/>
+            <a:off x="4630793" y="2095587"/>
+            <a:ext cx="3722122" cy="1577987"/>
           </a:xfrm>
           <a:prstGeom prst="rect">
             <a:avLst/>
@@ -41364,14 +43105,14 @@
       </p:sp>
       <p:sp>
         <p:nvSpPr>
-          <p:cNvPr id="10" name="object 10"/>
+          <p:cNvPr id="12" name="object 12"/>
           <p:cNvSpPr/>
           <p:nvPr/>
         </p:nvSpPr>
         <p:spPr>
           <a:xfrm>
-            <a:off x="6547756" y="5698670"/>
-            <a:ext cx="2041525" cy="662305"/>
+            <a:off x="4551514" y="1919942"/>
+            <a:ext cx="3917315" cy="1917700"/>
           </a:xfrm>
           <a:custGeom>
             <a:avLst/>
@@ -41380,29 +43121,112 @@
             <a:cxnLst/>
             <a:rect l="l" t="t" r="r" b="b"/>
             <a:pathLst>
-              <a:path w="2041525" h="662304">
+              <a:path w="3917315" h="1917700">
                 <a:moveTo>
-                  <a:pt x="0" y="661855"/>
+                  <a:pt x="0" y="0"/>
                 </a:moveTo>
                 <a:lnTo>
-                  <a:pt x="2041071" y="661855"/>
-                </a:lnTo>
-                <a:lnTo>
-                  <a:pt x="2041071" y="0"/>
+                  <a:pt x="3916817" y="0"/>
+                </a:lnTo>
+                <a:lnTo>
+                  <a:pt x="3916817" y="1917230"/>
+                </a:lnTo>
+                <a:lnTo>
+                  <a:pt x="0" y="1917230"/>
                 </a:lnTo>
                 <a:lnTo>
                   <a:pt x="0" y="0"/>
-                </a:lnTo>
-                <a:lnTo>
-                  <a:pt x="0" y="661855"/>
                 </a:lnTo>
                 <a:close/>
               </a:path>
             </a:pathLst>
           </a:custGeom>
-          <a:solidFill>
-            <a:srgbClr val="FFFFFF"/>
-          </a:solidFill>
+          <a:ln w="38100">
+            <a:solidFill>
+              <a:srgbClr val="000080"/>
+            </a:solidFill>
+          </a:ln>
+        </p:spPr>
+        <p:txBody>
+          <a:bodyPr wrap="square" lIns="0" tIns="0" rIns="0" bIns="0" rtlCol="0"/>
+          <a:lstStyle/>
+          <a:p>
+            <a:endParaRPr/>
+          </a:p>
+        </p:txBody>
+      </p:sp>
+      <p:sp>
+        <p:nvSpPr>
+          <p:cNvPr id="13" name="object 13"/>
+          <p:cNvSpPr/>
+          <p:nvPr/>
+        </p:nvSpPr>
+        <p:spPr>
+          <a:xfrm>
+            <a:off x="4635692" y="4740088"/>
+            <a:ext cx="3813589" cy="1838049"/>
+          </a:xfrm>
+          <a:prstGeom prst="rect">
+            <a:avLst/>
+          </a:prstGeom>
+          <a:blipFill>
+            <a:blip r:embed="rId3" cstate="print"/>
+            <a:stretch>
+              <a:fillRect/>
+            </a:stretch>
+          </a:blipFill>
+        </p:spPr>
+        <p:txBody>
+          <a:bodyPr wrap="square" lIns="0" tIns="0" rIns="0" bIns="0" rtlCol="0"/>
+          <a:lstStyle/>
+          <a:p>
+            <a:endParaRPr/>
+          </a:p>
+        </p:txBody>
+      </p:sp>
+      <p:sp>
+        <p:nvSpPr>
+          <p:cNvPr id="14" name="object 14"/>
+          <p:cNvSpPr/>
+          <p:nvPr/>
+        </p:nvSpPr>
+        <p:spPr>
+          <a:xfrm>
+            <a:off x="4551514" y="4692093"/>
+            <a:ext cx="3917315" cy="2057400"/>
+          </a:xfrm>
+          <a:custGeom>
+            <a:avLst/>
+            <a:gdLst/>
+            <a:ahLst/>
+            <a:cxnLst/>
+            <a:rect l="l" t="t" r="r" b="b"/>
+            <a:pathLst>
+              <a:path w="3917315" h="2057400">
+                <a:moveTo>
+                  <a:pt x="0" y="0"/>
+                </a:moveTo>
+                <a:lnTo>
+                  <a:pt x="3916817" y="0"/>
+                </a:lnTo>
+                <a:lnTo>
+                  <a:pt x="3916817" y="2057059"/>
+                </a:lnTo>
+                <a:lnTo>
+                  <a:pt x="0" y="2057059"/>
+                </a:lnTo>
+                <a:lnTo>
+                  <a:pt x="0" y="0"/>
+                </a:lnTo>
+                <a:close/>
+              </a:path>
+            </a:pathLst>
+          </a:custGeom>
+          <a:ln w="38100">
+            <a:solidFill>
+              <a:srgbClr val="000080"/>
+            </a:solidFill>
+          </a:ln>
         </p:spPr>
         <p:txBody>
           <a:bodyPr wrap="square" lIns="0" tIns="0" rIns="0" bIns="0" rtlCol="0"/>
@@ -41742,6 +43566,1134 @@
       <p:sp>
         <p:nvSpPr>
           <p:cNvPr id="3" name="object 3"/>
+          <p:cNvSpPr txBox="1"/>
+          <p:nvPr/>
+        </p:nvSpPr>
+        <p:spPr>
+          <a:xfrm>
+            <a:off x="209550" y="2199830"/>
+            <a:ext cx="553085" cy="269240"/>
+          </a:xfrm>
+          <a:prstGeom prst="rect">
+            <a:avLst/>
+          </a:prstGeom>
+        </p:spPr>
+        <p:txBody>
+          <a:bodyPr vert="horz" wrap="square" lIns="0" tIns="12700" rIns="0" bIns="0" rtlCol="0">
+            <a:spAutoFit/>
+          </a:bodyPr>
+          <a:lstStyle/>
+          <a:p>
+            <a:pPr marL="12700">
+              <a:lnSpc>
+                <a:spcPct val="100000"/>
+              </a:lnSpc>
+              <a:spcBef>
+                <a:spcPts val="100"/>
+              </a:spcBef>
+            </a:pPr>
+            <a:r>
+              <a:rPr sz="1600" b="1" spc="-30" dirty="0">
+                <a:solidFill>
+                  <a:srgbClr val="003399"/>
+                </a:solidFill>
+                <a:latin typeface="Arial"/>
+                <a:cs typeface="Arial"/>
+              </a:rPr>
+              <a:t>W</a:t>
+            </a:r>
+            <a:r>
+              <a:rPr sz="1600" b="1" spc="-5" dirty="0">
+                <a:solidFill>
+                  <a:srgbClr val="003399"/>
+                </a:solidFill>
+                <a:latin typeface="Arial"/>
+                <a:cs typeface="Arial"/>
+              </a:rPr>
+              <a:t>ee</a:t>
+            </a:r>
+            <a:r>
+              <a:rPr sz="1600" b="1" dirty="0">
+                <a:solidFill>
+                  <a:srgbClr val="003399"/>
+                </a:solidFill>
+                <a:latin typeface="Arial"/>
+                <a:cs typeface="Arial"/>
+              </a:rPr>
+              <a:t>k</a:t>
+            </a:r>
+            <a:endParaRPr sz="1600">
+              <a:latin typeface="Arial"/>
+              <a:cs typeface="Arial"/>
+            </a:endParaRPr>
+          </a:p>
+        </p:txBody>
+      </p:sp>
+      <p:sp>
+        <p:nvSpPr>
+          <p:cNvPr id="4" name="object 4"/>
+          <p:cNvSpPr/>
+          <p:nvPr/>
+        </p:nvSpPr>
+        <p:spPr>
+          <a:xfrm>
+            <a:off x="1089660" y="2034539"/>
+            <a:ext cx="609600" cy="609600"/>
+          </a:xfrm>
+          <a:custGeom>
+            <a:avLst/>
+            <a:gdLst/>
+            <a:ahLst/>
+            <a:cxnLst/>
+            <a:rect l="l" t="t" r="r" b="b"/>
+            <a:pathLst>
+              <a:path w="609600" h="609600">
+                <a:moveTo>
+                  <a:pt x="304800" y="0"/>
+                </a:moveTo>
+                <a:lnTo>
+                  <a:pt x="255359" y="3989"/>
+                </a:lnTo>
+                <a:lnTo>
+                  <a:pt x="208459" y="15538"/>
+                </a:lnTo>
+                <a:lnTo>
+                  <a:pt x="164726" y="34021"/>
+                </a:lnTo>
+                <a:lnTo>
+                  <a:pt x="124789" y="58808"/>
+                </a:lnTo>
+                <a:lnTo>
+                  <a:pt x="89273" y="89274"/>
+                </a:lnTo>
+                <a:lnTo>
+                  <a:pt x="58808" y="124789"/>
+                </a:lnTo>
+                <a:lnTo>
+                  <a:pt x="34021" y="164727"/>
+                </a:lnTo>
+                <a:lnTo>
+                  <a:pt x="15538" y="208459"/>
+                </a:lnTo>
+                <a:lnTo>
+                  <a:pt x="3989" y="255359"/>
+                </a:lnTo>
+                <a:lnTo>
+                  <a:pt x="0" y="304800"/>
+                </a:lnTo>
+                <a:lnTo>
+                  <a:pt x="3989" y="354240"/>
+                </a:lnTo>
+                <a:lnTo>
+                  <a:pt x="15538" y="401140"/>
+                </a:lnTo>
+                <a:lnTo>
+                  <a:pt x="34021" y="444872"/>
+                </a:lnTo>
+                <a:lnTo>
+                  <a:pt x="58808" y="484810"/>
+                </a:lnTo>
+                <a:lnTo>
+                  <a:pt x="89273" y="520325"/>
+                </a:lnTo>
+                <a:lnTo>
+                  <a:pt x="124789" y="550791"/>
+                </a:lnTo>
+                <a:lnTo>
+                  <a:pt x="164726" y="575578"/>
+                </a:lnTo>
+                <a:lnTo>
+                  <a:pt x="208459" y="594061"/>
+                </a:lnTo>
+                <a:lnTo>
+                  <a:pt x="255359" y="605610"/>
+                </a:lnTo>
+                <a:lnTo>
+                  <a:pt x="304800" y="609600"/>
+                </a:lnTo>
+                <a:lnTo>
+                  <a:pt x="354240" y="605610"/>
+                </a:lnTo>
+                <a:lnTo>
+                  <a:pt x="401140" y="594061"/>
+                </a:lnTo>
+                <a:lnTo>
+                  <a:pt x="444872" y="575578"/>
+                </a:lnTo>
+                <a:lnTo>
+                  <a:pt x="484810" y="550791"/>
+                </a:lnTo>
+                <a:lnTo>
+                  <a:pt x="520325" y="520325"/>
+                </a:lnTo>
+                <a:lnTo>
+                  <a:pt x="550791" y="484810"/>
+                </a:lnTo>
+                <a:lnTo>
+                  <a:pt x="575578" y="444872"/>
+                </a:lnTo>
+                <a:lnTo>
+                  <a:pt x="594061" y="401140"/>
+                </a:lnTo>
+                <a:lnTo>
+                  <a:pt x="605610" y="354240"/>
+                </a:lnTo>
+                <a:lnTo>
+                  <a:pt x="609600" y="304800"/>
+                </a:lnTo>
+                <a:lnTo>
+                  <a:pt x="605610" y="255359"/>
+                </a:lnTo>
+                <a:lnTo>
+                  <a:pt x="594061" y="208459"/>
+                </a:lnTo>
+                <a:lnTo>
+                  <a:pt x="575578" y="164727"/>
+                </a:lnTo>
+                <a:lnTo>
+                  <a:pt x="550791" y="124789"/>
+                </a:lnTo>
+                <a:lnTo>
+                  <a:pt x="520325" y="89274"/>
+                </a:lnTo>
+                <a:lnTo>
+                  <a:pt x="484810" y="58808"/>
+                </a:lnTo>
+                <a:lnTo>
+                  <a:pt x="444872" y="34021"/>
+                </a:lnTo>
+                <a:lnTo>
+                  <a:pt x="401140" y="15538"/>
+                </a:lnTo>
+                <a:lnTo>
+                  <a:pt x="354240" y="3989"/>
+                </a:lnTo>
+                <a:lnTo>
+                  <a:pt x="304800" y="0"/>
+                </a:lnTo>
+                <a:close/>
+              </a:path>
+            </a:pathLst>
+          </a:custGeom>
+          <a:solidFill>
+            <a:srgbClr val="CCFF66"/>
+          </a:solidFill>
+        </p:spPr>
+        <p:txBody>
+          <a:bodyPr wrap="square" lIns="0" tIns="0" rIns="0" bIns="0" rtlCol="0"/>
+          <a:lstStyle/>
+          <a:p>
+            <a:endParaRPr/>
+          </a:p>
+        </p:txBody>
+      </p:sp>
+      <p:sp>
+        <p:nvSpPr>
+          <p:cNvPr id="5" name="object 5"/>
+          <p:cNvSpPr txBox="1"/>
+          <p:nvPr/>
+        </p:nvSpPr>
+        <p:spPr>
+          <a:xfrm>
+            <a:off x="1278275" y="2120381"/>
+            <a:ext cx="229235" cy="391160"/>
+          </a:xfrm>
+          <a:prstGeom prst="rect">
+            <a:avLst/>
+          </a:prstGeom>
+        </p:spPr>
+        <p:txBody>
+          <a:bodyPr vert="horz" wrap="square" lIns="0" tIns="12700" rIns="0" bIns="0" rtlCol="0">
+            <a:spAutoFit/>
+          </a:bodyPr>
+          <a:lstStyle/>
+          <a:p>
+            <a:pPr marL="12700">
+              <a:lnSpc>
+                <a:spcPct val="100000"/>
+              </a:lnSpc>
+              <a:spcBef>
+                <a:spcPts val="100"/>
+              </a:spcBef>
+            </a:pPr>
+            <a:r>
+              <a:rPr sz="2400" dirty="0">
+                <a:solidFill>
+                  <a:srgbClr val="4E6EC8"/>
+                </a:solidFill>
+                <a:latin typeface="Arial Black"/>
+                <a:cs typeface="Arial Black"/>
+              </a:rPr>
+              <a:t>2</a:t>
+            </a:r>
+            <a:endParaRPr sz="2400">
+              <a:latin typeface="Arial Black"/>
+              <a:cs typeface="Arial Black"/>
+            </a:endParaRPr>
+          </a:p>
+        </p:txBody>
+      </p:sp>
+      <p:sp>
+        <p:nvSpPr>
+          <p:cNvPr id="6" name="object 6"/>
+          <p:cNvSpPr/>
+          <p:nvPr/>
+        </p:nvSpPr>
+        <p:spPr>
+          <a:xfrm>
+            <a:off x="2197100" y="327024"/>
+            <a:ext cx="6946900" cy="1017905"/>
+          </a:xfrm>
+          <a:custGeom>
+            <a:avLst/>
+            <a:gdLst/>
+            <a:ahLst/>
+            <a:cxnLst/>
+            <a:rect l="l" t="t" r="r" b="b"/>
+            <a:pathLst>
+              <a:path w="6946900" h="1017905">
+                <a:moveTo>
+                  <a:pt x="0" y="1017588"/>
+                </a:moveTo>
+                <a:lnTo>
+                  <a:pt x="6946900" y="1017588"/>
+                </a:lnTo>
+                <a:lnTo>
+                  <a:pt x="6946900" y="0"/>
+                </a:lnTo>
+                <a:lnTo>
+                  <a:pt x="0" y="0"/>
+                </a:lnTo>
+                <a:lnTo>
+                  <a:pt x="0" y="1017588"/>
+                </a:lnTo>
+                <a:close/>
+              </a:path>
+            </a:pathLst>
+          </a:custGeom>
+          <a:solidFill>
+            <a:srgbClr val="000080"/>
+          </a:solidFill>
+        </p:spPr>
+        <p:txBody>
+          <a:bodyPr wrap="square" lIns="0" tIns="0" rIns="0" bIns="0" rtlCol="0"/>
+          <a:lstStyle/>
+          <a:p>
+            <a:endParaRPr/>
+          </a:p>
+        </p:txBody>
+      </p:sp>
+      <p:sp>
+        <p:nvSpPr>
+          <p:cNvPr id="7" name="object 7"/>
+          <p:cNvSpPr txBox="1">
+            <a:spLocks noGrp="1"/>
+          </p:cNvSpPr>
+          <p:nvPr>
+            <p:ph type="title"/>
+          </p:nvPr>
+        </p:nvSpPr>
+        <p:spPr>
+          <a:xfrm>
+            <a:off x="2275839" y="351599"/>
+            <a:ext cx="4018279" cy="452120"/>
+          </a:xfrm>
+          <a:prstGeom prst="rect">
+            <a:avLst/>
+          </a:prstGeom>
+        </p:spPr>
+        <p:txBody>
+          <a:bodyPr vert="horz" wrap="square" lIns="0" tIns="12700" rIns="0" bIns="0" rtlCol="0">
+            <a:spAutoFit/>
+          </a:bodyPr>
+          <a:lstStyle/>
+          <a:p>
+            <a:pPr marL="12700">
+              <a:lnSpc>
+                <a:spcPct val="100000"/>
+              </a:lnSpc>
+              <a:spcBef>
+                <a:spcPts val="100"/>
+              </a:spcBef>
+            </a:pPr>
+            <a:r>
+              <a:rPr dirty="0"/>
+              <a:t>Loop </a:t>
+            </a:r>
+            <a:r>
+              <a:rPr spc="-5" dirty="0"/>
+              <a:t>Logical</a:t>
+            </a:r>
+            <a:r>
+              <a:rPr spc="-55" dirty="0"/>
+              <a:t> </a:t>
+            </a:r>
+            <a:r>
+              <a:rPr spc="-5" dirty="0"/>
+              <a:t>Flowchart</a:t>
+            </a:r>
+          </a:p>
+        </p:txBody>
+      </p:sp>
+      <p:sp>
+        <p:nvSpPr>
+          <p:cNvPr id="8" name="object 8"/>
+          <p:cNvSpPr txBox="1"/>
+          <p:nvPr/>
+        </p:nvSpPr>
+        <p:spPr>
+          <a:xfrm>
+            <a:off x="209550" y="2982117"/>
+            <a:ext cx="1024890" cy="391160"/>
+          </a:xfrm>
+          <a:prstGeom prst="rect">
+            <a:avLst/>
+          </a:prstGeom>
+        </p:spPr>
+        <p:txBody>
+          <a:bodyPr vert="horz" wrap="square" lIns="0" tIns="12700" rIns="0" bIns="0" rtlCol="0">
+            <a:spAutoFit/>
+          </a:bodyPr>
+          <a:lstStyle/>
+          <a:p>
+            <a:pPr marL="12700">
+              <a:lnSpc>
+                <a:spcPct val="100000"/>
+              </a:lnSpc>
+              <a:spcBef>
+                <a:spcPts val="100"/>
+              </a:spcBef>
+            </a:pPr>
+            <a:r>
+              <a:rPr sz="2400" spc="-5" dirty="0">
+                <a:solidFill>
+                  <a:srgbClr val="003399"/>
+                </a:solidFill>
+                <a:latin typeface="Arial Black"/>
+                <a:cs typeface="Arial Black"/>
+              </a:rPr>
+              <a:t>Loops</a:t>
+            </a:r>
+            <a:endParaRPr sz="2400">
+              <a:latin typeface="Arial Black"/>
+              <a:cs typeface="Arial Black"/>
+            </a:endParaRPr>
+          </a:p>
+        </p:txBody>
+      </p:sp>
+      <p:sp>
+        <p:nvSpPr>
+          <p:cNvPr id="9" name="object 9"/>
+          <p:cNvSpPr/>
+          <p:nvPr/>
+        </p:nvSpPr>
+        <p:spPr>
+          <a:xfrm>
+            <a:off x="3429000" y="1648712"/>
+            <a:ext cx="5514566" cy="4676911"/>
+          </a:xfrm>
+          <a:prstGeom prst="rect">
+            <a:avLst/>
+          </a:prstGeom>
+          <a:blipFill>
+            <a:blip r:embed="rId2" cstate="print"/>
+            <a:stretch>
+              <a:fillRect/>
+            </a:stretch>
+          </a:blipFill>
+        </p:spPr>
+        <p:txBody>
+          <a:bodyPr wrap="square" lIns="0" tIns="0" rIns="0" bIns="0" rtlCol="0"/>
+          <a:lstStyle/>
+          <a:p>
+            <a:endParaRPr dirty="0"/>
+          </a:p>
+        </p:txBody>
+      </p:sp>
+      <p:sp>
+        <p:nvSpPr>
+          <p:cNvPr id="10" name="object 10"/>
+          <p:cNvSpPr/>
+          <p:nvPr/>
+        </p:nvSpPr>
+        <p:spPr>
+          <a:xfrm>
+            <a:off x="6547756" y="5698670"/>
+            <a:ext cx="2041525" cy="662305"/>
+          </a:xfrm>
+          <a:custGeom>
+            <a:avLst/>
+            <a:gdLst/>
+            <a:ahLst/>
+            <a:cxnLst/>
+            <a:rect l="l" t="t" r="r" b="b"/>
+            <a:pathLst>
+              <a:path w="2041525" h="662304">
+                <a:moveTo>
+                  <a:pt x="0" y="661855"/>
+                </a:moveTo>
+                <a:lnTo>
+                  <a:pt x="2041071" y="661855"/>
+                </a:lnTo>
+                <a:lnTo>
+                  <a:pt x="2041071" y="0"/>
+                </a:lnTo>
+                <a:lnTo>
+                  <a:pt x="0" y="0"/>
+                </a:lnTo>
+                <a:lnTo>
+                  <a:pt x="0" y="661855"/>
+                </a:lnTo>
+                <a:close/>
+              </a:path>
+            </a:pathLst>
+          </a:custGeom>
+          <a:solidFill>
+            <a:srgbClr val="FFFFFF"/>
+          </a:solidFill>
+        </p:spPr>
+        <p:txBody>
+          <a:bodyPr wrap="square" lIns="0" tIns="0" rIns="0" bIns="0" rtlCol="0"/>
+          <a:lstStyle/>
+          <a:p>
+            <a:endParaRPr/>
+          </a:p>
+        </p:txBody>
+      </p:sp>
+      <p:sp>
+        <p:nvSpPr>
+          <p:cNvPr id="11" name="TextBox 10">
+            <a:extLst>
+              <a:ext uri="{FF2B5EF4-FFF2-40B4-BE49-F238E27FC236}">
+                <a16:creationId xmlns:a16="http://schemas.microsoft.com/office/drawing/2014/main" id="{F2F60A48-4084-DA4D-9B13-2584751397ED}"/>
+              </a:ext>
+            </a:extLst>
+          </p:cNvPr>
+          <p:cNvSpPr txBox="1"/>
+          <p:nvPr/>
+        </p:nvSpPr>
+        <p:spPr>
+          <a:xfrm>
+            <a:off x="5440533" y="1794669"/>
+            <a:ext cx="1719125" cy="369332"/>
+          </a:xfrm>
+          <a:prstGeom prst="rect">
+            <a:avLst/>
+          </a:prstGeom>
+          <a:noFill/>
+        </p:spPr>
+        <p:txBody>
+          <a:bodyPr wrap="none" rtlCol="0">
+            <a:spAutoFit/>
+          </a:bodyPr>
+          <a:lstStyle/>
+          <a:p>
+            <a:r>
+              <a:rPr lang="en-US" dirty="0">
+                <a:solidFill>
+                  <a:srgbClr val="C00000"/>
+                </a:solidFill>
+              </a:rPr>
+              <a:t>0. Starting with </a:t>
+            </a:r>
+            <a:r>
+              <a:rPr lang="en-US" dirty="0" err="1">
+                <a:solidFill>
+                  <a:srgbClr val="C00000"/>
+                </a:solidFill>
+              </a:rPr>
+              <a:t>i</a:t>
+            </a:r>
+            <a:endParaRPr lang="en-US" dirty="0">
+              <a:solidFill>
+                <a:srgbClr val="C00000"/>
+              </a:solidFill>
+            </a:endParaRPr>
+          </a:p>
+        </p:txBody>
+      </p:sp>
+      <p:sp>
+        <p:nvSpPr>
+          <p:cNvPr id="12" name="TextBox 11">
+            <a:extLst>
+              <a:ext uri="{FF2B5EF4-FFF2-40B4-BE49-F238E27FC236}">
+                <a16:creationId xmlns:a16="http://schemas.microsoft.com/office/drawing/2014/main" id="{3F4DE165-355C-2D48-9275-09A21E11AA11}"/>
+              </a:ext>
+            </a:extLst>
+          </p:cNvPr>
+          <p:cNvSpPr txBox="1"/>
+          <p:nvPr/>
+        </p:nvSpPr>
+        <p:spPr>
+          <a:xfrm>
+            <a:off x="5704865" y="4338388"/>
+            <a:ext cx="1221809" cy="646331"/>
+          </a:xfrm>
+          <a:prstGeom prst="rect">
+            <a:avLst/>
+          </a:prstGeom>
+          <a:noFill/>
+        </p:spPr>
+        <p:txBody>
+          <a:bodyPr wrap="none" rtlCol="0">
+            <a:spAutoFit/>
+          </a:bodyPr>
+          <a:lstStyle/>
+          <a:p>
+            <a:r>
+              <a:rPr lang="en-US" dirty="0">
+                <a:solidFill>
+                  <a:srgbClr val="C00000"/>
+                </a:solidFill>
+              </a:rPr>
+              <a:t>2. Do this!!</a:t>
+            </a:r>
+          </a:p>
+          <a:p>
+            <a:endParaRPr lang="en-US" dirty="0">
+              <a:solidFill>
+                <a:srgbClr val="C00000"/>
+              </a:solidFill>
+            </a:endParaRPr>
+          </a:p>
+        </p:txBody>
+      </p:sp>
+      <p:sp>
+        <p:nvSpPr>
+          <p:cNvPr id="13" name="TextBox 12">
+            <a:extLst>
+              <a:ext uri="{FF2B5EF4-FFF2-40B4-BE49-F238E27FC236}">
+                <a16:creationId xmlns:a16="http://schemas.microsoft.com/office/drawing/2014/main" id="{0CCD2CBD-3E7A-5F4F-B900-01CAD5A2485D}"/>
+              </a:ext>
+            </a:extLst>
+          </p:cNvPr>
+          <p:cNvSpPr txBox="1"/>
+          <p:nvPr/>
+        </p:nvSpPr>
+        <p:spPr>
+          <a:xfrm>
+            <a:off x="5284294" y="2726946"/>
+            <a:ext cx="1317348" cy="646331"/>
+          </a:xfrm>
+          <a:prstGeom prst="rect">
+            <a:avLst/>
+          </a:prstGeom>
+          <a:noFill/>
+        </p:spPr>
+        <p:txBody>
+          <a:bodyPr wrap="none" rtlCol="0">
+            <a:spAutoFit/>
+          </a:bodyPr>
+          <a:lstStyle/>
+          <a:p>
+            <a:r>
+              <a:rPr lang="en-US" dirty="0">
+                <a:solidFill>
+                  <a:srgbClr val="C00000"/>
+                </a:solidFill>
+              </a:rPr>
+              <a:t>3. Add X to </a:t>
+            </a:r>
+            <a:r>
+              <a:rPr lang="en-US" dirty="0" err="1">
+                <a:solidFill>
+                  <a:srgbClr val="C00000"/>
+                </a:solidFill>
+              </a:rPr>
+              <a:t>i</a:t>
+            </a:r>
+            <a:endParaRPr lang="en-US" dirty="0">
+              <a:solidFill>
+                <a:srgbClr val="C00000"/>
+              </a:solidFill>
+            </a:endParaRPr>
+          </a:p>
+          <a:p>
+            <a:endParaRPr lang="en-US" dirty="0">
+              <a:solidFill>
+                <a:srgbClr val="C00000"/>
+              </a:solidFill>
+            </a:endParaRPr>
+          </a:p>
+        </p:txBody>
+      </p:sp>
+      <p:sp>
+        <p:nvSpPr>
+          <p:cNvPr id="16" name="TextBox 15">
+            <a:extLst>
+              <a:ext uri="{FF2B5EF4-FFF2-40B4-BE49-F238E27FC236}">
+                <a16:creationId xmlns:a16="http://schemas.microsoft.com/office/drawing/2014/main" id="{0C915547-0B92-1C4A-8A9B-B6C9E397A8C4}"/>
+              </a:ext>
+            </a:extLst>
+          </p:cNvPr>
+          <p:cNvSpPr txBox="1"/>
+          <p:nvPr/>
+        </p:nvSpPr>
+        <p:spPr>
+          <a:xfrm>
+            <a:off x="1955955" y="2982117"/>
+            <a:ext cx="2016449" cy="1200329"/>
+          </a:xfrm>
+          <a:prstGeom prst="rect">
+            <a:avLst/>
+          </a:prstGeom>
+          <a:noFill/>
+        </p:spPr>
+        <p:txBody>
+          <a:bodyPr wrap="none" rtlCol="0">
+            <a:spAutoFit/>
+          </a:bodyPr>
+          <a:lstStyle/>
+          <a:p>
+            <a:r>
+              <a:rPr lang="en-US" dirty="0">
+                <a:solidFill>
+                  <a:srgbClr val="C00000"/>
+                </a:solidFill>
+              </a:rPr>
+              <a:t>1. Check </a:t>
+            </a:r>
+            <a:r>
+              <a:rPr lang="en-US" b="1" dirty="0">
+                <a:solidFill>
+                  <a:srgbClr val="C00000"/>
+                </a:solidFill>
+              </a:rPr>
+              <a:t>if</a:t>
+            </a:r>
+            <a:r>
+              <a:rPr lang="en-US" dirty="0">
+                <a:solidFill>
+                  <a:srgbClr val="C00000"/>
+                </a:solidFill>
+              </a:rPr>
+              <a:t> binary </a:t>
+            </a:r>
+          </a:p>
+          <a:p>
+            <a:r>
+              <a:rPr lang="en-US" dirty="0">
+                <a:solidFill>
+                  <a:srgbClr val="C00000"/>
+                </a:solidFill>
+              </a:rPr>
+              <a:t>condition is TRUE</a:t>
+            </a:r>
+          </a:p>
+          <a:p>
+            <a:r>
+              <a:rPr lang="en-US" dirty="0">
+                <a:solidFill>
+                  <a:srgbClr val="C00000"/>
+                </a:solidFill>
+              </a:rPr>
+              <a:t>(or do </a:t>
+            </a:r>
+            <a:r>
+              <a:rPr lang="en-US" b="1" dirty="0">
+                <a:solidFill>
+                  <a:srgbClr val="C00000"/>
+                </a:solidFill>
+              </a:rPr>
+              <a:t>while</a:t>
+            </a:r>
+            <a:r>
+              <a:rPr lang="en-US" dirty="0">
+                <a:solidFill>
+                  <a:srgbClr val="C00000"/>
+                </a:solidFill>
+              </a:rPr>
+              <a:t> Binary </a:t>
+            </a:r>
+          </a:p>
+          <a:p>
+            <a:r>
+              <a:rPr lang="en-US" dirty="0">
+                <a:solidFill>
+                  <a:srgbClr val="C00000"/>
+                </a:solidFill>
+              </a:rPr>
+              <a:t>condition is TRUE</a:t>
+            </a:r>
+          </a:p>
+        </p:txBody>
+      </p:sp>
+      <p:sp>
+        <p:nvSpPr>
+          <p:cNvPr id="17" name="TextBox 16">
+            <a:extLst>
+              <a:ext uri="{FF2B5EF4-FFF2-40B4-BE49-F238E27FC236}">
+                <a16:creationId xmlns:a16="http://schemas.microsoft.com/office/drawing/2014/main" id="{48523872-99C8-1048-8BAB-C7AF9D1C16FB}"/>
+              </a:ext>
+            </a:extLst>
+          </p:cNvPr>
+          <p:cNvSpPr txBox="1"/>
+          <p:nvPr/>
+        </p:nvSpPr>
+        <p:spPr>
+          <a:xfrm>
+            <a:off x="4829628" y="5181600"/>
+            <a:ext cx="816249" cy="646331"/>
+          </a:xfrm>
+          <a:prstGeom prst="rect">
+            <a:avLst/>
+          </a:prstGeom>
+          <a:noFill/>
+        </p:spPr>
+        <p:txBody>
+          <a:bodyPr wrap="none" rtlCol="0">
+            <a:spAutoFit/>
+          </a:bodyPr>
+          <a:lstStyle/>
+          <a:p>
+            <a:r>
+              <a:rPr lang="en-US" dirty="0">
+                <a:solidFill>
+                  <a:srgbClr val="C00000"/>
+                </a:solidFill>
+              </a:rPr>
+              <a:t>2. END</a:t>
+            </a:r>
+          </a:p>
+          <a:p>
+            <a:endParaRPr lang="en-US" dirty="0">
+              <a:solidFill>
+                <a:srgbClr val="C00000"/>
+              </a:solidFill>
+            </a:endParaRPr>
+          </a:p>
+        </p:txBody>
+      </p:sp>
+    </p:spTree>
+  </p:cSld>
+  <p:clrMapOvr>
+    <a:masterClrMapping/>
+  </p:clrMapOvr>
+</p:sld>
+</file>
+
+<file path=ppt/slides/slide44.xml><?xml version="1.0" encoding="utf-8"?>
+<p:sld xmlns:a="http://schemas.openxmlformats.org/drawingml/2006/main" xmlns:r="http://schemas.openxmlformats.org/officeDocument/2006/relationships" xmlns:p="http://schemas.openxmlformats.org/presentationml/2006/main">
+  <p:cSld>
+    <p:spTree>
+      <p:nvGrpSpPr>
+        <p:cNvPr id="1" name=""/>
+        <p:cNvGrpSpPr/>
+        <p:nvPr/>
+      </p:nvGrpSpPr>
+      <p:grpSpPr>
+        <a:xfrm>
+          <a:off x="0" y="0"/>
+          <a:ext cx="0" cy="0"/>
+          <a:chOff x="0" y="0"/>
+          <a:chExt cx="0" cy="0"/>
+        </a:xfrm>
+      </p:grpSpPr>
+      <p:sp>
+        <p:nvSpPr>
+          <p:cNvPr id="2" name="object 2"/>
+          <p:cNvSpPr/>
+          <p:nvPr/>
+        </p:nvSpPr>
+        <p:spPr>
+          <a:xfrm>
+            <a:off x="250825" y="188912"/>
+            <a:ext cx="1295400" cy="1295400"/>
+          </a:xfrm>
+          <a:custGeom>
+            <a:avLst/>
+            <a:gdLst/>
+            <a:ahLst/>
+            <a:cxnLst/>
+            <a:rect l="l" t="t" r="r" b="b"/>
+            <a:pathLst>
+              <a:path w="1295400" h="1295400">
+                <a:moveTo>
+                  <a:pt x="647700" y="0"/>
+                </a:moveTo>
+                <a:lnTo>
+                  <a:pt x="599361" y="1776"/>
+                </a:lnTo>
+                <a:lnTo>
+                  <a:pt x="551987" y="7022"/>
+                </a:lnTo>
+                <a:lnTo>
+                  <a:pt x="505704" y="15613"/>
+                </a:lnTo>
+                <a:lnTo>
+                  <a:pt x="460635" y="27423"/>
+                </a:lnTo>
+                <a:lnTo>
+                  <a:pt x="416907" y="42326"/>
+                </a:lnTo>
+                <a:lnTo>
+                  <a:pt x="374646" y="60198"/>
+                </a:lnTo>
+                <a:lnTo>
+                  <a:pt x="333975" y="80914"/>
+                </a:lnTo>
+                <a:lnTo>
+                  <a:pt x="295020" y="104348"/>
+                </a:lnTo>
+                <a:lnTo>
+                  <a:pt x="257907" y="130375"/>
+                </a:lnTo>
+                <a:lnTo>
+                  <a:pt x="222761" y="158869"/>
+                </a:lnTo>
+                <a:lnTo>
+                  <a:pt x="189706" y="189707"/>
+                </a:lnTo>
+                <a:lnTo>
+                  <a:pt x="158869" y="222761"/>
+                </a:lnTo>
+                <a:lnTo>
+                  <a:pt x="130375" y="257907"/>
+                </a:lnTo>
+                <a:lnTo>
+                  <a:pt x="104348" y="295020"/>
+                </a:lnTo>
+                <a:lnTo>
+                  <a:pt x="80914" y="333975"/>
+                </a:lnTo>
+                <a:lnTo>
+                  <a:pt x="60198" y="374646"/>
+                </a:lnTo>
+                <a:lnTo>
+                  <a:pt x="42326" y="416908"/>
+                </a:lnTo>
+                <a:lnTo>
+                  <a:pt x="27422" y="460635"/>
+                </a:lnTo>
+                <a:lnTo>
+                  <a:pt x="15613" y="505704"/>
+                </a:lnTo>
+                <a:lnTo>
+                  <a:pt x="7022" y="551987"/>
+                </a:lnTo>
+                <a:lnTo>
+                  <a:pt x="1776" y="599361"/>
+                </a:lnTo>
+                <a:lnTo>
+                  <a:pt x="0" y="647700"/>
+                </a:lnTo>
+                <a:lnTo>
+                  <a:pt x="1776" y="696038"/>
+                </a:lnTo>
+                <a:lnTo>
+                  <a:pt x="7022" y="743412"/>
+                </a:lnTo>
+                <a:lnTo>
+                  <a:pt x="15613" y="789696"/>
+                </a:lnTo>
+                <a:lnTo>
+                  <a:pt x="27422" y="834764"/>
+                </a:lnTo>
+                <a:lnTo>
+                  <a:pt x="42326" y="878492"/>
+                </a:lnTo>
+                <a:lnTo>
+                  <a:pt x="60198" y="920754"/>
+                </a:lnTo>
+                <a:lnTo>
+                  <a:pt x="80914" y="961425"/>
+                </a:lnTo>
+                <a:lnTo>
+                  <a:pt x="104348" y="1000379"/>
+                </a:lnTo>
+                <a:lnTo>
+                  <a:pt x="130375" y="1037492"/>
+                </a:lnTo>
+                <a:lnTo>
+                  <a:pt x="158869" y="1072639"/>
+                </a:lnTo>
+                <a:lnTo>
+                  <a:pt x="189706" y="1105693"/>
+                </a:lnTo>
+                <a:lnTo>
+                  <a:pt x="222761" y="1136530"/>
+                </a:lnTo>
+                <a:lnTo>
+                  <a:pt x="257907" y="1165024"/>
+                </a:lnTo>
+                <a:lnTo>
+                  <a:pt x="295020" y="1191051"/>
+                </a:lnTo>
+                <a:lnTo>
+                  <a:pt x="333975" y="1214485"/>
+                </a:lnTo>
+                <a:lnTo>
+                  <a:pt x="374646" y="1235201"/>
+                </a:lnTo>
+                <a:lnTo>
+                  <a:pt x="416907" y="1253073"/>
+                </a:lnTo>
+                <a:lnTo>
+                  <a:pt x="460635" y="1267977"/>
+                </a:lnTo>
+                <a:lnTo>
+                  <a:pt x="505704" y="1279786"/>
+                </a:lnTo>
+                <a:lnTo>
+                  <a:pt x="551987" y="1288377"/>
+                </a:lnTo>
+                <a:lnTo>
+                  <a:pt x="599361" y="1293623"/>
+                </a:lnTo>
+                <a:lnTo>
+                  <a:pt x="647700" y="1295400"/>
+                </a:lnTo>
+                <a:lnTo>
+                  <a:pt x="696038" y="1293623"/>
+                </a:lnTo>
+                <a:lnTo>
+                  <a:pt x="743412" y="1288377"/>
+                </a:lnTo>
+                <a:lnTo>
+                  <a:pt x="789695" y="1279786"/>
+                </a:lnTo>
+                <a:lnTo>
+                  <a:pt x="834764" y="1267977"/>
+                </a:lnTo>
+                <a:lnTo>
+                  <a:pt x="878492" y="1253073"/>
+                </a:lnTo>
+                <a:lnTo>
+                  <a:pt x="920753" y="1235201"/>
+                </a:lnTo>
+                <a:lnTo>
+                  <a:pt x="961424" y="1214485"/>
+                </a:lnTo>
+                <a:lnTo>
+                  <a:pt x="1000379" y="1191051"/>
+                </a:lnTo>
+                <a:lnTo>
+                  <a:pt x="1037492" y="1165024"/>
+                </a:lnTo>
+                <a:lnTo>
+                  <a:pt x="1072638" y="1136530"/>
+                </a:lnTo>
+                <a:lnTo>
+                  <a:pt x="1105693" y="1105693"/>
+                </a:lnTo>
+                <a:lnTo>
+                  <a:pt x="1136530" y="1072639"/>
+                </a:lnTo>
+                <a:lnTo>
+                  <a:pt x="1165024" y="1037492"/>
+                </a:lnTo>
+                <a:lnTo>
+                  <a:pt x="1191051" y="1000379"/>
+                </a:lnTo>
+                <a:lnTo>
+                  <a:pt x="1214485" y="961425"/>
+                </a:lnTo>
+                <a:lnTo>
+                  <a:pt x="1235201" y="920754"/>
+                </a:lnTo>
+                <a:lnTo>
+                  <a:pt x="1253073" y="878492"/>
+                </a:lnTo>
+                <a:lnTo>
+                  <a:pt x="1267977" y="834764"/>
+                </a:lnTo>
+                <a:lnTo>
+                  <a:pt x="1279786" y="789696"/>
+                </a:lnTo>
+                <a:lnTo>
+                  <a:pt x="1288377" y="743412"/>
+                </a:lnTo>
+                <a:lnTo>
+                  <a:pt x="1293623" y="696038"/>
+                </a:lnTo>
+                <a:lnTo>
+                  <a:pt x="1295400" y="647700"/>
+                </a:lnTo>
+                <a:lnTo>
+                  <a:pt x="1293623" y="599361"/>
+                </a:lnTo>
+                <a:lnTo>
+                  <a:pt x="1288377" y="551987"/>
+                </a:lnTo>
+                <a:lnTo>
+                  <a:pt x="1279786" y="505704"/>
+                </a:lnTo>
+                <a:lnTo>
+                  <a:pt x="1267977" y="460635"/>
+                </a:lnTo>
+                <a:lnTo>
+                  <a:pt x="1253073" y="416908"/>
+                </a:lnTo>
+                <a:lnTo>
+                  <a:pt x="1235201" y="374646"/>
+                </a:lnTo>
+                <a:lnTo>
+                  <a:pt x="1214485" y="333975"/>
+                </a:lnTo>
+                <a:lnTo>
+                  <a:pt x="1191051" y="295020"/>
+                </a:lnTo>
+                <a:lnTo>
+                  <a:pt x="1165024" y="257907"/>
+                </a:lnTo>
+                <a:lnTo>
+                  <a:pt x="1136530" y="222761"/>
+                </a:lnTo>
+                <a:lnTo>
+                  <a:pt x="1105693" y="189707"/>
+                </a:lnTo>
+                <a:lnTo>
+                  <a:pt x="1072638" y="158869"/>
+                </a:lnTo>
+                <a:lnTo>
+                  <a:pt x="1037492" y="130375"/>
+                </a:lnTo>
+                <a:lnTo>
+                  <a:pt x="1000379" y="104348"/>
+                </a:lnTo>
+                <a:lnTo>
+                  <a:pt x="961424" y="80914"/>
+                </a:lnTo>
+                <a:lnTo>
+                  <a:pt x="920753" y="60198"/>
+                </a:lnTo>
+                <a:lnTo>
+                  <a:pt x="878492" y="42326"/>
+                </a:lnTo>
+                <a:lnTo>
+                  <a:pt x="834764" y="27423"/>
+                </a:lnTo>
+                <a:lnTo>
+                  <a:pt x="789695" y="15613"/>
+                </a:lnTo>
+                <a:lnTo>
+                  <a:pt x="743412" y="7022"/>
+                </a:lnTo>
+                <a:lnTo>
+                  <a:pt x="696038" y="1776"/>
+                </a:lnTo>
+                <a:lnTo>
+                  <a:pt x="647700" y="0"/>
+                </a:lnTo>
+                <a:close/>
+              </a:path>
+            </a:pathLst>
+          </a:custGeom>
+          <a:solidFill>
+            <a:srgbClr val="000080"/>
+          </a:solidFill>
+        </p:spPr>
+        <p:txBody>
+          <a:bodyPr wrap="square" lIns="0" tIns="0" rIns="0" bIns="0" rtlCol="0"/>
+          <a:lstStyle/>
+          <a:p>
+            <a:endParaRPr/>
+          </a:p>
+        </p:txBody>
+      </p:sp>
+      <p:sp>
+        <p:nvSpPr>
+          <p:cNvPr id="3" name="object 3"/>
           <p:cNvSpPr/>
           <p:nvPr/>
         </p:nvSpPr>
@@ -42412,7 +45364,7 @@
         <p:spPr>
           <a:xfrm>
             <a:off x="3834310" y="3878917"/>
-            <a:ext cx="5161915" cy="2581910"/>
+            <a:ext cx="5161915" cy="2383153"/>
           </a:xfrm>
           <a:prstGeom prst="rect">
             <a:avLst/>
@@ -42467,7 +45419,7 @@
               </a:rPr>
               <a:t>print</a:t>
             </a:r>
-            <a:endParaRPr sz="1400">
+            <a:endParaRPr sz="1400" dirty="0">
               <a:latin typeface="Arial"/>
               <a:cs typeface="Arial"/>
             </a:endParaRPr>
@@ -42488,7 +45440,7 @@
               </a:rPr>
               <a:t>statements</a:t>
             </a:r>
-            <a:endParaRPr sz="1400">
+            <a:endParaRPr sz="1400" dirty="0">
               <a:latin typeface="Arial"/>
               <a:cs typeface="Arial"/>
             </a:endParaRPr>
@@ -42528,7 +45480,47 @@
                 <a:latin typeface="Arial"/>
                 <a:cs typeface="Arial"/>
               </a:rPr>
-              <a:t>and reading, for and while loops </a:t>
+              <a:t>and reading, </a:t>
+            </a:r>
+            <a:r>
+              <a:rPr sz="1400" b="1" i="1" spc="-5" dirty="0">
+                <a:solidFill>
+                  <a:srgbClr val="003399"/>
+                </a:solidFill>
+                <a:latin typeface="Arial"/>
+                <a:cs typeface="Arial"/>
+              </a:rPr>
+              <a:t>for</a:t>
+            </a:r>
+            <a:r>
+              <a:rPr sz="1400" spc="-5" dirty="0">
+                <a:solidFill>
+                  <a:srgbClr val="003399"/>
+                </a:solidFill>
+                <a:latin typeface="Arial"/>
+                <a:cs typeface="Arial"/>
+              </a:rPr>
+              <a:t> and </a:t>
+            </a:r>
+            <a:r>
+              <a:rPr sz="1400" b="1" i="1" spc="-5" dirty="0">
+                <a:solidFill>
+                  <a:srgbClr val="003399"/>
+                </a:solidFill>
+                <a:latin typeface="Arial"/>
+                <a:cs typeface="Arial"/>
+              </a:rPr>
+              <a:t>while</a:t>
+            </a:r>
+            <a:r>
+              <a:rPr sz="1400" spc="-5" dirty="0">
+                <a:solidFill>
+                  <a:srgbClr val="003399"/>
+                </a:solidFill>
+                <a:latin typeface="Arial"/>
+                <a:cs typeface="Arial"/>
+              </a:rPr>
+              <a:t> loops </a:t>
             </a:r>
             <a:r>
               <a:rPr sz="1400" dirty="0">
@@ -42550,7 +45542,7 @@
               </a:rPr>
               <a:t>your program and  others</a:t>
             </a:r>
-            <a:endParaRPr sz="1400">
+            <a:endParaRPr sz="1400" dirty="0">
               <a:latin typeface="Arial"/>
               <a:cs typeface="Arial"/>
             </a:endParaRPr>
@@ -42622,7 +45614,7 @@
               </a:rPr>
               <a:t>complicated)</a:t>
             </a:r>
-            <a:endParaRPr sz="1400">
+            <a:endParaRPr sz="1400" dirty="0">
               <a:latin typeface="Arial"/>
               <a:cs typeface="Arial"/>
             </a:endParaRPr>
@@ -42636,7 +45628,7 @@
                 <a:spcPts val="35"/>
               </a:spcBef>
             </a:pPr>
-            <a:endParaRPr sz="1750">
+            <a:endParaRPr sz="1750" dirty="0">
               <a:latin typeface="Times New Roman"/>
               <a:cs typeface="Times New Roman"/>
             </a:endParaRPr>
@@ -42767,7 +45759,7 @@
               </a:rPr>
               <a:t>hours!</a:t>
             </a:r>
-            <a:endParaRPr sz="1800">
+            <a:endParaRPr sz="1800" dirty="0">
               <a:latin typeface="Arial"/>
               <a:cs typeface="Arial"/>
             </a:endParaRPr>
@@ -43906,7 +46898,7 @@
                 <a:latin typeface="Arial"/>
                 <a:cs typeface="Arial"/>
               </a:rPr>
-              <a:t> type of</a:t>
+              <a:t> types of</a:t>
             </a:r>
             <a:r>
               <a:rPr sz="1800" b="1" dirty="0">
@@ -46766,7 +49758,7 @@
         <p:spPr>
           <a:xfrm>
             <a:off x="3477259" y="1532442"/>
-            <a:ext cx="764540" cy="452120"/>
+            <a:ext cx="764540" cy="443711"/>
           </a:xfrm>
           <a:prstGeom prst="rect">
             <a:avLst/>
@@ -46824,7 +49816,7 @@
               </a:rPr>
               <a:t>t</a:t>
             </a:r>
-            <a:endParaRPr sz="2800">
+            <a:endParaRPr sz="2800" dirty="0">
               <a:latin typeface="Arial"/>
               <a:cs typeface="Arial"/>
             </a:endParaRPr>
@@ -47209,7 +50201,7 @@
               </a:tabLst>
             </a:pPr>
             <a:r>
-              <a:rPr sz="2400" b="1" spc="-5" dirty="0">
+              <a:rPr sz="2400" spc="-5" dirty="0">
                 <a:solidFill>
                   <a:srgbClr val="003399"/>
                 </a:solidFill>
@@ -47218,7 +50210,7 @@
               </a:rPr>
               <a:t>Short</a:t>
             </a:r>
-            <a:endParaRPr sz="2400">
+            <a:endParaRPr sz="2400" dirty="0">
               <a:latin typeface="Arial"/>
               <a:cs typeface="Arial"/>
             </a:endParaRPr>
@@ -47271,7 +50263,7 @@
               </a:rPr>
               <a:t>integer</a:t>
             </a:r>
-            <a:endParaRPr sz="1200">
+            <a:endParaRPr sz="1200" dirty="0">
               <a:latin typeface="Arial"/>
               <a:cs typeface="Arial"/>
             </a:endParaRPr>
@@ -47324,7 +50316,7 @@
               </a:rPr>
               <a:t>-9,223,372,036,854,775,808(-2^63)</a:t>
             </a:r>
-            <a:endParaRPr sz="1200">
+            <a:endParaRPr sz="1200" dirty="0">
               <a:latin typeface="Arial"/>
               <a:cs typeface="Arial"/>
             </a:endParaRPr>
@@ -47377,7 +50369,7 @@
               </a:rPr>
               <a:t>-1)</a:t>
             </a:r>
-            <a:endParaRPr sz="1200">
+            <a:endParaRPr sz="1200" dirty="0">
               <a:latin typeface="Arial"/>
               <a:cs typeface="Arial"/>
             </a:endParaRPr>
@@ -47450,7 +50442,7 @@
               </a:rPr>
               <a:t>needed</a:t>
             </a:r>
-            <a:endParaRPr sz="1200">
+            <a:endParaRPr sz="1200" dirty="0">
               <a:latin typeface="Arial"/>
               <a:cs typeface="Arial"/>
             </a:endParaRPr>
@@ -47503,7 +50495,7 @@
               </a:rPr>
               <a:t>0L</a:t>
             </a:r>
-            <a:endParaRPr sz="1200">
+            <a:endParaRPr sz="1200" dirty="0">
               <a:latin typeface="Arial"/>
               <a:cs typeface="Arial"/>
             </a:endParaRPr>
@@ -48298,7 +51290,7 @@
               </a:rPr>
               <a:t>Float</a:t>
             </a:r>
-            <a:endParaRPr sz="2800">
+            <a:endParaRPr sz="2800" dirty="0">
               <a:latin typeface="Arial"/>
               <a:cs typeface="Arial"/>
             </a:endParaRPr>
@@ -48371,7 +51363,7 @@
               </a:rPr>
               <a:t>point</a:t>
             </a:r>
-            <a:endParaRPr sz="1200">
+            <a:endParaRPr sz="1200" dirty="0">
               <a:latin typeface="Arial"/>
               <a:cs typeface="Arial"/>
             </a:endParaRPr>
@@ -48598,7 +51590,7 @@
               </a:tabLst>
             </a:pPr>
             <a:r>
-              <a:rPr sz="2400" b="1" spc="-5" dirty="0">
+              <a:rPr sz="2400" spc="-5" dirty="0">
                 <a:solidFill>
                   <a:srgbClr val="003399"/>
                 </a:solidFill>
@@ -48607,7 +51599,7 @@
               </a:rPr>
               <a:t>Double</a:t>
             </a:r>
-            <a:endParaRPr sz="2400">
+            <a:endParaRPr sz="2400" dirty="0">
               <a:latin typeface="Arial"/>
               <a:cs typeface="Arial"/>
             </a:endParaRPr>
@@ -48660,7 +51652,7 @@
               </a:rPr>
               <a:t>754 floating point</a:t>
             </a:r>
-            <a:endParaRPr sz="1200">
+            <a:endParaRPr sz="1200" dirty="0">
               <a:latin typeface="Arial"/>
               <a:cs typeface="Arial"/>
             </a:endParaRPr>
@@ -48713,7 +51705,7 @@
               </a:rPr>
               <a:t>choice</a:t>
             </a:r>
-            <a:endParaRPr sz="1200">
+            <a:endParaRPr sz="1200" dirty="0">
               <a:latin typeface="Arial"/>
               <a:cs typeface="Arial"/>
             </a:endParaRPr>
@@ -48746,7 +51738,7 @@
               </a:rPr>
               <a:t>Double data type should never be used for precise values such as  currency</a:t>
             </a:r>
-            <a:endParaRPr sz="1200">
+            <a:endParaRPr sz="1200" dirty="0">
               <a:latin typeface="Arial"/>
               <a:cs typeface="Arial"/>
             </a:endParaRPr>
@@ -48799,7 +51791,7 @@
               </a:rPr>
               <a:t>0.0d</a:t>
             </a:r>
-            <a:endParaRPr sz="1200">
+            <a:endParaRPr sz="1200" dirty="0">
               <a:latin typeface="Arial"/>
               <a:cs typeface="Arial"/>
             </a:endParaRPr>
@@ -49954,7 +52946,7 @@
               </a:tabLst>
             </a:pPr>
             <a:r>
-              <a:rPr sz="2800" b="1" dirty="0">
+              <a:rPr sz="2800" dirty="0">
                 <a:solidFill>
                   <a:srgbClr val="003399"/>
                 </a:solidFill>
@@ -50246,7 +53238,27 @@
                 <a:latin typeface="Arial"/>
                 <a:cs typeface="Arial"/>
               </a:rPr>
-              <a:t>variable type ‘String’ must be used </a:t>
+              <a:t>variable type ‘</a:t>
+            </a:r>
+            <a:r>
+              <a:rPr sz="1200" b="1" u="sng" spc="-5" dirty="0">
+                <a:solidFill>
+                  <a:srgbClr val="003399"/>
+                </a:solidFill>
+                <a:latin typeface="Arial"/>
+                <a:cs typeface="Arial"/>
+              </a:rPr>
+              <a:t>String</a:t>
+            </a:r>
+            <a:r>
+              <a:rPr sz="1200" b="1" spc="-5" dirty="0">
+                <a:solidFill>
+                  <a:srgbClr val="003399"/>
+                </a:solidFill>
+                <a:latin typeface="Arial"/>
+                <a:cs typeface="Arial"/>
+              </a:rPr>
+              <a:t>’ must be used </a:t>
             </a:r>
             <a:r>
               <a:rPr sz="1200" b="1" dirty="0">
